--- a/week01/02.Start.pptx
+++ b/week01/02.Start.pptx
@@ -5,7 +5,7 @@
     <p:sldMasterId id="2147483648" r:id="rId1"/>
   </p:sldMasterIdLst>
   <p:notesMasterIdLst>
-    <p:notesMasterId r:id="rId37"/>
+    <p:notesMasterId r:id="rId36"/>
   </p:notesMasterIdLst>
   <p:sldIdLst>
     <p:sldId id="256" r:id="rId2"/>
@@ -13,36 +13,35 @@
     <p:sldId id="291" r:id="rId4"/>
     <p:sldId id="296" r:id="rId5"/>
     <p:sldId id="297" r:id="rId6"/>
-    <p:sldId id="298" r:id="rId7"/>
-    <p:sldId id="294" r:id="rId8"/>
-    <p:sldId id="299" r:id="rId9"/>
-    <p:sldId id="303" r:id="rId10"/>
-    <p:sldId id="301" r:id="rId11"/>
-    <p:sldId id="302" r:id="rId12"/>
-    <p:sldId id="305" r:id="rId13"/>
-    <p:sldId id="306" r:id="rId14"/>
-    <p:sldId id="307" r:id="rId15"/>
-    <p:sldId id="308" r:id="rId16"/>
-    <p:sldId id="309" r:id="rId17"/>
-    <p:sldId id="310" r:id="rId18"/>
-    <p:sldId id="311" r:id="rId19"/>
-    <p:sldId id="304" r:id="rId20"/>
-    <p:sldId id="312" r:id="rId21"/>
-    <p:sldId id="313" r:id="rId22"/>
-    <p:sldId id="314" r:id="rId23"/>
-    <p:sldId id="315" r:id="rId24"/>
-    <p:sldId id="316" r:id="rId25"/>
-    <p:sldId id="326" r:id="rId26"/>
-    <p:sldId id="317" r:id="rId27"/>
-    <p:sldId id="327" r:id="rId28"/>
-    <p:sldId id="318" r:id="rId29"/>
-    <p:sldId id="319" r:id="rId30"/>
-    <p:sldId id="320" r:id="rId31"/>
-    <p:sldId id="321" r:id="rId32"/>
-    <p:sldId id="322" r:id="rId33"/>
-    <p:sldId id="323" r:id="rId34"/>
-    <p:sldId id="324" r:id="rId35"/>
-    <p:sldId id="325" r:id="rId36"/>
+    <p:sldId id="294" r:id="rId7"/>
+    <p:sldId id="299" r:id="rId8"/>
+    <p:sldId id="303" r:id="rId9"/>
+    <p:sldId id="301" r:id="rId10"/>
+    <p:sldId id="302" r:id="rId11"/>
+    <p:sldId id="305" r:id="rId12"/>
+    <p:sldId id="306" r:id="rId13"/>
+    <p:sldId id="307" r:id="rId14"/>
+    <p:sldId id="308" r:id="rId15"/>
+    <p:sldId id="309" r:id="rId16"/>
+    <p:sldId id="310" r:id="rId17"/>
+    <p:sldId id="311" r:id="rId18"/>
+    <p:sldId id="304" r:id="rId19"/>
+    <p:sldId id="312" r:id="rId20"/>
+    <p:sldId id="313" r:id="rId21"/>
+    <p:sldId id="314" r:id="rId22"/>
+    <p:sldId id="315" r:id="rId23"/>
+    <p:sldId id="316" r:id="rId24"/>
+    <p:sldId id="326" r:id="rId25"/>
+    <p:sldId id="317" r:id="rId26"/>
+    <p:sldId id="327" r:id="rId27"/>
+    <p:sldId id="318" r:id="rId28"/>
+    <p:sldId id="319" r:id="rId29"/>
+    <p:sldId id="320" r:id="rId30"/>
+    <p:sldId id="321" r:id="rId31"/>
+    <p:sldId id="322" r:id="rId32"/>
+    <p:sldId id="323" r:id="rId33"/>
+    <p:sldId id="324" r:id="rId34"/>
+    <p:sldId id="325" r:id="rId35"/>
   </p:sldIdLst>
   <p:sldSz cx="9144000" cy="6858000" type="screen4x3"/>
   <p:notesSz cx="6858000" cy="9144000"/>
@@ -143,7 +142,7 @@
   </p:defaultTextStyle>
   <p:extLst>
     <p:ext uri="{EFAFB233-063F-42B5-8137-9DF3F51BA10A}">
-      <p15:sldGuideLst xmlns:p15="http://schemas.microsoft.com/office/powerpoint/2012/main">
+      <p15:sldGuideLst xmlns:p15="http://schemas.microsoft.com/office/powerpoint/2012/main" xmlns="">
         <p15:guide id="1" orient="horz" pos="2160">
           <p15:clr>
             <a:srgbClr val="A4A3A4"/>
@@ -6474,780 +6473,17 @@
   <p:clrMapOvr>
     <a:masterClrMapping/>
   </p:clrMapOvr>
+  <p:timing>
+    <p:tnLst>
+      <p:par>
+        <p:cTn id="1" dur="indefinite" restart="never" nodeType="tmRoot"/>
+      </p:par>
+    </p:tnLst>
+  </p:timing>
 </p:sld>
 </file>
 
 <file path=ppt/slides/slide10.xml><?xml version="1.0" encoding="utf-8"?>
-<p:sld xmlns:a="http://schemas.openxmlformats.org/drawingml/2006/main" xmlns:r="http://schemas.openxmlformats.org/officeDocument/2006/relationships" xmlns:p="http://schemas.openxmlformats.org/presentationml/2006/main">
-  <p:cSld>
-    <p:spTree>
-      <p:nvGrpSpPr>
-        <p:cNvPr id="1" name="Shape 284"/>
-        <p:cNvGrpSpPr/>
-        <p:nvPr/>
-      </p:nvGrpSpPr>
-      <p:grpSpPr>
-        <a:xfrm>
-          <a:off x="0" y="0"/>
-          <a:ext cx="0" cy="0"/>
-          <a:chOff x="0" y="0"/>
-          <a:chExt cx="0" cy="0"/>
-        </a:xfrm>
-      </p:grpSpPr>
-      <p:sp>
-        <p:nvSpPr>
-          <p:cNvPr id="285" name="Shape 285"/>
-          <p:cNvSpPr txBox="1">
-            <a:spLocks noGrp="1"/>
-          </p:cNvSpPr>
-          <p:nvPr>
-            <p:ph type="title"/>
-          </p:nvPr>
-        </p:nvSpPr>
-        <p:spPr>
-          <a:xfrm>
-            <a:off x="679017" y="620688"/>
-            <a:ext cx="7836694" cy="1293018"/>
-          </a:xfrm>
-          <a:prstGeom prst="rect">
-            <a:avLst/>
-          </a:prstGeom>
-          <a:noFill/>
-          <a:ln>
-            <a:noFill/>
-          </a:ln>
-        </p:spPr>
-        <p:txBody>
-          <a:bodyPr vert="horz" lIns="21431" tIns="21431" rIns="21431" bIns="21431" rtlCol="0" anchor="ctr" anchorCtr="0">
-            <a:noAutofit/>
-          </a:bodyPr>
-          <a:lstStyle/>
-          <a:p>
-            <a:pPr>
-              <a:spcBef>
-                <a:spcPts val="0"/>
-              </a:spcBef>
-              <a:buClr>
-                <a:srgbClr val="FF7F00"/>
-              </a:buClr>
-              <a:buSzPct val="25000"/>
-            </a:pPr>
-            <a:r>
-              <a:rPr lang="en-US" sz="3938" dirty="0" err="1">
-                <a:latin typeface="Cabin"/>
-                <a:ea typeface="Cabin"/>
-                <a:cs typeface="Cabin"/>
-                <a:sym typeface="Cabin"/>
-              </a:rPr>
-              <a:t>Правила</a:t>
-            </a:r>
-            <a:r>
-              <a:rPr lang="en-US" sz="3938" dirty="0">
-                <a:latin typeface="Cabin"/>
-                <a:ea typeface="Cabin"/>
-                <a:cs typeface="Cabin"/>
-                <a:sym typeface="Cabin"/>
-              </a:rPr>
-              <a:t> Python </a:t>
-            </a:r>
-            <a:r>
-              <a:rPr lang="en-US" sz="3938" dirty="0" err="1">
-                <a:latin typeface="Cabin"/>
-                <a:ea typeface="Cabin"/>
-                <a:cs typeface="Cabin"/>
-                <a:sym typeface="Cabin"/>
-              </a:rPr>
-              <a:t>для</a:t>
-            </a:r>
-            <a:r>
-              <a:rPr lang="en-US" sz="3938" dirty="0">
-                <a:latin typeface="Cabin"/>
-                <a:ea typeface="Cabin"/>
-                <a:cs typeface="Cabin"/>
-                <a:sym typeface="Cabin"/>
-              </a:rPr>
-              <a:t> </a:t>
-            </a:r>
-            <a:r>
-              <a:rPr lang="en-US" sz="3938" dirty="0" err="1">
-                <a:latin typeface="Cabin"/>
-                <a:ea typeface="Cabin"/>
-                <a:cs typeface="Cabin"/>
-                <a:sym typeface="Cabin"/>
-              </a:rPr>
-              <a:t>названия</a:t>
-            </a:r>
-            <a:r>
-              <a:rPr lang="en-US" sz="3938" dirty="0">
-                <a:latin typeface="Cabin"/>
-                <a:ea typeface="Cabin"/>
-                <a:cs typeface="Cabin"/>
-                <a:sym typeface="Cabin"/>
-              </a:rPr>
-              <a:t> </a:t>
-            </a:r>
-            <a:r>
-              <a:rPr lang="en-US" sz="3938" dirty="0" err="1">
-                <a:latin typeface="Cabin"/>
-                <a:ea typeface="Cabin"/>
-                <a:cs typeface="Cabin"/>
-                <a:sym typeface="Cabin"/>
-              </a:rPr>
-              <a:t>переменных</a:t>
-            </a:r>
-            <a:endParaRPr lang="en-US" sz="3938" dirty="0">
-              <a:latin typeface="Cabin"/>
-              <a:ea typeface="Cabin"/>
-              <a:cs typeface="Cabin"/>
-              <a:sym typeface="Cabin"/>
-            </a:endParaRPr>
-          </a:p>
-        </p:txBody>
-      </p:sp>
-      <p:sp>
-        <p:nvSpPr>
-          <p:cNvPr id="286" name="Shape 286"/>
-          <p:cNvSpPr txBox="1">
-            <a:spLocks noGrp="1"/>
-          </p:cNvSpPr>
-          <p:nvPr>
-            <p:ph type="body" idx="1"/>
-          </p:nvPr>
-        </p:nvSpPr>
-        <p:spPr>
-          <a:xfrm>
-            <a:off x="679017" y="2132856"/>
-            <a:ext cx="7836694" cy="3714725"/>
-          </a:xfrm>
-          <a:prstGeom prst="rect">
-            <a:avLst/>
-          </a:prstGeom>
-          <a:noFill/>
-          <a:ln>
-            <a:noFill/>
-          </a:ln>
-        </p:spPr>
-        <p:txBody>
-          <a:bodyPr vert="horz" lIns="21431" tIns="21431" rIns="21431" bIns="21431" rtlCol="0" anchor="ctr" anchorCtr="0">
-            <a:noAutofit/>
-          </a:bodyPr>
-          <a:lstStyle/>
-          <a:p>
-            <a:pPr marL="421481" indent="-190881">
-              <a:spcBef>
-                <a:spcPts val="0"/>
-              </a:spcBef>
-              <a:buClr>
-                <a:schemeClr val="lt1"/>
-              </a:buClr>
-              <a:buSzPct val="100000"/>
-              <a:buFont typeface="Cabin"/>
-              <a:buChar char="•"/>
-            </a:pPr>
-            <a:r>
-              <a:rPr lang="en-US" sz="2000" dirty="0" err="1">
-                <a:latin typeface="Cabin"/>
-                <a:ea typeface="Cabin"/>
-                <a:cs typeface="Cabin"/>
-                <a:sym typeface="Cabin"/>
-              </a:rPr>
-              <a:t>Название</a:t>
-            </a:r>
-            <a:r>
-              <a:rPr lang="en-US" sz="2000" dirty="0">
-                <a:latin typeface="Cabin"/>
-                <a:ea typeface="Cabin"/>
-                <a:cs typeface="Cabin"/>
-                <a:sym typeface="Cabin"/>
-              </a:rPr>
-              <a:t> </a:t>
-            </a:r>
-            <a:r>
-              <a:rPr lang="en-US" sz="2000" dirty="0" err="1">
-                <a:latin typeface="Cabin"/>
-                <a:ea typeface="Cabin"/>
-                <a:cs typeface="Cabin"/>
-                <a:sym typeface="Cabin"/>
-              </a:rPr>
-              <a:t>переменной</a:t>
-            </a:r>
-            <a:r>
-              <a:rPr lang="en-US" sz="2000" dirty="0">
-                <a:latin typeface="Cabin"/>
-                <a:ea typeface="Cabin"/>
-                <a:cs typeface="Cabin"/>
-                <a:sym typeface="Cabin"/>
-              </a:rPr>
-              <a:t> </a:t>
-            </a:r>
-            <a:r>
-              <a:rPr lang="en-US" sz="2000" dirty="0" err="1">
-                <a:latin typeface="Cabin"/>
-                <a:ea typeface="Cabin"/>
-                <a:cs typeface="Cabin"/>
-                <a:sym typeface="Cabin"/>
-              </a:rPr>
-              <a:t>должно</a:t>
-            </a:r>
-            <a:r>
-              <a:rPr lang="en-US" sz="2000" dirty="0">
-                <a:latin typeface="Cabin"/>
-                <a:ea typeface="Cabin"/>
-                <a:cs typeface="Cabin"/>
-                <a:sym typeface="Cabin"/>
-              </a:rPr>
-              <a:t> </a:t>
-            </a:r>
-            <a:r>
-              <a:rPr lang="en-US" sz="2000" dirty="0" err="1">
-                <a:latin typeface="Cabin"/>
-                <a:ea typeface="Cabin"/>
-                <a:cs typeface="Cabin"/>
-                <a:sym typeface="Cabin"/>
-              </a:rPr>
-              <a:t>начинаться</a:t>
-            </a:r>
-            <a:r>
-              <a:rPr lang="en-US" sz="2000" dirty="0">
-                <a:latin typeface="Cabin"/>
-                <a:ea typeface="Cabin"/>
-                <a:cs typeface="Cabin"/>
-                <a:sym typeface="Cabin"/>
-              </a:rPr>
-              <a:t> с </a:t>
-            </a:r>
-            <a:r>
-              <a:rPr lang="en-US" sz="2000" dirty="0" err="1">
-                <a:latin typeface="Cabin"/>
-                <a:ea typeface="Cabin"/>
-                <a:cs typeface="Cabin"/>
-                <a:sym typeface="Cabin"/>
-              </a:rPr>
-              <a:t>буквы</a:t>
-            </a:r>
-            <a:r>
-              <a:rPr lang="en-US" sz="2000" dirty="0">
-                <a:latin typeface="Cabin"/>
-                <a:ea typeface="Cabin"/>
-                <a:cs typeface="Cabin"/>
-                <a:sym typeface="Cabin"/>
-              </a:rPr>
-              <a:t> </a:t>
-            </a:r>
-            <a:r>
-              <a:rPr lang="en-US" sz="2000" dirty="0" err="1">
-                <a:latin typeface="Cabin"/>
-                <a:ea typeface="Cabin"/>
-                <a:cs typeface="Cabin"/>
-                <a:sym typeface="Cabin"/>
-              </a:rPr>
-              <a:t>или</a:t>
-            </a:r>
-            <a:r>
-              <a:rPr lang="en-US" sz="2000" dirty="0">
-                <a:latin typeface="Cabin"/>
-                <a:ea typeface="Cabin"/>
-                <a:cs typeface="Cabin"/>
-                <a:sym typeface="Cabin"/>
-              </a:rPr>
-              <a:t> </a:t>
-            </a:r>
-            <a:r>
-              <a:rPr lang="en-US" sz="2000" dirty="0" err="1">
-                <a:latin typeface="Cabin"/>
-                <a:ea typeface="Cabin"/>
-                <a:cs typeface="Cabin"/>
-                <a:sym typeface="Cabin"/>
-              </a:rPr>
-              <a:t>нижнего</a:t>
-            </a:r>
-            <a:r>
-              <a:rPr lang="en-US" sz="2000" dirty="0">
-                <a:latin typeface="Cabin"/>
-                <a:ea typeface="Cabin"/>
-                <a:cs typeface="Cabin"/>
-                <a:sym typeface="Cabin"/>
-              </a:rPr>
-              <a:t> </a:t>
-            </a:r>
-            <a:r>
-              <a:rPr lang="en-US" sz="2000" dirty="0" err="1">
-                <a:latin typeface="Cabin"/>
-                <a:ea typeface="Cabin"/>
-                <a:cs typeface="Cabin"/>
-                <a:sym typeface="Cabin"/>
-              </a:rPr>
-              <a:t>подчеркивания</a:t>
-            </a:r>
-            <a:r>
-              <a:rPr lang="en-US" sz="2000" dirty="0">
-                <a:latin typeface="Cabin"/>
-                <a:ea typeface="Cabin"/>
-                <a:cs typeface="Cabin"/>
-                <a:sym typeface="Cabin"/>
-              </a:rPr>
-              <a:t> _ </a:t>
-            </a:r>
-          </a:p>
-          <a:p>
-            <a:pPr marL="421481" indent="-190881">
-              <a:spcBef>
-                <a:spcPts val="1969"/>
-              </a:spcBef>
-              <a:buClr>
-                <a:schemeClr val="lt1"/>
-              </a:buClr>
-              <a:buSzPct val="100000"/>
-              <a:buFont typeface="Cabin"/>
-              <a:buChar char="•"/>
-            </a:pPr>
-            <a:r>
-              <a:rPr lang="en-US" sz="2000" dirty="0" err="1">
-                <a:latin typeface="Cabin"/>
-                <a:ea typeface="Cabin"/>
-                <a:cs typeface="Cabin"/>
-                <a:sym typeface="Cabin"/>
-              </a:rPr>
-              <a:t>Должно</a:t>
-            </a:r>
-            <a:r>
-              <a:rPr lang="en-US" sz="2000" dirty="0">
-                <a:latin typeface="Cabin"/>
-                <a:ea typeface="Cabin"/>
-                <a:cs typeface="Cabin"/>
-                <a:sym typeface="Cabin"/>
-              </a:rPr>
-              <a:t> </a:t>
-            </a:r>
-            <a:r>
-              <a:rPr lang="en-US" sz="2000" dirty="0" err="1">
-                <a:latin typeface="Cabin"/>
-                <a:ea typeface="Cabin"/>
-                <a:cs typeface="Cabin"/>
-                <a:sym typeface="Cabin"/>
-              </a:rPr>
-              <a:t>состоять</a:t>
-            </a:r>
-            <a:r>
-              <a:rPr lang="en-US" sz="2000" dirty="0">
-                <a:latin typeface="Cabin"/>
-                <a:ea typeface="Cabin"/>
-                <a:cs typeface="Cabin"/>
-                <a:sym typeface="Cabin"/>
-              </a:rPr>
-              <a:t> </a:t>
-            </a:r>
-            <a:r>
-              <a:rPr lang="en-US" sz="2000" dirty="0" err="1">
-                <a:latin typeface="Cabin"/>
-                <a:ea typeface="Cabin"/>
-                <a:cs typeface="Cabin"/>
-                <a:sym typeface="Cabin"/>
-              </a:rPr>
-              <a:t>из</a:t>
-            </a:r>
-            <a:r>
-              <a:rPr lang="en-US" sz="2000" dirty="0">
-                <a:latin typeface="Cabin"/>
-                <a:ea typeface="Cabin"/>
-                <a:cs typeface="Cabin"/>
-                <a:sym typeface="Cabin"/>
-              </a:rPr>
-              <a:t> </a:t>
-            </a:r>
-            <a:r>
-              <a:rPr lang="en-US" sz="2000" dirty="0" err="1">
-                <a:latin typeface="Cabin"/>
-                <a:ea typeface="Cabin"/>
-                <a:cs typeface="Cabin"/>
-                <a:sym typeface="Cabin"/>
-              </a:rPr>
-              <a:t>букв</a:t>
-            </a:r>
-            <a:r>
-              <a:rPr lang="en-US" sz="2000" dirty="0">
-                <a:latin typeface="Cabin"/>
-                <a:ea typeface="Cabin"/>
-                <a:cs typeface="Cabin"/>
-                <a:sym typeface="Cabin"/>
-              </a:rPr>
-              <a:t> и </a:t>
-            </a:r>
-            <a:r>
-              <a:rPr lang="en-US" sz="2000" dirty="0" err="1">
-                <a:latin typeface="Cabin"/>
-                <a:ea typeface="Cabin"/>
-                <a:cs typeface="Cabin"/>
-                <a:sym typeface="Cabin"/>
-              </a:rPr>
-              <a:t>может</a:t>
-            </a:r>
-            <a:r>
-              <a:rPr lang="en-US" sz="2000" dirty="0">
-                <a:latin typeface="Cabin"/>
-                <a:ea typeface="Cabin"/>
-                <a:cs typeface="Cabin"/>
-                <a:sym typeface="Cabin"/>
-              </a:rPr>
-              <a:t> </a:t>
-            </a:r>
-            <a:r>
-              <a:rPr lang="en-US" sz="2000" dirty="0" err="1">
-                <a:latin typeface="Cabin"/>
-                <a:ea typeface="Cabin"/>
-                <a:cs typeface="Cabin"/>
-                <a:sym typeface="Cabin"/>
-              </a:rPr>
-              <a:t>включать</a:t>
-            </a:r>
-            <a:r>
-              <a:rPr lang="en-US" sz="2000" dirty="0">
-                <a:latin typeface="Cabin"/>
-                <a:ea typeface="Cabin"/>
-                <a:cs typeface="Cabin"/>
-                <a:sym typeface="Cabin"/>
-              </a:rPr>
-              <a:t> </a:t>
-            </a:r>
-            <a:r>
-              <a:rPr lang="en-US" sz="2000" dirty="0" err="1">
-                <a:latin typeface="Cabin"/>
-                <a:ea typeface="Cabin"/>
-                <a:cs typeface="Cabin"/>
-                <a:sym typeface="Cabin"/>
-              </a:rPr>
-              <a:t>числа</a:t>
-            </a:r>
-            <a:r>
-              <a:rPr lang="en-US" sz="2000" dirty="0">
-                <a:latin typeface="Cabin"/>
-                <a:ea typeface="Cabin"/>
-                <a:cs typeface="Cabin"/>
-                <a:sym typeface="Cabin"/>
-              </a:rPr>
-              <a:t> и </a:t>
-            </a:r>
-            <a:r>
-              <a:rPr lang="en-US" sz="2000" dirty="0" err="1">
-                <a:latin typeface="Cabin"/>
-                <a:ea typeface="Cabin"/>
-                <a:cs typeface="Cabin"/>
-                <a:sym typeface="Cabin"/>
-              </a:rPr>
-              <a:t>нижние</a:t>
-            </a:r>
-            <a:r>
-              <a:rPr lang="en-US" sz="2000" dirty="0">
-                <a:latin typeface="Cabin"/>
-                <a:ea typeface="Cabin"/>
-                <a:cs typeface="Cabin"/>
-                <a:sym typeface="Cabin"/>
-              </a:rPr>
-              <a:t> </a:t>
-            </a:r>
-            <a:r>
-              <a:rPr lang="en-US" sz="2000" dirty="0" err="1">
-                <a:latin typeface="Cabin"/>
-                <a:ea typeface="Cabin"/>
-                <a:cs typeface="Cabin"/>
-                <a:sym typeface="Cabin"/>
-              </a:rPr>
-              <a:t>подчеркивания</a:t>
-            </a:r>
-            <a:endParaRPr lang="en-US" sz="2000" dirty="0">
-              <a:latin typeface="Cabin"/>
-              <a:ea typeface="Cabin"/>
-              <a:cs typeface="Cabin"/>
-              <a:sym typeface="Cabin"/>
-            </a:endParaRPr>
-          </a:p>
-          <a:p>
-            <a:pPr marL="421481" indent="-190881">
-              <a:spcBef>
-                <a:spcPts val="1969"/>
-              </a:spcBef>
-              <a:buClr>
-                <a:schemeClr val="lt1"/>
-              </a:buClr>
-              <a:buSzPct val="100000"/>
-              <a:buFont typeface="Cabin"/>
-              <a:buChar char="•"/>
-            </a:pPr>
-            <a:r>
-              <a:rPr lang="en-US" sz="2000" dirty="0" err="1">
-                <a:latin typeface="Cabin"/>
-                <a:ea typeface="Cabin"/>
-                <a:cs typeface="Cabin"/>
-                <a:sym typeface="Cabin"/>
-              </a:rPr>
-              <a:t>Регистр</a:t>
-            </a:r>
-            <a:r>
-              <a:rPr lang="en-US" sz="2000" dirty="0">
-                <a:latin typeface="Cabin"/>
-                <a:ea typeface="Cabin"/>
-                <a:cs typeface="Cabin"/>
-                <a:sym typeface="Cabin"/>
-              </a:rPr>
-              <a:t> </a:t>
-            </a:r>
-            <a:r>
-              <a:rPr lang="en-US" sz="2000" dirty="0" err="1">
-                <a:latin typeface="Cabin"/>
-                <a:ea typeface="Cabin"/>
-                <a:cs typeface="Cabin"/>
-                <a:sym typeface="Cabin"/>
-              </a:rPr>
-              <a:t>имеет</a:t>
-            </a:r>
-            <a:r>
-              <a:rPr lang="en-US" sz="2000" dirty="0">
-                <a:latin typeface="Cabin"/>
-                <a:ea typeface="Cabin"/>
-                <a:cs typeface="Cabin"/>
-                <a:sym typeface="Cabin"/>
-              </a:rPr>
-              <a:t> </a:t>
-            </a:r>
-            <a:r>
-              <a:rPr lang="en-US" sz="2000" dirty="0" err="1">
-                <a:latin typeface="Cabin"/>
-                <a:ea typeface="Cabin"/>
-                <a:cs typeface="Cabin"/>
-                <a:sym typeface="Cabin"/>
-              </a:rPr>
-              <a:t>значение</a:t>
-            </a:r>
-            <a:endParaRPr lang="en-US" sz="2000" dirty="0">
-              <a:latin typeface="Cabin"/>
-              <a:ea typeface="Cabin"/>
-              <a:cs typeface="Cabin"/>
-              <a:sym typeface="Cabin"/>
-            </a:endParaRPr>
-          </a:p>
-          <a:p>
-            <a:pPr marL="421481" indent="-190881">
-              <a:spcBef>
-                <a:spcPts val="1969"/>
-              </a:spcBef>
-              <a:buClr>
-                <a:srgbClr val="00FF00"/>
-              </a:buClr>
-              <a:buSzPct val="100000"/>
-              <a:buFont typeface="Cabin"/>
-              <a:buChar char="•"/>
-            </a:pPr>
-            <a:r>
-              <a:rPr lang="en-US" sz="2000" dirty="0" err="1">
-                <a:solidFill>
-                  <a:srgbClr val="00FF00"/>
-                </a:solidFill>
-                <a:latin typeface="Cabin"/>
-                <a:ea typeface="Cabin"/>
-                <a:cs typeface="Cabin"/>
-                <a:sym typeface="Cabin"/>
-              </a:rPr>
-              <a:t>Хорошие</a:t>
-            </a:r>
-            <a:r>
-              <a:rPr lang="en-US" sz="2000" dirty="0">
-                <a:solidFill>
-                  <a:srgbClr val="00FF00"/>
-                </a:solidFill>
-                <a:latin typeface="Cabin"/>
-                <a:ea typeface="Cabin"/>
-                <a:cs typeface="Cabin"/>
-                <a:sym typeface="Cabin"/>
-              </a:rPr>
-              <a:t> </a:t>
-            </a:r>
-            <a:r>
-              <a:rPr lang="en-US" sz="2000" dirty="0" err="1">
-                <a:solidFill>
-                  <a:srgbClr val="00FF00"/>
-                </a:solidFill>
-                <a:latin typeface="Cabin"/>
-                <a:ea typeface="Cabin"/>
-                <a:cs typeface="Cabin"/>
-                <a:sym typeface="Cabin"/>
-              </a:rPr>
-              <a:t>названия</a:t>
-            </a:r>
-            <a:r>
-              <a:rPr lang="en-US" sz="2000" dirty="0">
-                <a:latin typeface="Cabin"/>
-                <a:ea typeface="Cabin"/>
-                <a:cs typeface="Cabin"/>
-                <a:sym typeface="Cabin"/>
-              </a:rPr>
-              <a:t>:    spam    eggs   spam23    _speed</a:t>
-            </a:r>
-          </a:p>
-          <a:p>
-            <a:pPr marL="421481" indent="-190881">
-              <a:spcBef>
-                <a:spcPts val="1969"/>
-              </a:spcBef>
-              <a:buClr>
-                <a:srgbClr val="FF0000"/>
-              </a:buClr>
-              <a:buSzPct val="100000"/>
-              <a:buFont typeface="Cabin"/>
-              <a:buChar char="•"/>
-            </a:pPr>
-            <a:r>
-              <a:rPr lang="en-US" sz="2000" dirty="0" err="1">
-                <a:solidFill>
-                  <a:srgbClr val="FF0000"/>
-                </a:solidFill>
-                <a:latin typeface="Cabin"/>
-                <a:ea typeface="Cabin"/>
-                <a:cs typeface="Cabin"/>
-                <a:sym typeface="Cabin"/>
-              </a:rPr>
-              <a:t>Плохие</a:t>
-            </a:r>
-            <a:r>
-              <a:rPr lang="en-US" sz="2000" dirty="0">
-                <a:solidFill>
-                  <a:srgbClr val="FF0000"/>
-                </a:solidFill>
-                <a:latin typeface="Cabin"/>
-                <a:ea typeface="Cabin"/>
-                <a:cs typeface="Cabin"/>
-                <a:sym typeface="Cabin"/>
-              </a:rPr>
-              <a:t> </a:t>
-            </a:r>
-            <a:r>
-              <a:rPr lang="en-US" sz="2000" dirty="0" err="1">
-                <a:solidFill>
-                  <a:srgbClr val="FF0000"/>
-                </a:solidFill>
-                <a:latin typeface="Cabin"/>
-                <a:ea typeface="Cabin"/>
-                <a:cs typeface="Cabin"/>
-                <a:sym typeface="Cabin"/>
-              </a:rPr>
-              <a:t>названия</a:t>
-            </a:r>
-            <a:r>
-              <a:rPr lang="en-US" sz="2000" dirty="0">
-                <a:latin typeface="Cabin"/>
-                <a:ea typeface="Cabin"/>
-                <a:cs typeface="Cabin"/>
-                <a:sym typeface="Cabin"/>
-              </a:rPr>
-              <a:t>:       23spam     #sign  var.12</a:t>
-            </a:r>
-          </a:p>
-          <a:p>
-            <a:pPr marL="421481" indent="-190881">
-              <a:spcBef>
-                <a:spcPts val="1969"/>
-              </a:spcBef>
-              <a:buClr>
-                <a:srgbClr val="FF00FF"/>
-              </a:buClr>
-              <a:buSzPct val="100000"/>
-              <a:buFont typeface="Cabin"/>
-              <a:buChar char="•"/>
-            </a:pPr>
-            <a:r>
-              <a:rPr lang="en-US" sz="2000" dirty="0" err="1">
-                <a:solidFill>
-                  <a:srgbClr val="FF00FF"/>
-                </a:solidFill>
-                <a:latin typeface="Cabin"/>
-                <a:ea typeface="Cabin"/>
-                <a:cs typeface="Cabin"/>
-                <a:sym typeface="Cabin"/>
-              </a:rPr>
-              <a:t>Отличающиеся</a:t>
-            </a:r>
-            <a:r>
-              <a:rPr lang="en-US" sz="2000" dirty="0">
-                <a:solidFill>
-                  <a:srgbClr val="FF00FF"/>
-                </a:solidFill>
-                <a:latin typeface="Cabin"/>
-                <a:ea typeface="Cabin"/>
-                <a:cs typeface="Cabin"/>
-                <a:sym typeface="Cabin"/>
-              </a:rPr>
-              <a:t> </a:t>
-            </a:r>
-            <a:r>
-              <a:rPr lang="en-US" sz="2000" dirty="0" err="1">
-                <a:solidFill>
-                  <a:srgbClr val="FF00FF"/>
-                </a:solidFill>
-                <a:latin typeface="Cabin"/>
-                <a:ea typeface="Cabin"/>
-                <a:cs typeface="Cabin"/>
-                <a:sym typeface="Cabin"/>
-              </a:rPr>
-              <a:t>названия</a:t>
-            </a:r>
-            <a:r>
-              <a:rPr lang="en-US" sz="2000" dirty="0">
-                <a:latin typeface="Cabin"/>
-                <a:ea typeface="Cabin"/>
-                <a:cs typeface="Cabin"/>
-                <a:sym typeface="Cabin"/>
-              </a:rPr>
-              <a:t>:    spam   </a:t>
-            </a:r>
-            <a:r>
-              <a:rPr lang="en-US" sz="2000" dirty="0" err="1">
-                <a:latin typeface="Cabin"/>
-                <a:ea typeface="Cabin"/>
-                <a:cs typeface="Cabin"/>
-                <a:sym typeface="Cabin"/>
-              </a:rPr>
-              <a:t>Spam</a:t>
-            </a:r>
-            <a:r>
-              <a:rPr lang="en-US" sz="2000" dirty="0">
-                <a:latin typeface="Cabin"/>
-                <a:ea typeface="Cabin"/>
-                <a:cs typeface="Cabin"/>
-                <a:sym typeface="Cabin"/>
-              </a:rPr>
-              <a:t>   </a:t>
-            </a:r>
-            <a:r>
-              <a:rPr lang="en-US" sz="2000" dirty="0" err="1">
-                <a:latin typeface="Cabin"/>
-                <a:ea typeface="Cabin"/>
-                <a:cs typeface="Cabin"/>
-                <a:sym typeface="Cabin"/>
-              </a:rPr>
-              <a:t>SPAM</a:t>
-            </a:r>
-            <a:endParaRPr lang="en-US" sz="2000" dirty="0">
-              <a:latin typeface="Cabin"/>
-              <a:ea typeface="Cabin"/>
-              <a:cs typeface="Cabin"/>
-              <a:sym typeface="Cabin"/>
-            </a:endParaRPr>
-          </a:p>
-        </p:txBody>
-      </p:sp>
-    </p:spTree>
-    <p:extLst>
-      <p:ext uri="{BB962C8B-B14F-4D97-AF65-F5344CB8AC3E}">
-        <p14:creationId xmlns:p14="http://schemas.microsoft.com/office/powerpoint/2010/main" val="2401253062"/>
-      </p:ext>
-    </p:extLst>
-  </p:cSld>
-  <p:clrMapOvr>
-    <a:masterClrMapping/>
-  </p:clrMapOvr>
-</p:sld>
-</file>
-
-<file path=ppt/slides/slide11.xml><?xml version="1.0" encoding="utf-8"?>
 <p:sld xmlns:a="http://schemas.openxmlformats.org/drawingml/2006/main" xmlns:r="http://schemas.openxmlformats.org/officeDocument/2006/relationships" xmlns:p="http://schemas.openxmlformats.org/presentationml/2006/main">
   <p:cSld>
     <p:spTree>
@@ -7613,10 +6849,17 @@
   <p:clrMapOvr>
     <a:masterClrMapping/>
   </p:clrMapOvr>
+  <p:timing>
+    <p:tnLst>
+      <p:par>
+        <p:cTn id="1" dur="indefinite" restart="never" nodeType="tmRoot"/>
+      </p:par>
+    </p:tnLst>
+  </p:timing>
 </p:sld>
 </file>
 
-<file path=ppt/slides/slide12.xml><?xml version="1.0" encoding="utf-8"?>
+<file path=ppt/slides/slide11.xml><?xml version="1.0" encoding="utf-8"?>
 <p:sld xmlns:a="http://schemas.openxmlformats.org/drawingml/2006/main" xmlns:r="http://schemas.openxmlformats.org/officeDocument/2006/relationships" xmlns:p="http://schemas.openxmlformats.org/presentationml/2006/main">
   <p:cSld>
     <p:spTree>
@@ -8526,10 +7769,17 @@
   <p:clrMapOvr>
     <a:masterClrMapping/>
   </p:clrMapOvr>
+  <p:timing>
+    <p:tnLst>
+      <p:par>
+        <p:cTn id="1" dur="indefinite" restart="never" nodeType="tmRoot"/>
+      </p:par>
+    </p:tnLst>
+  </p:timing>
 </p:sld>
 </file>
 
-<file path=ppt/slides/slide13.xml><?xml version="1.0" encoding="utf-8"?>
+<file path=ppt/slides/slide12.xml><?xml version="1.0" encoding="utf-8"?>
 <p:sld xmlns:a="http://schemas.openxmlformats.org/drawingml/2006/main" xmlns:r="http://schemas.openxmlformats.org/officeDocument/2006/relationships" xmlns:p="http://schemas.openxmlformats.org/presentationml/2006/main">
   <p:cSld>
     <p:spTree>
@@ -9574,10 +8824,17 @@
   <p:clrMapOvr>
     <a:masterClrMapping/>
   </p:clrMapOvr>
+  <p:timing>
+    <p:tnLst>
+      <p:par>
+        <p:cTn id="1" dur="indefinite" restart="never" nodeType="tmRoot"/>
+      </p:par>
+    </p:tnLst>
+  </p:timing>
 </p:sld>
 </file>
 
-<file path=ppt/slides/slide14.xml><?xml version="1.0" encoding="utf-8"?>
+<file path=ppt/slides/slide13.xml><?xml version="1.0" encoding="utf-8"?>
 <p:sld xmlns:a="http://schemas.openxmlformats.org/drawingml/2006/main" xmlns:r="http://schemas.openxmlformats.org/officeDocument/2006/relationships" xmlns:p="http://schemas.openxmlformats.org/presentationml/2006/main">
   <p:cSld>
     <p:spTree>
@@ -10250,10 +9507,17 @@
   <p:clrMapOvr>
     <a:masterClrMapping/>
   </p:clrMapOvr>
+  <p:timing>
+    <p:tnLst>
+      <p:par>
+        <p:cTn id="1" dur="indefinite" restart="never" nodeType="tmRoot"/>
+      </p:par>
+    </p:tnLst>
+  </p:timing>
 </p:sld>
 </file>
 
-<file path=ppt/slides/slide15.xml><?xml version="1.0" encoding="utf-8"?>
+<file path=ppt/slides/slide14.xml><?xml version="1.0" encoding="utf-8"?>
 <p:sld xmlns:a="http://schemas.openxmlformats.org/drawingml/2006/main" xmlns:r="http://schemas.openxmlformats.org/officeDocument/2006/relationships" xmlns:p="http://schemas.openxmlformats.org/presentationml/2006/main">
   <p:cSld>
     <p:spTree>
@@ -10847,14 +10111,14 @@
                 <a:gridCol w="1595184">
                   <a:extLst>
                     <a:ext uri="{9D8B030D-6E8A-4147-A177-3AD203B41FA5}">
-                      <a16:colId xmlns:a16="http://schemas.microsoft.com/office/drawing/2014/main" val="20000"/>
+                      <a16:colId xmlns:a16="http://schemas.microsoft.com/office/drawing/2014/main" xmlns="" val="20000"/>
                     </a:ext>
                   </a:extLst>
                 </a:gridCol>
                 <a:gridCol w="1746884">
                   <a:extLst>
                     <a:ext uri="{9D8B030D-6E8A-4147-A177-3AD203B41FA5}">
-                      <a16:colId xmlns:a16="http://schemas.microsoft.com/office/drawing/2014/main" val="20001"/>
+                      <a16:colId xmlns:a16="http://schemas.microsoft.com/office/drawing/2014/main" xmlns="" val="20001"/>
                     </a:ext>
                   </a:extLst>
                 </a:gridCol>
@@ -10944,7 +10208,7 @@
                 </a:tc>
                 <a:extLst>
                   <a:ext uri="{0D108BD9-81ED-4DB2-BD59-A6C34878D82A}">
-                    <a16:rowId xmlns:a16="http://schemas.microsoft.com/office/drawing/2014/main" val="10000"/>
+                    <a16:rowId xmlns:a16="http://schemas.microsoft.com/office/drawing/2014/main" xmlns="" val="10000"/>
                   </a:ext>
                 </a:extLst>
               </a:tr>
@@ -11033,7 +10297,7 @@
                 </a:tc>
                 <a:extLst>
                   <a:ext uri="{0D108BD9-81ED-4DB2-BD59-A6C34878D82A}">
-                    <a16:rowId xmlns:a16="http://schemas.microsoft.com/office/drawing/2014/main" val="10001"/>
+                    <a16:rowId xmlns:a16="http://schemas.microsoft.com/office/drawing/2014/main" xmlns="" val="10001"/>
                   </a:ext>
                 </a:extLst>
               </a:tr>
@@ -11122,7 +10386,7 @@
                 </a:tc>
                 <a:extLst>
                   <a:ext uri="{0D108BD9-81ED-4DB2-BD59-A6C34878D82A}">
-                    <a16:rowId xmlns:a16="http://schemas.microsoft.com/office/drawing/2014/main" val="10002"/>
+                    <a16:rowId xmlns:a16="http://schemas.microsoft.com/office/drawing/2014/main" xmlns="" val="10002"/>
                   </a:ext>
                 </a:extLst>
               </a:tr>
@@ -11211,7 +10475,7 @@
                 </a:tc>
                 <a:extLst>
                   <a:ext uri="{0D108BD9-81ED-4DB2-BD59-A6C34878D82A}">
-                    <a16:rowId xmlns:a16="http://schemas.microsoft.com/office/drawing/2014/main" val="10003"/>
+                    <a16:rowId xmlns:a16="http://schemas.microsoft.com/office/drawing/2014/main" xmlns="" val="10003"/>
                   </a:ext>
                 </a:extLst>
               </a:tr>
@@ -11300,7 +10564,7 @@
                 </a:tc>
                 <a:extLst>
                   <a:ext uri="{0D108BD9-81ED-4DB2-BD59-A6C34878D82A}">
-                    <a16:rowId xmlns:a16="http://schemas.microsoft.com/office/drawing/2014/main" val="10004"/>
+                    <a16:rowId xmlns:a16="http://schemas.microsoft.com/office/drawing/2014/main" xmlns="" val="10004"/>
                   </a:ext>
                 </a:extLst>
               </a:tr>
@@ -11413,7 +10677,7 @@
                 </a:tc>
                 <a:extLst>
                   <a:ext uri="{0D108BD9-81ED-4DB2-BD59-A6C34878D82A}">
-                    <a16:rowId xmlns:a16="http://schemas.microsoft.com/office/drawing/2014/main" val="3755493976"/>
+                    <a16:rowId xmlns:a16="http://schemas.microsoft.com/office/drawing/2014/main" xmlns="" val="3755493976"/>
                   </a:ext>
                 </a:extLst>
               </a:tr>
@@ -11502,7 +10766,7 @@
                 </a:tc>
                 <a:extLst>
                   <a:ext uri="{0D108BD9-81ED-4DB2-BD59-A6C34878D82A}">
-                    <a16:rowId xmlns:a16="http://schemas.microsoft.com/office/drawing/2014/main" val="10005"/>
+                    <a16:rowId xmlns:a16="http://schemas.microsoft.com/office/drawing/2014/main" xmlns="" val="10005"/>
                   </a:ext>
                 </a:extLst>
               </a:tr>
@@ -11591,7 +10855,7 @@
                 </a:tc>
                 <a:extLst>
                   <a:ext uri="{0D108BD9-81ED-4DB2-BD59-A6C34878D82A}">
-                    <a16:rowId xmlns:a16="http://schemas.microsoft.com/office/drawing/2014/main" val="10006"/>
+                    <a16:rowId xmlns:a16="http://schemas.microsoft.com/office/drawing/2014/main" xmlns="" val="10006"/>
                   </a:ext>
                 </a:extLst>
               </a:tr>
@@ -11609,10 +10873,17 @@
   <p:clrMapOvr>
     <a:masterClrMapping/>
   </p:clrMapOvr>
+  <p:timing>
+    <p:tnLst>
+      <p:par>
+        <p:cTn id="1" dur="indefinite" restart="never" nodeType="tmRoot"/>
+      </p:par>
+    </p:tnLst>
+  </p:timing>
 </p:sld>
 </file>
 
-<file path=ppt/slides/slide16.xml><?xml version="1.0" encoding="utf-8"?>
+<file path=ppt/slides/slide15.xml><?xml version="1.0" encoding="utf-8"?>
 <p:sld xmlns:a="http://schemas.openxmlformats.org/drawingml/2006/main" xmlns:r="http://schemas.openxmlformats.org/officeDocument/2006/relationships" xmlns:p="http://schemas.openxmlformats.org/presentationml/2006/main">
   <p:cSld>
     <p:spTree>
@@ -12362,10 +11633,17 @@
   <p:clrMapOvr>
     <a:masterClrMapping/>
   </p:clrMapOvr>
+  <p:timing>
+    <p:tnLst>
+      <p:par>
+        <p:cTn id="1" dur="indefinite" restart="never" nodeType="tmRoot"/>
+      </p:par>
+    </p:tnLst>
+  </p:timing>
 </p:sld>
 </file>
 
-<file path=ppt/slides/slide17.xml><?xml version="1.0" encoding="utf-8"?>
+<file path=ppt/slides/slide16.xml><?xml version="1.0" encoding="utf-8"?>
 <p:sld xmlns:a="http://schemas.openxmlformats.org/drawingml/2006/main" xmlns:r="http://schemas.openxmlformats.org/officeDocument/2006/relationships" xmlns:p="http://schemas.openxmlformats.org/presentationml/2006/main">
   <p:cSld>
     <p:spTree>
@@ -13093,10 +12371,17 @@
   <p:clrMapOvr>
     <a:masterClrMapping/>
   </p:clrMapOvr>
+  <p:timing>
+    <p:tnLst>
+      <p:par>
+        <p:cTn id="1" dur="indefinite" restart="never" nodeType="tmRoot"/>
+      </p:par>
+    </p:tnLst>
+  </p:timing>
 </p:sld>
 </file>
 
-<file path=ppt/slides/slide18.xml><?xml version="1.0" encoding="utf-8"?>
+<file path=ppt/slides/slide17.xml><?xml version="1.0" encoding="utf-8"?>
 <p:sld xmlns:a="http://schemas.openxmlformats.org/drawingml/2006/main" xmlns:r="http://schemas.openxmlformats.org/officeDocument/2006/relationships" xmlns:p="http://schemas.openxmlformats.org/presentationml/2006/main">
   <p:cSld>
     <p:spTree>
@@ -14065,10 +13350,17 @@
   <p:clrMapOvr>
     <a:masterClrMapping/>
   </p:clrMapOvr>
+  <p:timing>
+    <p:tnLst>
+      <p:par>
+        <p:cTn id="1" dur="indefinite" restart="never" nodeType="tmRoot"/>
+      </p:par>
+    </p:tnLst>
+  </p:timing>
 </p:sld>
 </file>
 
-<file path=ppt/slides/slide19.xml><?xml version="1.0" encoding="utf-8"?>
+<file path=ppt/slides/slide18.xml><?xml version="1.0" encoding="utf-8"?>
 <p:sld xmlns:a="http://schemas.openxmlformats.org/drawingml/2006/main" xmlns:r="http://schemas.openxmlformats.org/officeDocument/2006/relationships" xmlns:p="http://schemas.openxmlformats.org/presentationml/2006/main">
   <p:cSld>
     <p:spTree>
@@ -14197,6 +13489,751 @@
   <p:clrMapOvr>
     <a:masterClrMapping/>
   </p:clrMapOvr>
+  <p:timing>
+    <p:tnLst>
+      <p:par>
+        <p:cTn id="1" dur="indefinite" restart="never" nodeType="tmRoot"/>
+      </p:par>
+    </p:tnLst>
+  </p:timing>
+</p:sld>
+</file>
+
+<file path=ppt/slides/slide19.xml><?xml version="1.0" encoding="utf-8"?>
+<p:sld xmlns:a="http://schemas.openxmlformats.org/drawingml/2006/main" xmlns:r="http://schemas.openxmlformats.org/officeDocument/2006/relationships" xmlns:p="http://schemas.openxmlformats.org/presentationml/2006/main">
+  <p:cSld>
+    <p:spTree>
+      <p:nvGrpSpPr>
+        <p:cNvPr id="1" name="Shape 427"/>
+        <p:cNvGrpSpPr/>
+        <p:nvPr/>
+      </p:nvGrpSpPr>
+      <p:grpSpPr>
+        <a:xfrm>
+          <a:off x="0" y="0"/>
+          <a:ext cx="0" cy="0"/>
+          <a:chOff x="0" y="0"/>
+          <a:chExt cx="0" cy="0"/>
+        </a:xfrm>
+      </p:grpSpPr>
+      <p:sp>
+        <p:nvSpPr>
+          <p:cNvPr id="428" name="Shape 428"/>
+          <p:cNvSpPr txBox="1">
+            <a:spLocks noGrp="1"/>
+          </p:cNvSpPr>
+          <p:nvPr>
+            <p:ph type="title"/>
+          </p:nvPr>
+        </p:nvSpPr>
+        <p:spPr>
+          <a:xfrm>
+            <a:off x="545274" y="992981"/>
+            <a:ext cx="8065237" cy="1292963"/>
+          </a:xfrm>
+          <a:prstGeom prst="rect">
+            <a:avLst/>
+          </a:prstGeom>
+          <a:noFill/>
+          <a:ln>
+            <a:noFill/>
+          </a:ln>
+        </p:spPr>
+        <p:txBody>
+          <a:bodyPr vert="horz" lIns="21431" tIns="21431" rIns="21431" bIns="21431" rtlCol="0" anchor="ctr" anchorCtr="0">
+            <a:noAutofit/>
+          </a:bodyPr>
+          <a:lstStyle/>
+          <a:p>
+            <a:pPr indent="-39291">
+              <a:spcBef>
+                <a:spcPts val="0"/>
+              </a:spcBef>
+              <a:buClr>
+                <a:schemeClr val="dk1"/>
+              </a:buClr>
+              <a:buSzPct val="25000"/>
+            </a:pPr>
+            <a:r>
+              <a:rPr lang="en-US" sz="3938" dirty="0" err="1">
+                <a:latin typeface="Cabin"/>
+                <a:ea typeface="Cabin"/>
+                <a:cs typeface="Cabin"/>
+                <a:sym typeface="Cabin"/>
+              </a:rPr>
+              <a:t>Использование</a:t>
+            </a:r>
+            <a:r>
+              <a:rPr lang="en-US" sz="3938" dirty="0">
+                <a:latin typeface="Cabin"/>
+                <a:ea typeface="Cabin"/>
+                <a:cs typeface="Cabin"/>
+                <a:sym typeface="Cabin"/>
+              </a:rPr>
+              <a:t> </a:t>
+            </a:r>
+            <a:r>
+              <a:rPr lang="en-US" sz="3938" dirty="0" err="1">
+                <a:latin typeface="Cabin"/>
+                <a:ea typeface="Cabin"/>
+                <a:cs typeface="Cabin"/>
+                <a:sym typeface="Cabin"/>
+              </a:rPr>
+              <a:t>целых</a:t>
+            </a:r>
+            <a:r>
+              <a:rPr lang="en-US" sz="3938" dirty="0">
+                <a:latin typeface="Cabin"/>
+                <a:ea typeface="Cabin"/>
+                <a:cs typeface="Cabin"/>
+                <a:sym typeface="Cabin"/>
+              </a:rPr>
+              <a:t> </a:t>
+            </a:r>
+            <a:r>
+              <a:rPr lang="en-US" sz="3938" dirty="0" err="1">
+                <a:latin typeface="Cabin"/>
+                <a:ea typeface="Cabin"/>
+                <a:cs typeface="Cabin"/>
+                <a:sym typeface="Cabin"/>
+              </a:rPr>
+              <a:t>чисел</a:t>
+            </a:r>
+            <a:r>
+              <a:rPr lang="en-US" sz="3938" dirty="0">
+                <a:latin typeface="Cabin"/>
+                <a:ea typeface="Cabin"/>
+                <a:cs typeface="Cabin"/>
+                <a:sym typeface="Cabin"/>
+              </a:rPr>
+              <a:t> и </a:t>
+            </a:r>
+            <a:r>
+              <a:rPr lang="en-US" sz="3938" dirty="0" err="1">
+                <a:latin typeface="Cabin"/>
+                <a:ea typeface="Cabin"/>
+                <a:cs typeface="Cabin"/>
+                <a:sym typeface="Cabin"/>
+              </a:rPr>
+              <a:t>значений</a:t>
+            </a:r>
+            <a:r>
+              <a:rPr lang="en-US" sz="3938" dirty="0">
+                <a:latin typeface="Cabin"/>
+                <a:ea typeface="Cabin"/>
+                <a:cs typeface="Cabin"/>
+                <a:sym typeface="Cabin"/>
+              </a:rPr>
+              <a:t> с </a:t>
+            </a:r>
+            <a:r>
+              <a:rPr lang="en-US" sz="3938" dirty="0" err="1">
+                <a:latin typeface="Cabin"/>
+                <a:ea typeface="Cabin"/>
+                <a:cs typeface="Cabin"/>
+                <a:sym typeface="Cabin"/>
+              </a:rPr>
+              <a:t>плавающей</a:t>
+            </a:r>
+            <a:r>
+              <a:rPr lang="en-US" sz="3938" dirty="0">
+                <a:latin typeface="Cabin"/>
+                <a:ea typeface="Cabin"/>
+                <a:cs typeface="Cabin"/>
+                <a:sym typeface="Cabin"/>
+              </a:rPr>
+              <a:t> </a:t>
+            </a:r>
+            <a:r>
+              <a:rPr lang="en-US" sz="3938" dirty="0" err="1">
+                <a:latin typeface="Cabin"/>
+                <a:ea typeface="Cabin"/>
+                <a:cs typeface="Cabin"/>
+                <a:sym typeface="Cabin"/>
+              </a:rPr>
+              <a:t>точкой</a:t>
+            </a:r>
+            <a:endParaRPr lang="en-US" sz="3938" dirty="0">
+              <a:latin typeface="Cabin"/>
+              <a:ea typeface="Cabin"/>
+              <a:cs typeface="Cabin"/>
+              <a:sym typeface="Cabin"/>
+            </a:endParaRPr>
+          </a:p>
+        </p:txBody>
+      </p:sp>
+      <p:sp>
+        <p:nvSpPr>
+          <p:cNvPr id="429" name="Shape 429"/>
+          <p:cNvSpPr txBox="1">
+            <a:spLocks noGrp="1"/>
+          </p:cNvSpPr>
+          <p:nvPr>
+            <p:ph type="body" idx="1"/>
+          </p:nvPr>
+        </p:nvSpPr>
+        <p:spPr>
+          <a:xfrm>
+            <a:off x="287708" y="2311220"/>
+            <a:ext cx="4314758" cy="3947940"/>
+          </a:xfrm>
+          <a:prstGeom prst="rect">
+            <a:avLst/>
+          </a:prstGeom>
+          <a:noFill/>
+          <a:ln>
+            <a:noFill/>
+          </a:ln>
+        </p:spPr>
+        <p:txBody>
+          <a:bodyPr vert="horz" lIns="21431" tIns="21431" rIns="21431" bIns="21431" rtlCol="0" anchor="ctr" anchorCtr="0">
+            <a:noAutofit/>
+          </a:bodyPr>
+          <a:lstStyle/>
+          <a:p>
+            <a:pPr marL="421481" indent="-194453">
+              <a:spcBef>
+                <a:spcPts val="0"/>
+              </a:spcBef>
+              <a:buClr>
+                <a:schemeClr val="lt1"/>
+              </a:buClr>
+              <a:buSzPct val="100000"/>
+              <a:buFont typeface="Cabin"/>
+              <a:buChar char="•"/>
+            </a:pPr>
+            <a:r>
+              <a:rPr lang="en-US" sz="2000" dirty="0" err="1">
+                <a:latin typeface="Cabin"/>
+                <a:ea typeface="Cabin"/>
+                <a:cs typeface="Cabin"/>
+                <a:sym typeface="Cabin"/>
+              </a:rPr>
+              <a:t>Если</a:t>
+            </a:r>
+            <a:r>
+              <a:rPr lang="en-US" sz="2000" dirty="0">
+                <a:latin typeface="Cabin"/>
+                <a:ea typeface="Cabin"/>
+                <a:cs typeface="Cabin"/>
+                <a:sym typeface="Cabin"/>
+              </a:rPr>
+              <a:t> </a:t>
+            </a:r>
+            <a:r>
+              <a:rPr lang="en-US" sz="2000" dirty="0" err="1">
+                <a:latin typeface="Cabin"/>
+                <a:ea typeface="Cabin"/>
+                <a:cs typeface="Cabin"/>
+                <a:sym typeface="Cabin"/>
+              </a:rPr>
+              <a:t>один</a:t>
+            </a:r>
+            <a:r>
+              <a:rPr lang="en-US" sz="2000" dirty="0">
+                <a:latin typeface="Cabin"/>
+                <a:ea typeface="Cabin"/>
+                <a:cs typeface="Cabin"/>
+                <a:sym typeface="Cabin"/>
+              </a:rPr>
+              <a:t> </a:t>
+            </a:r>
+            <a:r>
+              <a:rPr lang="en-US" sz="2000" dirty="0" err="1">
+                <a:latin typeface="Cabin"/>
+                <a:ea typeface="Cabin"/>
+                <a:cs typeface="Cabin"/>
+                <a:sym typeface="Cabin"/>
+              </a:rPr>
+              <a:t>операнд</a:t>
+            </a:r>
+            <a:r>
+              <a:rPr lang="en-US" sz="2000" dirty="0">
+                <a:latin typeface="Cabin"/>
+                <a:ea typeface="Cabin"/>
+                <a:cs typeface="Cabin"/>
+                <a:sym typeface="Cabin"/>
+              </a:rPr>
+              <a:t> </a:t>
+            </a:r>
+            <a:r>
+              <a:rPr lang="en-US" sz="2000" dirty="0" err="1">
+                <a:latin typeface="Cabin"/>
+                <a:ea typeface="Cabin"/>
+                <a:cs typeface="Cabin"/>
+                <a:sym typeface="Cabin"/>
+              </a:rPr>
+              <a:t>является</a:t>
+            </a:r>
+            <a:r>
+              <a:rPr lang="en-US" sz="2000" dirty="0">
+                <a:latin typeface="Cabin"/>
+                <a:ea typeface="Cabin"/>
+                <a:cs typeface="Cabin"/>
+                <a:sym typeface="Cabin"/>
+              </a:rPr>
+              <a:t> </a:t>
+            </a:r>
+            <a:r>
+              <a:rPr lang="en-US" sz="2000" dirty="0" err="1">
+                <a:latin typeface="Cabin"/>
+                <a:ea typeface="Cabin"/>
+                <a:cs typeface="Cabin"/>
+                <a:sym typeface="Cabin"/>
+              </a:rPr>
+              <a:t>целым</a:t>
+            </a:r>
+            <a:r>
+              <a:rPr lang="en-US" sz="2000" dirty="0">
+                <a:latin typeface="Cabin"/>
+                <a:ea typeface="Cabin"/>
+                <a:cs typeface="Cabin"/>
+                <a:sym typeface="Cabin"/>
+              </a:rPr>
+              <a:t> </a:t>
+            </a:r>
+            <a:r>
+              <a:rPr lang="en-US" sz="2000" dirty="0" err="1">
+                <a:latin typeface="Cabin"/>
+                <a:ea typeface="Cabin"/>
+                <a:cs typeface="Cabin"/>
+                <a:sym typeface="Cabin"/>
+              </a:rPr>
+              <a:t>числом</a:t>
+            </a:r>
+            <a:r>
+              <a:rPr lang="en-US" sz="2000" dirty="0">
+                <a:latin typeface="Cabin"/>
+                <a:ea typeface="Cabin"/>
+                <a:cs typeface="Cabin"/>
+                <a:sym typeface="Cabin"/>
+              </a:rPr>
+              <a:t>, а </a:t>
+            </a:r>
+            <a:r>
+              <a:rPr lang="en-US" sz="2000" dirty="0" err="1">
+                <a:latin typeface="Cabin"/>
+                <a:ea typeface="Cabin"/>
+                <a:cs typeface="Cabin"/>
+                <a:sym typeface="Cabin"/>
+              </a:rPr>
+              <a:t>другой</a:t>
+            </a:r>
+            <a:r>
+              <a:rPr lang="en-US" sz="2000" dirty="0">
+                <a:latin typeface="Cabin"/>
+                <a:ea typeface="Cabin"/>
+                <a:cs typeface="Cabin"/>
+                <a:sym typeface="Cabin"/>
+              </a:rPr>
+              <a:t> - </a:t>
+            </a:r>
+            <a:r>
+              <a:rPr lang="en-US" sz="2000" dirty="0" err="1">
+                <a:latin typeface="Cabin"/>
+                <a:ea typeface="Cabin"/>
+                <a:cs typeface="Cabin"/>
+                <a:sym typeface="Cabin"/>
+              </a:rPr>
+              <a:t>значением</a:t>
+            </a:r>
+            <a:r>
+              <a:rPr lang="en-US" sz="2000" dirty="0">
+                <a:latin typeface="Cabin"/>
+                <a:ea typeface="Cabin"/>
+                <a:cs typeface="Cabin"/>
+                <a:sym typeface="Cabin"/>
+              </a:rPr>
+              <a:t> с </a:t>
+            </a:r>
+            <a:r>
+              <a:rPr lang="en-US" sz="2000" dirty="0" err="1">
+                <a:latin typeface="Cabin"/>
+                <a:ea typeface="Cabin"/>
+                <a:cs typeface="Cabin"/>
+                <a:sym typeface="Cabin"/>
+              </a:rPr>
+              <a:t>плавающей</a:t>
+            </a:r>
+            <a:r>
+              <a:rPr lang="en-US" sz="2000" dirty="0">
+                <a:latin typeface="Cabin"/>
+                <a:ea typeface="Cabin"/>
+                <a:cs typeface="Cabin"/>
+                <a:sym typeface="Cabin"/>
+              </a:rPr>
+              <a:t> </a:t>
+            </a:r>
+            <a:r>
+              <a:rPr lang="en-US" sz="2000" dirty="0" err="1">
+                <a:latin typeface="Cabin"/>
+                <a:ea typeface="Cabin"/>
+                <a:cs typeface="Cabin"/>
+                <a:sym typeface="Cabin"/>
+              </a:rPr>
+              <a:t>точкой</a:t>
+            </a:r>
+            <a:r>
+              <a:rPr lang="en-US" sz="2000" dirty="0">
+                <a:latin typeface="Cabin"/>
+                <a:ea typeface="Cabin"/>
+                <a:cs typeface="Cabin"/>
+                <a:sym typeface="Cabin"/>
+              </a:rPr>
+              <a:t>, </a:t>
+            </a:r>
+            <a:r>
+              <a:rPr lang="en-US" sz="2000" dirty="0" err="1">
+                <a:latin typeface="Cabin"/>
+                <a:ea typeface="Cabin"/>
+                <a:cs typeface="Cabin"/>
+                <a:sym typeface="Cabin"/>
+              </a:rPr>
+              <a:t>результатом</a:t>
+            </a:r>
+            <a:r>
+              <a:rPr lang="en-US" sz="2000" dirty="0">
+                <a:latin typeface="Cabin"/>
+                <a:ea typeface="Cabin"/>
+                <a:cs typeface="Cabin"/>
+                <a:sym typeface="Cabin"/>
+              </a:rPr>
+              <a:t> </a:t>
+            </a:r>
+            <a:r>
+              <a:rPr lang="en-US" sz="2000" dirty="0" err="1">
+                <a:latin typeface="Cabin"/>
+                <a:ea typeface="Cabin"/>
+                <a:cs typeface="Cabin"/>
+                <a:sym typeface="Cabin"/>
+              </a:rPr>
+              <a:t>является</a:t>
+            </a:r>
+            <a:r>
+              <a:rPr lang="en-US" sz="2000" dirty="0">
+                <a:latin typeface="Cabin"/>
+                <a:ea typeface="Cabin"/>
+                <a:cs typeface="Cabin"/>
+                <a:sym typeface="Cabin"/>
+              </a:rPr>
+              <a:t> </a:t>
+            </a:r>
+            <a:r>
+              <a:rPr lang="en-US" sz="2000" dirty="0" err="1">
+                <a:latin typeface="Cabin"/>
+                <a:ea typeface="Cabin"/>
+                <a:cs typeface="Cabin"/>
+                <a:sym typeface="Cabin"/>
+              </a:rPr>
+              <a:t>значение</a:t>
+            </a:r>
+            <a:r>
+              <a:rPr lang="en-US" sz="2000" dirty="0">
+                <a:latin typeface="Cabin"/>
+                <a:ea typeface="Cabin"/>
+                <a:cs typeface="Cabin"/>
+                <a:sym typeface="Cabin"/>
+              </a:rPr>
+              <a:t> с </a:t>
+            </a:r>
+            <a:r>
+              <a:rPr lang="en-US" sz="2000" dirty="0" err="1">
+                <a:latin typeface="Cabin"/>
+                <a:ea typeface="Cabin"/>
+                <a:cs typeface="Cabin"/>
+                <a:sym typeface="Cabin"/>
+              </a:rPr>
+              <a:t>плавающей</a:t>
+            </a:r>
+            <a:r>
+              <a:rPr lang="en-US" sz="2000" dirty="0">
+                <a:latin typeface="Cabin"/>
+                <a:ea typeface="Cabin"/>
+                <a:cs typeface="Cabin"/>
+                <a:sym typeface="Cabin"/>
+              </a:rPr>
+              <a:t> </a:t>
+            </a:r>
+            <a:r>
+              <a:rPr lang="en-US" sz="2000" dirty="0" err="1" smtClean="0">
+                <a:latin typeface="Cabin"/>
+                <a:ea typeface="Cabin"/>
+                <a:cs typeface="Cabin"/>
+                <a:sym typeface="Cabin"/>
+              </a:rPr>
+              <a:t>точкой</a:t>
+            </a:r>
+            <a:r>
+              <a:rPr lang="en-US" sz="2000" dirty="0" smtClean="0">
+                <a:latin typeface="Cabin"/>
+                <a:ea typeface="Cabin"/>
+                <a:cs typeface="Cabin"/>
+                <a:sym typeface="Cabin"/>
+              </a:rPr>
+              <a:t>.</a:t>
+            </a:r>
+          </a:p>
+          <a:p>
+            <a:pPr marL="421481" indent="-194453">
+              <a:spcBef>
+                <a:spcPts val="0"/>
+              </a:spcBef>
+              <a:buClr>
+                <a:schemeClr val="lt1"/>
+              </a:buClr>
+              <a:buSzPct val="100000"/>
+              <a:buFont typeface="Cabin"/>
+              <a:buChar char="•"/>
+            </a:pPr>
+            <a:endParaRPr lang="en-US" sz="2000" dirty="0">
+              <a:latin typeface="Cabin"/>
+              <a:ea typeface="Cabin"/>
+              <a:cs typeface="Cabin"/>
+              <a:sym typeface="Cabin"/>
+            </a:endParaRPr>
+          </a:p>
+          <a:p>
+            <a:pPr marL="421481" indent="-194453">
+              <a:spcBef>
+                <a:spcPts val="0"/>
+              </a:spcBef>
+              <a:buClr>
+                <a:schemeClr val="lt1"/>
+              </a:buClr>
+              <a:buSzPct val="100000"/>
+              <a:buFont typeface="Cabin"/>
+              <a:buChar char="•"/>
+            </a:pPr>
+            <a:r>
+              <a:rPr lang="ru-RU" sz="2000" dirty="0" smtClean="0">
+                <a:latin typeface="Cabin"/>
+                <a:ea typeface="Cabin"/>
+                <a:cs typeface="Cabin"/>
+                <a:sym typeface="Cabin"/>
+              </a:rPr>
+              <a:t>Также результатом будет число с плавающей точкой при делении целых чисел</a:t>
+            </a:r>
+            <a:endParaRPr lang="en-US" sz="2000" dirty="0">
+              <a:latin typeface="Cabin"/>
+              <a:ea typeface="Cabin"/>
+              <a:cs typeface="Cabin"/>
+              <a:sym typeface="Cabin"/>
+            </a:endParaRPr>
+          </a:p>
+          <a:p>
+            <a:pPr marL="421481" indent="-194453">
+              <a:spcBef>
+                <a:spcPts val="1969"/>
+              </a:spcBef>
+              <a:buClr>
+                <a:schemeClr val="lt1"/>
+              </a:buClr>
+              <a:buSzPct val="100000"/>
+              <a:buFont typeface="Cabin"/>
+              <a:buChar char="•"/>
+            </a:pPr>
+            <a:r>
+              <a:rPr lang="en-US" sz="2000" dirty="0" err="1">
+                <a:latin typeface="Cabin"/>
+                <a:ea typeface="Cabin"/>
+                <a:cs typeface="Cabin"/>
+                <a:sym typeface="Cabin"/>
+              </a:rPr>
+              <a:t>Перед</a:t>
+            </a:r>
+            <a:r>
+              <a:rPr lang="en-US" sz="2000" dirty="0">
+                <a:latin typeface="Cabin"/>
+                <a:ea typeface="Cabin"/>
+                <a:cs typeface="Cabin"/>
+                <a:sym typeface="Cabin"/>
+              </a:rPr>
+              <a:t> </a:t>
+            </a:r>
+            <a:r>
+              <a:rPr lang="en-US" sz="2000" dirty="0" err="1">
+                <a:latin typeface="Cabin"/>
+                <a:ea typeface="Cabin"/>
+                <a:cs typeface="Cabin"/>
+                <a:sym typeface="Cabin"/>
+              </a:rPr>
+              <a:t>выполнением</a:t>
+            </a:r>
+            <a:r>
+              <a:rPr lang="en-US" sz="2000" dirty="0">
+                <a:latin typeface="Cabin"/>
+                <a:ea typeface="Cabin"/>
+                <a:cs typeface="Cabin"/>
+                <a:sym typeface="Cabin"/>
+              </a:rPr>
+              <a:t> </a:t>
+            </a:r>
+            <a:r>
+              <a:rPr lang="en-US" sz="2000" dirty="0" err="1">
+                <a:latin typeface="Cabin"/>
+                <a:ea typeface="Cabin"/>
+                <a:cs typeface="Cabin"/>
+                <a:sym typeface="Cabin"/>
+              </a:rPr>
+              <a:t>операции</a:t>
+            </a:r>
+            <a:r>
+              <a:rPr lang="en-US" sz="2000" dirty="0">
+                <a:latin typeface="Cabin"/>
+                <a:ea typeface="Cabin"/>
+                <a:cs typeface="Cabin"/>
+                <a:sym typeface="Cabin"/>
+              </a:rPr>
+              <a:t> </a:t>
+            </a:r>
+            <a:r>
+              <a:rPr lang="en-US" sz="2000" dirty="0" err="1">
+                <a:latin typeface="Cabin"/>
+                <a:ea typeface="Cabin"/>
+                <a:cs typeface="Cabin"/>
+                <a:sym typeface="Cabin"/>
+              </a:rPr>
+              <a:t>целое</a:t>
+            </a:r>
+            <a:r>
+              <a:rPr lang="en-US" sz="2000" dirty="0">
+                <a:latin typeface="Cabin"/>
+                <a:ea typeface="Cabin"/>
+                <a:cs typeface="Cabin"/>
+                <a:sym typeface="Cabin"/>
+              </a:rPr>
+              <a:t> </a:t>
+            </a:r>
+            <a:r>
+              <a:rPr lang="en-US" sz="2000" dirty="0" err="1">
+                <a:latin typeface="Cabin"/>
+                <a:ea typeface="Cabin"/>
+                <a:cs typeface="Cabin"/>
+                <a:sym typeface="Cabin"/>
+              </a:rPr>
+              <a:t>число</a:t>
+            </a:r>
+            <a:r>
+              <a:rPr lang="en-US" sz="2000" dirty="0">
+                <a:latin typeface="Cabin"/>
+                <a:ea typeface="Cabin"/>
+                <a:cs typeface="Cabin"/>
+                <a:sym typeface="Cabin"/>
+              </a:rPr>
+              <a:t> </a:t>
+            </a:r>
+            <a:r>
+              <a:rPr lang="en-US" sz="2000" dirty="0" err="1">
+                <a:latin typeface="Cabin"/>
+                <a:ea typeface="Cabin"/>
+                <a:cs typeface="Cabin"/>
+                <a:sym typeface="Cabin"/>
+              </a:rPr>
+              <a:t>преобразуется</a:t>
+            </a:r>
+            <a:r>
+              <a:rPr lang="en-US" sz="2000" dirty="0">
+                <a:latin typeface="Cabin"/>
+                <a:ea typeface="Cabin"/>
+                <a:cs typeface="Cabin"/>
+                <a:sym typeface="Cabin"/>
+              </a:rPr>
+              <a:t> в </a:t>
+            </a:r>
+            <a:r>
+              <a:rPr lang="en-US" sz="2000" dirty="0" err="1">
+                <a:latin typeface="Cabin"/>
+                <a:ea typeface="Cabin"/>
+                <a:cs typeface="Cabin"/>
+                <a:sym typeface="Cabin"/>
+              </a:rPr>
+              <a:t>значение</a:t>
+            </a:r>
+            <a:r>
+              <a:rPr lang="en-US" sz="2000" dirty="0">
+                <a:latin typeface="Cabin"/>
+                <a:ea typeface="Cabin"/>
+                <a:cs typeface="Cabin"/>
+                <a:sym typeface="Cabin"/>
+              </a:rPr>
+              <a:t> с </a:t>
+            </a:r>
+            <a:r>
+              <a:rPr lang="en-US" sz="2000" dirty="0" err="1">
+                <a:latin typeface="Cabin"/>
+                <a:ea typeface="Cabin"/>
+                <a:cs typeface="Cabin"/>
+                <a:sym typeface="Cabin"/>
+              </a:rPr>
+              <a:t>плавающей</a:t>
+            </a:r>
+            <a:r>
+              <a:rPr lang="en-US" sz="2000" dirty="0">
+                <a:latin typeface="Cabin"/>
+                <a:ea typeface="Cabin"/>
+                <a:cs typeface="Cabin"/>
+                <a:sym typeface="Cabin"/>
+              </a:rPr>
+              <a:t> </a:t>
+            </a:r>
+            <a:r>
+              <a:rPr lang="en-US" sz="2000" dirty="0" err="1">
+                <a:latin typeface="Cabin"/>
+                <a:ea typeface="Cabin"/>
+                <a:cs typeface="Cabin"/>
+                <a:sym typeface="Cabin"/>
+              </a:rPr>
+              <a:t>точкой</a:t>
+            </a:r>
+            <a:endParaRPr lang="en-US" sz="2000" dirty="0">
+              <a:latin typeface="Cabin"/>
+              <a:ea typeface="Cabin"/>
+              <a:cs typeface="Cabin"/>
+              <a:sym typeface="Cabin"/>
+            </a:endParaRPr>
+          </a:p>
+        </p:txBody>
+      </p:sp>
+      <p:pic>
+        <p:nvPicPr>
+          <p:cNvPr id="2" name="Рисунок 1"/>
+          <p:cNvPicPr>
+            <a:picLocks noChangeAspect="1"/>
+          </p:cNvPicPr>
+          <p:nvPr/>
+        </p:nvPicPr>
+        <p:blipFill rotWithShape="1">
+          <a:blip r:embed="rId3"/>
+          <a:srcRect l="4725" t="68599" r="77781" b="15301"/>
+          <a:stretch/>
+        </p:blipFill>
+        <p:spPr>
+          <a:xfrm>
+            <a:off x="4803428" y="2492896"/>
+            <a:ext cx="4320480" cy="2376264"/>
+          </a:xfrm>
+          <a:prstGeom prst="rect">
+            <a:avLst/>
+          </a:prstGeom>
+        </p:spPr>
+      </p:pic>
+    </p:spTree>
+    <p:extLst>
+      <p:ext uri="{BB962C8B-B14F-4D97-AF65-F5344CB8AC3E}">
+        <p14:creationId xmlns:p14="http://schemas.microsoft.com/office/powerpoint/2010/main" val="2509426031"/>
+      </p:ext>
+    </p:extLst>
+  </p:cSld>
+  <p:clrMapOvr>
+    <a:masterClrMapping/>
+  </p:clrMapOvr>
+  <p:timing>
+    <p:tnLst>
+      <p:par>
+        <p:cTn id="1" dur="indefinite" restart="never" nodeType="tmRoot"/>
+      </p:par>
+    </p:tnLst>
+  </p:timing>
 </p:sld>
 </file>
 
@@ -14399,741 +14436,17 @@
   <p:clrMapOvr>
     <a:masterClrMapping/>
   </p:clrMapOvr>
+  <p:timing>
+    <p:tnLst>
+      <p:par>
+        <p:cTn id="1" dur="indefinite" restart="never" nodeType="tmRoot"/>
+      </p:par>
+    </p:tnLst>
+  </p:timing>
 </p:sld>
 </file>
 
 <file path=ppt/slides/slide20.xml><?xml version="1.0" encoding="utf-8"?>
-<p:sld xmlns:a="http://schemas.openxmlformats.org/drawingml/2006/main" xmlns:r="http://schemas.openxmlformats.org/officeDocument/2006/relationships" xmlns:p="http://schemas.openxmlformats.org/presentationml/2006/main">
-  <p:cSld>
-    <p:spTree>
-      <p:nvGrpSpPr>
-        <p:cNvPr id="1" name="Shape 427"/>
-        <p:cNvGrpSpPr/>
-        <p:nvPr/>
-      </p:nvGrpSpPr>
-      <p:grpSpPr>
-        <a:xfrm>
-          <a:off x="0" y="0"/>
-          <a:ext cx="0" cy="0"/>
-          <a:chOff x="0" y="0"/>
-          <a:chExt cx="0" cy="0"/>
-        </a:xfrm>
-      </p:grpSpPr>
-      <p:sp>
-        <p:nvSpPr>
-          <p:cNvPr id="428" name="Shape 428"/>
-          <p:cNvSpPr txBox="1">
-            <a:spLocks noGrp="1"/>
-          </p:cNvSpPr>
-          <p:nvPr>
-            <p:ph type="title"/>
-          </p:nvPr>
-        </p:nvSpPr>
-        <p:spPr>
-          <a:xfrm>
-            <a:off x="545274" y="992981"/>
-            <a:ext cx="8065237" cy="1292963"/>
-          </a:xfrm>
-          <a:prstGeom prst="rect">
-            <a:avLst/>
-          </a:prstGeom>
-          <a:noFill/>
-          <a:ln>
-            <a:noFill/>
-          </a:ln>
-        </p:spPr>
-        <p:txBody>
-          <a:bodyPr vert="horz" lIns="21431" tIns="21431" rIns="21431" bIns="21431" rtlCol="0" anchor="ctr" anchorCtr="0">
-            <a:noAutofit/>
-          </a:bodyPr>
-          <a:lstStyle/>
-          <a:p>
-            <a:pPr indent="-39291">
-              <a:spcBef>
-                <a:spcPts val="0"/>
-              </a:spcBef>
-              <a:buClr>
-                <a:schemeClr val="dk1"/>
-              </a:buClr>
-              <a:buSzPct val="25000"/>
-            </a:pPr>
-            <a:r>
-              <a:rPr lang="en-US" sz="3938" dirty="0" err="1">
-                <a:latin typeface="Cabin"/>
-                <a:ea typeface="Cabin"/>
-                <a:cs typeface="Cabin"/>
-                <a:sym typeface="Cabin"/>
-              </a:rPr>
-              <a:t>Использование</a:t>
-            </a:r>
-            <a:r>
-              <a:rPr lang="en-US" sz="3938" dirty="0">
-                <a:latin typeface="Cabin"/>
-                <a:ea typeface="Cabin"/>
-                <a:cs typeface="Cabin"/>
-                <a:sym typeface="Cabin"/>
-              </a:rPr>
-              <a:t> </a:t>
-            </a:r>
-            <a:r>
-              <a:rPr lang="en-US" sz="3938" dirty="0" err="1">
-                <a:latin typeface="Cabin"/>
-                <a:ea typeface="Cabin"/>
-                <a:cs typeface="Cabin"/>
-                <a:sym typeface="Cabin"/>
-              </a:rPr>
-              <a:t>целых</a:t>
-            </a:r>
-            <a:r>
-              <a:rPr lang="en-US" sz="3938" dirty="0">
-                <a:latin typeface="Cabin"/>
-                <a:ea typeface="Cabin"/>
-                <a:cs typeface="Cabin"/>
-                <a:sym typeface="Cabin"/>
-              </a:rPr>
-              <a:t> </a:t>
-            </a:r>
-            <a:r>
-              <a:rPr lang="en-US" sz="3938" dirty="0" err="1">
-                <a:latin typeface="Cabin"/>
-                <a:ea typeface="Cabin"/>
-                <a:cs typeface="Cabin"/>
-                <a:sym typeface="Cabin"/>
-              </a:rPr>
-              <a:t>чисел</a:t>
-            </a:r>
-            <a:r>
-              <a:rPr lang="en-US" sz="3938" dirty="0">
-                <a:latin typeface="Cabin"/>
-                <a:ea typeface="Cabin"/>
-                <a:cs typeface="Cabin"/>
-                <a:sym typeface="Cabin"/>
-              </a:rPr>
-              <a:t> и </a:t>
-            </a:r>
-            <a:r>
-              <a:rPr lang="en-US" sz="3938" dirty="0" err="1">
-                <a:latin typeface="Cabin"/>
-                <a:ea typeface="Cabin"/>
-                <a:cs typeface="Cabin"/>
-                <a:sym typeface="Cabin"/>
-              </a:rPr>
-              <a:t>значений</a:t>
-            </a:r>
-            <a:r>
-              <a:rPr lang="en-US" sz="3938" dirty="0">
-                <a:latin typeface="Cabin"/>
-                <a:ea typeface="Cabin"/>
-                <a:cs typeface="Cabin"/>
-                <a:sym typeface="Cabin"/>
-              </a:rPr>
-              <a:t> с </a:t>
-            </a:r>
-            <a:r>
-              <a:rPr lang="en-US" sz="3938" dirty="0" err="1">
-                <a:latin typeface="Cabin"/>
-                <a:ea typeface="Cabin"/>
-                <a:cs typeface="Cabin"/>
-                <a:sym typeface="Cabin"/>
-              </a:rPr>
-              <a:t>плавающей</a:t>
-            </a:r>
-            <a:r>
-              <a:rPr lang="en-US" sz="3938" dirty="0">
-                <a:latin typeface="Cabin"/>
-                <a:ea typeface="Cabin"/>
-                <a:cs typeface="Cabin"/>
-                <a:sym typeface="Cabin"/>
-              </a:rPr>
-              <a:t> </a:t>
-            </a:r>
-            <a:r>
-              <a:rPr lang="en-US" sz="3938" dirty="0" err="1">
-                <a:latin typeface="Cabin"/>
-                <a:ea typeface="Cabin"/>
-                <a:cs typeface="Cabin"/>
-                <a:sym typeface="Cabin"/>
-              </a:rPr>
-              <a:t>точкой</a:t>
-            </a:r>
-            <a:endParaRPr lang="en-US" sz="3938" dirty="0">
-              <a:latin typeface="Cabin"/>
-              <a:ea typeface="Cabin"/>
-              <a:cs typeface="Cabin"/>
-              <a:sym typeface="Cabin"/>
-            </a:endParaRPr>
-          </a:p>
-        </p:txBody>
-      </p:sp>
-      <p:sp>
-        <p:nvSpPr>
-          <p:cNvPr id="429" name="Shape 429"/>
-          <p:cNvSpPr txBox="1">
-            <a:spLocks noGrp="1"/>
-          </p:cNvSpPr>
-          <p:nvPr>
-            <p:ph type="body" idx="1"/>
-          </p:nvPr>
-        </p:nvSpPr>
-        <p:spPr>
-          <a:xfrm>
-            <a:off x="287708" y="2311220"/>
-            <a:ext cx="4314758" cy="3947940"/>
-          </a:xfrm>
-          <a:prstGeom prst="rect">
-            <a:avLst/>
-          </a:prstGeom>
-          <a:noFill/>
-          <a:ln>
-            <a:noFill/>
-          </a:ln>
-        </p:spPr>
-        <p:txBody>
-          <a:bodyPr vert="horz" lIns="21431" tIns="21431" rIns="21431" bIns="21431" rtlCol="0" anchor="ctr" anchorCtr="0">
-            <a:noAutofit/>
-          </a:bodyPr>
-          <a:lstStyle/>
-          <a:p>
-            <a:pPr marL="421481" indent="-194453">
-              <a:spcBef>
-                <a:spcPts val="0"/>
-              </a:spcBef>
-              <a:buClr>
-                <a:schemeClr val="lt1"/>
-              </a:buClr>
-              <a:buSzPct val="100000"/>
-              <a:buFont typeface="Cabin"/>
-              <a:buChar char="•"/>
-            </a:pPr>
-            <a:r>
-              <a:rPr lang="en-US" sz="2000" dirty="0" err="1">
-                <a:latin typeface="Cabin"/>
-                <a:ea typeface="Cabin"/>
-                <a:cs typeface="Cabin"/>
-                <a:sym typeface="Cabin"/>
-              </a:rPr>
-              <a:t>Если</a:t>
-            </a:r>
-            <a:r>
-              <a:rPr lang="en-US" sz="2000" dirty="0">
-                <a:latin typeface="Cabin"/>
-                <a:ea typeface="Cabin"/>
-                <a:cs typeface="Cabin"/>
-                <a:sym typeface="Cabin"/>
-              </a:rPr>
-              <a:t> </a:t>
-            </a:r>
-            <a:r>
-              <a:rPr lang="en-US" sz="2000" dirty="0" err="1">
-                <a:latin typeface="Cabin"/>
-                <a:ea typeface="Cabin"/>
-                <a:cs typeface="Cabin"/>
-                <a:sym typeface="Cabin"/>
-              </a:rPr>
-              <a:t>один</a:t>
-            </a:r>
-            <a:r>
-              <a:rPr lang="en-US" sz="2000" dirty="0">
-                <a:latin typeface="Cabin"/>
-                <a:ea typeface="Cabin"/>
-                <a:cs typeface="Cabin"/>
-                <a:sym typeface="Cabin"/>
-              </a:rPr>
-              <a:t> </a:t>
-            </a:r>
-            <a:r>
-              <a:rPr lang="en-US" sz="2000" dirty="0" err="1">
-                <a:latin typeface="Cabin"/>
-                <a:ea typeface="Cabin"/>
-                <a:cs typeface="Cabin"/>
-                <a:sym typeface="Cabin"/>
-              </a:rPr>
-              <a:t>операнд</a:t>
-            </a:r>
-            <a:r>
-              <a:rPr lang="en-US" sz="2000" dirty="0">
-                <a:latin typeface="Cabin"/>
-                <a:ea typeface="Cabin"/>
-                <a:cs typeface="Cabin"/>
-                <a:sym typeface="Cabin"/>
-              </a:rPr>
-              <a:t> </a:t>
-            </a:r>
-            <a:r>
-              <a:rPr lang="en-US" sz="2000" dirty="0" err="1">
-                <a:latin typeface="Cabin"/>
-                <a:ea typeface="Cabin"/>
-                <a:cs typeface="Cabin"/>
-                <a:sym typeface="Cabin"/>
-              </a:rPr>
-              <a:t>является</a:t>
-            </a:r>
-            <a:r>
-              <a:rPr lang="en-US" sz="2000" dirty="0">
-                <a:latin typeface="Cabin"/>
-                <a:ea typeface="Cabin"/>
-                <a:cs typeface="Cabin"/>
-                <a:sym typeface="Cabin"/>
-              </a:rPr>
-              <a:t> </a:t>
-            </a:r>
-            <a:r>
-              <a:rPr lang="en-US" sz="2000" dirty="0" err="1">
-                <a:latin typeface="Cabin"/>
-                <a:ea typeface="Cabin"/>
-                <a:cs typeface="Cabin"/>
-                <a:sym typeface="Cabin"/>
-              </a:rPr>
-              <a:t>целым</a:t>
-            </a:r>
-            <a:r>
-              <a:rPr lang="en-US" sz="2000" dirty="0">
-                <a:latin typeface="Cabin"/>
-                <a:ea typeface="Cabin"/>
-                <a:cs typeface="Cabin"/>
-                <a:sym typeface="Cabin"/>
-              </a:rPr>
-              <a:t> </a:t>
-            </a:r>
-            <a:r>
-              <a:rPr lang="en-US" sz="2000" dirty="0" err="1">
-                <a:latin typeface="Cabin"/>
-                <a:ea typeface="Cabin"/>
-                <a:cs typeface="Cabin"/>
-                <a:sym typeface="Cabin"/>
-              </a:rPr>
-              <a:t>числом</a:t>
-            </a:r>
-            <a:r>
-              <a:rPr lang="en-US" sz="2000" dirty="0">
-                <a:latin typeface="Cabin"/>
-                <a:ea typeface="Cabin"/>
-                <a:cs typeface="Cabin"/>
-                <a:sym typeface="Cabin"/>
-              </a:rPr>
-              <a:t>, а </a:t>
-            </a:r>
-            <a:r>
-              <a:rPr lang="en-US" sz="2000" dirty="0" err="1">
-                <a:latin typeface="Cabin"/>
-                <a:ea typeface="Cabin"/>
-                <a:cs typeface="Cabin"/>
-                <a:sym typeface="Cabin"/>
-              </a:rPr>
-              <a:t>другой</a:t>
-            </a:r>
-            <a:r>
-              <a:rPr lang="en-US" sz="2000" dirty="0">
-                <a:latin typeface="Cabin"/>
-                <a:ea typeface="Cabin"/>
-                <a:cs typeface="Cabin"/>
-                <a:sym typeface="Cabin"/>
-              </a:rPr>
-              <a:t> - </a:t>
-            </a:r>
-            <a:r>
-              <a:rPr lang="en-US" sz="2000" dirty="0" err="1">
-                <a:latin typeface="Cabin"/>
-                <a:ea typeface="Cabin"/>
-                <a:cs typeface="Cabin"/>
-                <a:sym typeface="Cabin"/>
-              </a:rPr>
-              <a:t>значением</a:t>
-            </a:r>
-            <a:r>
-              <a:rPr lang="en-US" sz="2000" dirty="0">
-                <a:latin typeface="Cabin"/>
-                <a:ea typeface="Cabin"/>
-                <a:cs typeface="Cabin"/>
-                <a:sym typeface="Cabin"/>
-              </a:rPr>
-              <a:t> с </a:t>
-            </a:r>
-            <a:r>
-              <a:rPr lang="en-US" sz="2000" dirty="0" err="1">
-                <a:latin typeface="Cabin"/>
-                <a:ea typeface="Cabin"/>
-                <a:cs typeface="Cabin"/>
-                <a:sym typeface="Cabin"/>
-              </a:rPr>
-              <a:t>плавающей</a:t>
-            </a:r>
-            <a:r>
-              <a:rPr lang="en-US" sz="2000" dirty="0">
-                <a:latin typeface="Cabin"/>
-                <a:ea typeface="Cabin"/>
-                <a:cs typeface="Cabin"/>
-                <a:sym typeface="Cabin"/>
-              </a:rPr>
-              <a:t> </a:t>
-            </a:r>
-            <a:r>
-              <a:rPr lang="en-US" sz="2000" dirty="0" err="1">
-                <a:latin typeface="Cabin"/>
-                <a:ea typeface="Cabin"/>
-                <a:cs typeface="Cabin"/>
-                <a:sym typeface="Cabin"/>
-              </a:rPr>
-              <a:t>точкой</a:t>
-            </a:r>
-            <a:r>
-              <a:rPr lang="en-US" sz="2000" dirty="0">
-                <a:latin typeface="Cabin"/>
-                <a:ea typeface="Cabin"/>
-                <a:cs typeface="Cabin"/>
-                <a:sym typeface="Cabin"/>
-              </a:rPr>
-              <a:t>, </a:t>
-            </a:r>
-            <a:r>
-              <a:rPr lang="en-US" sz="2000" dirty="0" err="1">
-                <a:latin typeface="Cabin"/>
-                <a:ea typeface="Cabin"/>
-                <a:cs typeface="Cabin"/>
-                <a:sym typeface="Cabin"/>
-              </a:rPr>
-              <a:t>результатом</a:t>
-            </a:r>
-            <a:r>
-              <a:rPr lang="en-US" sz="2000" dirty="0">
-                <a:latin typeface="Cabin"/>
-                <a:ea typeface="Cabin"/>
-                <a:cs typeface="Cabin"/>
-                <a:sym typeface="Cabin"/>
-              </a:rPr>
-              <a:t> </a:t>
-            </a:r>
-            <a:r>
-              <a:rPr lang="en-US" sz="2000" dirty="0" err="1">
-                <a:latin typeface="Cabin"/>
-                <a:ea typeface="Cabin"/>
-                <a:cs typeface="Cabin"/>
-                <a:sym typeface="Cabin"/>
-              </a:rPr>
-              <a:t>является</a:t>
-            </a:r>
-            <a:r>
-              <a:rPr lang="en-US" sz="2000" dirty="0">
-                <a:latin typeface="Cabin"/>
-                <a:ea typeface="Cabin"/>
-                <a:cs typeface="Cabin"/>
-                <a:sym typeface="Cabin"/>
-              </a:rPr>
-              <a:t> </a:t>
-            </a:r>
-            <a:r>
-              <a:rPr lang="en-US" sz="2000" dirty="0" err="1">
-                <a:latin typeface="Cabin"/>
-                <a:ea typeface="Cabin"/>
-                <a:cs typeface="Cabin"/>
-                <a:sym typeface="Cabin"/>
-              </a:rPr>
-              <a:t>значение</a:t>
-            </a:r>
-            <a:r>
-              <a:rPr lang="en-US" sz="2000" dirty="0">
-                <a:latin typeface="Cabin"/>
-                <a:ea typeface="Cabin"/>
-                <a:cs typeface="Cabin"/>
-                <a:sym typeface="Cabin"/>
-              </a:rPr>
-              <a:t> с </a:t>
-            </a:r>
-            <a:r>
-              <a:rPr lang="en-US" sz="2000" dirty="0" err="1">
-                <a:latin typeface="Cabin"/>
-                <a:ea typeface="Cabin"/>
-                <a:cs typeface="Cabin"/>
-                <a:sym typeface="Cabin"/>
-              </a:rPr>
-              <a:t>плавающей</a:t>
-            </a:r>
-            <a:r>
-              <a:rPr lang="en-US" sz="2000" dirty="0">
-                <a:latin typeface="Cabin"/>
-                <a:ea typeface="Cabin"/>
-                <a:cs typeface="Cabin"/>
-                <a:sym typeface="Cabin"/>
-              </a:rPr>
-              <a:t> </a:t>
-            </a:r>
-            <a:r>
-              <a:rPr lang="en-US" sz="2000" dirty="0" err="1" smtClean="0">
-                <a:latin typeface="Cabin"/>
-                <a:ea typeface="Cabin"/>
-                <a:cs typeface="Cabin"/>
-                <a:sym typeface="Cabin"/>
-              </a:rPr>
-              <a:t>точкой</a:t>
-            </a:r>
-            <a:r>
-              <a:rPr lang="en-US" sz="2000" dirty="0" smtClean="0">
-                <a:latin typeface="Cabin"/>
-                <a:ea typeface="Cabin"/>
-                <a:cs typeface="Cabin"/>
-                <a:sym typeface="Cabin"/>
-              </a:rPr>
-              <a:t>.</a:t>
-            </a:r>
-          </a:p>
-          <a:p>
-            <a:pPr marL="421481" indent="-194453">
-              <a:spcBef>
-                <a:spcPts val="0"/>
-              </a:spcBef>
-              <a:buClr>
-                <a:schemeClr val="lt1"/>
-              </a:buClr>
-              <a:buSzPct val="100000"/>
-              <a:buFont typeface="Cabin"/>
-              <a:buChar char="•"/>
-            </a:pPr>
-            <a:endParaRPr lang="en-US" sz="2000" dirty="0">
-              <a:latin typeface="Cabin"/>
-              <a:ea typeface="Cabin"/>
-              <a:cs typeface="Cabin"/>
-              <a:sym typeface="Cabin"/>
-            </a:endParaRPr>
-          </a:p>
-          <a:p>
-            <a:pPr marL="421481" indent="-194453">
-              <a:spcBef>
-                <a:spcPts val="0"/>
-              </a:spcBef>
-              <a:buClr>
-                <a:schemeClr val="lt1"/>
-              </a:buClr>
-              <a:buSzPct val="100000"/>
-              <a:buFont typeface="Cabin"/>
-              <a:buChar char="•"/>
-            </a:pPr>
-            <a:r>
-              <a:rPr lang="ru-RU" sz="2000" dirty="0" smtClean="0">
-                <a:latin typeface="Cabin"/>
-                <a:ea typeface="Cabin"/>
-                <a:cs typeface="Cabin"/>
-                <a:sym typeface="Cabin"/>
-              </a:rPr>
-              <a:t>Также результатом будет число с плавающей точкой при делении целых чисел</a:t>
-            </a:r>
-            <a:endParaRPr lang="en-US" sz="2000" dirty="0">
-              <a:latin typeface="Cabin"/>
-              <a:ea typeface="Cabin"/>
-              <a:cs typeface="Cabin"/>
-              <a:sym typeface="Cabin"/>
-            </a:endParaRPr>
-          </a:p>
-          <a:p>
-            <a:pPr marL="421481" indent="-194453">
-              <a:spcBef>
-                <a:spcPts val="1969"/>
-              </a:spcBef>
-              <a:buClr>
-                <a:schemeClr val="lt1"/>
-              </a:buClr>
-              <a:buSzPct val="100000"/>
-              <a:buFont typeface="Cabin"/>
-              <a:buChar char="•"/>
-            </a:pPr>
-            <a:r>
-              <a:rPr lang="en-US" sz="2000" dirty="0" err="1">
-                <a:latin typeface="Cabin"/>
-                <a:ea typeface="Cabin"/>
-                <a:cs typeface="Cabin"/>
-                <a:sym typeface="Cabin"/>
-              </a:rPr>
-              <a:t>Перед</a:t>
-            </a:r>
-            <a:r>
-              <a:rPr lang="en-US" sz="2000" dirty="0">
-                <a:latin typeface="Cabin"/>
-                <a:ea typeface="Cabin"/>
-                <a:cs typeface="Cabin"/>
-                <a:sym typeface="Cabin"/>
-              </a:rPr>
-              <a:t> </a:t>
-            </a:r>
-            <a:r>
-              <a:rPr lang="en-US" sz="2000" dirty="0" err="1">
-                <a:latin typeface="Cabin"/>
-                <a:ea typeface="Cabin"/>
-                <a:cs typeface="Cabin"/>
-                <a:sym typeface="Cabin"/>
-              </a:rPr>
-              <a:t>выполнением</a:t>
-            </a:r>
-            <a:r>
-              <a:rPr lang="en-US" sz="2000" dirty="0">
-                <a:latin typeface="Cabin"/>
-                <a:ea typeface="Cabin"/>
-                <a:cs typeface="Cabin"/>
-                <a:sym typeface="Cabin"/>
-              </a:rPr>
-              <a:t> </a:t>
-            </a:r>
-            <a:r>
-              <a:rPr lang="en-US" sz="2000" dirty="0" err="1">
-                <a:latin typeface="Cabin"/>
-                <a:ea typeface="Cabin"/>
-                <a:cs typeface="Cabin"/>
-                <a:sym typeface="Cabin"/>
-              </a:rPr>
-              <a:t>операции</a:t>
-            </a:r>
-            <a:r>
-              <a:rPr lang="en-US" sz="2000" dirty="0">
-                <a:latin typeface="Cabin"/>
-                <a:ea typeface="Cabin"/>
-                <a:cs typeface="Cabin"/>
-                <a:sym typeface="Cabin"/>
-              </a:rPr>
-              <a:t> </a:t>
-            </a:r>
-            <a:r>
-              <a:rPr lang="en-US" sz="2000" dirty="0" err="1">
-                <a:latin typeface="Cabin"/>
-                <a:ea typeface="Cabin"/>
-                <a:cs typeface="Cabin"/>
-                <a:sym typeface="Cabin"/>
-              </a:rPr>
-              <a:t>целое</a:t>
-            </a:r>
-            <a:r>
-              <a:rPr lang="en-US" sz="2000" dirty="0">
-                <a:latin typeface="Cabin"/>
-                <a:ea typeface="Cabin"/>
-                <a:cs typeface="Cabin"/>
-                <a:sym typeface="Cabin"/>
-              </a:rPr>
-              <a:t> </a:t>
-            </a:r>
-            <a:r>
-              <a:rPr lang="en-US" sz="2000" dirty="0" err="1">
-                <a:latin typeface="Cabin"/>
-                <a:ea typeface="Cabin"/>
-                <a:cs typeface="Cabin"/>
-                <a:sym typeface="Cabin"/>
-              </a:rPr>
-              <a:t>число</a:t>
-            </a:r>
-            <a:r>
-              <a:rPr lang="en-US" sz="2000" dirty="0">
-                <a:latin typeface="Cabin"/>
-                <a:ea typeface="Cabin"/>
-                <a:cs typeface="Cabin"/>
-                <a:sym typeface="Cabin"/>
-              </a:rPr>
-              <a:t> </a:t>
-            </a:r>
-            <a:r>
-              <a:rPr lang="en-US" sz="2000" dirty="0" err="1">
-                <a:latin typeface="Cabin"/>
-                <a:ea typeface="Cabin"/>
-                <a:cs typeface="Cabin"/>
-                <a:sym typeface="Cabin"/>
-              </a:rPr>
-              <a:t>преобразуется</a:t>
-            </a:r>
-            <a:r>
-              <a:rPr lang="en-US" sz="2000" dirty="0">
-                <a:latin typeface="Cabin"/>
-                <a:ea typeface="Cabin"/>
-                <a:cs typeface="Cabin"/>
-                <a:sym typeface="Cabin"/>
-              </a:rPr>
-              <a:t> в </a:t>
-            </a:r>
-            <a:r>
-              <a:rPr lang="en-US" sz="2000" dirty="0" err="1">
-                <a:latin typeface="Cabin"/>
-                <a:ea typeface="Cabin"/>
-                <a:cs typeface="Cabin"/>
-                <a:sym typeface="Cabin"/>
-              </a:rPr>
-              <a:t>значение</a:t>
-            </a:r>
-            <a:r>
-              <a:rPr lang="en-US" sz="2000" dirty="0">
-                <a:latin typeface="Cabin"/>
-                <a:ea typeface="Cabin"/>
-                <a:cs typeface="Cabin"/>
-                <a:sym typeface="Cabin"/>
-              </a:rPr>
-              <a:t> с </a:t>
-            </a:r>
-            <a:r>
-              <a:rPr lang="en-US" sz="2000" dirty="0" err="1">
-                <a:latin typeface="Cabin"/>
-                <a:ea typeface="Cabin"/>
-                <a:cs typeface="Cabin"/>
-                <a:sym typeface="Cabin"/>
-              </a:rPr>
-              <a:t>плавающей</a:t>
-            </a:r>
-            <a:r>
-              <a:rPr lang="en-US" sz="2000" dirty="0">
-                <a:latin typeface="Cabin"/>
-                <a:ea typeface="Cabin"/>
-                <a:cs typeface="Cabin"/>
-                <a:sym typeface="Cabin"/>
-              </a:rPr>
-              <a:t> </a:t>
-            </a:r>
-            <a:r>
-              <a:rPr lang="en-US" sz="2000" dirty="0" err="1">
-                <a:latin typeface="Cabin"/>
-                <a:ea typeface="Cabin"/>
-                <a:cs typeface="Cabin"/>
-                <a:sym typeface="Cabin"/>
-              </a:rPr>
-              <a:t>точкой</a:t>
-            </a:r>
-            <a:endParaRPr lang="en-US" sz="2000" dirty="0">
-              <a:latin typeface="Cabin"/>
-              <a:ea typeface="Cabin"/>
-              <a:cs typeface="Cabin"/>
-              <a:sym typeface="Cabin"/>
-            </a:endParaRPr>
-          </a:p>
-        </p:txBody>
-      </p:sp>
-      <p:pic>
-        <p:nvPicPr>
-          <p:cNvPr id="2" name="Рисунок 1"/>
-          <p:cNvPicPr>
-            <a:picLocks noChangeAspect="1"/>
-          </p:cNvPicPr>
-          <p:nvPr/>
-        </p:nvPicPr>
-        <p:blipFill rotWithShape="1">
-          <a:blip r:embed="rId3"/>
-          <a:srcRect l="4725" t="68599" r="77781" b="15301"/>
-          <a:stretch/>
-        </p:blipFill>
-        <p:spPr>
-          <a:xfrm>
-            <a:off x="4803428" y="2492896"/>
-            <a:ext cx="4320480" cy="2376264"/>
-          </a:xfrm>
-          <a:prstGeom prst="rect">
-            <a:avLst/>
-          </a:prstGeom>
-        </p:spPr>
-      </p:pic>
-    </p:spTree>
-    <p:extLst>
-      <p:ext uri="{BB962C8B-B14F-4D97-AF65-F5344CB8AC3E}">
-        <p14:creationId xmlns:p14="http://schemas.microsoft.com/office/powerpoint/2010/main" val="2509426031"/>
-      </p:ext>
-    </p:extLst>
-  </p:cSld>
-  <p:clrMapOvr>
-    <a:masterClrMapping/>
-  </p:clrMapOvr>
-</p:sld>
-</file>
-
-<file path=ppt/slides/slide21.xml><?xml version="1.0" encoding="utf-8"?>
 <p:sld xmlns:a="http://schemas.openxmlformats.org/drawingml/2006/main" xmlns:r="http://schemas.openxmlformats.org/officeDocument/2006/relationships" xmlns:p="http://schemas.openxmlformats.org/presentationml/2006/main">
   <p:cSld>
     <p:spTree>
@@ -15925,12 +15238,6 @@
               </a:rPr>
               <a:t>&gt;&gt;&gt; </a:t>
             </a:r>
-            <a:endParaRPr lang="en-US" sz="1463" dirty="0">
-              <a:latin typeface="Courier New"/>
-              <a:ea typeface="Courier New"/>
-              <a:cs typeface="Courier New"/>
-              <a:sym typeface="Courier New"/>
-            </a:endParaRPr>
           </a:p>
         </p:txBody>
       </p:sp>
@@ -16011,10 +15318,17 @@
   <p:clrMapOvr>
     <a:masterClrMapping/>
   </p:clrMapOvr>
+  <p:timing>
+    <p:tnLst>
+      <p:par>
+        <p:cTn id="1" dur="indefinite" restart="never" nodeType="tmRoot"/>
+      </p:par>
+    </p:tnLst>
+  </p:timing>
 </p:sld>
 </file>
 
-<file path=ppt/slides/slide22.xml><?xml version="1.0" encoding="utf-8"?>
+<file path=ppt/slides/slide21.xml><?xml version="1.0" encoding="utf-8"?>
 <p:sld xmlns:a="http://schemas.openxmlformats.org/drawingml/2006/main" xmlns:r="http://schemas.openxmlformats.org/officeDocument/2006/relationships" xmlns:p="http://schemas.openxmlformats.org/presentationml/2006/main">
   <p:cSld>
     <p:spTree>
@@ -16664,10 +15978,17 @@
   <p:clrMapOvr>
     <a:masterClrMapping/>
   </p:clrMapOvr>
+  <p:timing>
+    <p:tnLst>
+      <p:par>
+        <p:cTn id="1" dur="indefinite" restart="never" nodeType="tmRoot"/>
+      </p:par>
+    </p:tnLst>
+  </p:timing>
 </p:sld>
 </file>
 
-<file path=ppt/slides/slide23.xml><?xml version="1.0" encoding="utf-8"?>
+<file path=ppt/slides/slide22.xml><?xml version="1.0" encoding="utf-8"?>
 <p:sld xmlns:a="http://schemas.openxmlformats.org/drawingml/2006/main" xmlns:r="http://schemas.openxmlformats.org/officeDocument/2006/relationships" xmlns:p="http://schemas.openxmlformats.org/presentationml/2006/main">
   <p:cSld>
     <p:spTree>
@@ -17389,10 +16710,17 @@
   <p:clrMapOvr>
     <a:masterClrMapping/>
   </p:clrMapOvr>
+  <p:timing>
+    <p:tnLst>
+      <p:par>
+        <p:cTn id="1" dur="indefinite" restart="never" nodeType="tmRoot"/>
+      </p:par>
+    </p:tnLst>
+  </p:timing>
 </p:sld>
 </file>
 
-<file path=ppt/slides/slide24.xml><?xml version="1.0" encoding="utf-8"?>
+<file path=ppt/slides/slide23.xml><?xml version="1.0" encoding="utf-8"?>
 <p:sld xmlns:a="http://schemas.openxmlformats.org/drawingml/2006/main" xmlns:r="http://schemas.openxmlformats.org/officeDocument/2006/relationships" xmlns:p="http://schemas.openxmlformats.org/presentationml/2006/main">
   <p:cSld>
     <p:spTree>
@@ -18022,10 +17350,17 @@
   <p:clrMapOvr>
     <a:masterClrMapping/>
   </p:clrMapOvr>
+  <p:timing>
+    <p:tnLst>
+      <p:par>
+        <p:cTn id="1" dur="indefinite" restart="never" nodeType="tmRoot"/>
+      </p:par>
+    </p:tnLst>
+  </p:timing>
 </p:sld>
 </file>
 
-<file path=ppt/slides/slide25.xml><?xml version="1.0" encoding="utf-8"?>
+<file path=ppt/slides/slide24.xml><?xml version="1.0" encoding="utf-8"?>
 <p:sld xmlns:a="http://schemas.openxmlformats.org/drawingml/2006/main" xmlns:r="http://schemas.openxmlformats.org/officeDocument/2006/relationships" xmlns:p="http://schemas.openxmlformats.org/presentationml/2006/main">
   <p:cSld>
     <p:spTree>
@@ -18178,7 +17513,7 @@
 </p:sld>
 </file>
 
-<file path=ppt/slides/slide26.xml><?xml version="1.0" encoding="utf-8"?>
+<file path=ppt/slides/slide25.xml><?xml version="1.0" encoding="utf-8"?>
 <p:sld xmlns:a="http://schemas.openxmlformats.org/drawingml/2006/main" xmlns:r="http://schemas.openxmlformats.org/officeDocument/2006/relationships" xmlns:p="http://schemas.openxmlformats.org/presentationml/2006/main">
   <p:cSld>
     <p:spTree>
@@ -18724,7 +18059,7 @@
 </p:sld>
 </file>
 
-<file path=ppt/slides/slide27.xml><?xml version="1.0" encoding="utf-8"?>
+<file path=ppt/slides/slide26.xml><?xml version="1.0" encoding="utf-8"?>
 <p:sld xmlns:a="http://schemas.openxmlformats.org/drawingml/2006/main" xmlns:r="http://schemas.openxmlformats.org/officeDocument/2006/relationships" xmlns:p="http://schemas.openxmlformats.org/presentationml/2006/main">
   <p:cSld>
     <p:spTree>
@@ -18863,7 +18198,7 @@
 </p:sld>
 </file>
 
-<file path=ppt/slides/slide28.xml><?xml version="1.0" encoding="utf-8"?>
+<file path=ppt/slides/slide27.xml><?xml version="1.0" encoding="utf-8"?>
 <p:sld xmlns:a="http://schemas.openxmlformats.org/drawingml/2006/main" xmlns:r="http://schemas.openxmlformats.org/officeDocument/2006/relationships" xmlns:p="http://schemas.openxmlformats.org/presentationml/2006/main">
   <p:cSld>
     <p:spTree>
@@ -19286,7 +18621,7 @@
 </p:sld>
 </file>
 
-<file path=ppt/slides/slide29.xml><?xml version="1.0" encoding="utf-8"?>
+<file path=ppt/slides/slide28.xml><?xml version="1.0" encoding="utf-8"?>
 <p:sld xmlns:a="http://schemas.openxmlformats.org/drawingml/2006/main" xmlns:r="http://schemas.openxmlformats.org/officeDocument/2006/relationships" xmlns:p="http://schemas.openxmlformats.org/presentationml/2006/main">
   <p:cSld>
     <p:spTree>
@@ -19778,6 +19113,721 @@
 </p:sld>
 </file>
 
+<file path=ppt/slides/slide29.xml><?xml version="1.0" encoding="utf-8"?>
+<p:sld xmlns:a="http://schemas.openxmlformats.org/drawingml/2006/main" xmlns:r="http://schemas.openxmlformats.org/officeDocument/2006/relationships" xmlns:p="http://schemas.openxmlformats.org/presentationml/2006/main">
+  <p:cSld>
+    <p:spTree>
+      <p:nvGrpSpPr>
+        <p:cNvPr id="1" name="Shape 487"/>
+        <p:cNvGrpSpPr/>
+        <p:nvPr/>
+      </p:nvGrpSpPr>
+      <p:grpSpPr>
+        <a:xfrm>
+          <a:off x="0" y="0"/>
+          <a:ext cx="0" cy="0"/>
+          <a:chOff x="0" y="0"/>
+          <a:chExt cx="0" cy="0"/>
+        </a:xfrm>
+      </p:grpSpPr>
+      <p:sp>
+        <p:nvSpPr>
+          <p:cNvPr id="488" name="Shape 488"/>
+          <p:cNvSpPr txBox="1">
+            <a:spLocks noGrp="1"/>
+          </p:cNvSpPr>
+          <p:nvPr>
+            <p:ph type="title"/>
+          </p:nvPr>
+        </p:nvSpPr>
+        <p:spPr>
+          <a:xfrm>
+            <a:off x="650081" y="260648"/>
+            <a:ext cx="7836750" cy="1292963"/>
+          </a:xfrm>
+          <a:prstGeom prst="rect">
+            <a:avLst/>
+          </a:prstGeom>
+          <a:noFill/>
+          <a:ln>
+            <a:noFill/>
+          </a:ln>
+        </p:spPr>
+        <p:txBody>
+          <a:bodyPr vert="horz" lIns="21431" tIns="21431" rIns="21431" bIns="21431" rtlCol="0" anchor="ctr" anchorCtr="0">
+            <a:noAutofit/>
+          </a:bodyPr>
+          <a:lstStyle/>
+          <a:p>
+            <a:pPr>
+              <a:spcBef>
+                <a:spcPts val="0"/>
+              </a:spcBef>
+              <a:buClr>
+                <a:srgbClr val="FFFF00"/>
+              </a:buClr>
+              <a:buSzPct val="25000"/>
+            </a:pPr>
+            <a:r>
+              <a:rPr lang="en-US" sz="3938" dirty="0" err="1">
+                <a:latin typeface="Cabin"/>
+                <a:ea typeface="Cabin"/>
+                <a:cs typeface="Cabin"/>
+                <a:sym typeface="Cabin"/>
+              </a:rPr>
+              <a:t>Комментарии</a:t>
+            </a:r>
+            <a:r>
+              <a:rPr lang="en-US" sz="3938" dirty="0">
+                <a:latin typeface="Cabin"/>
+                <a:ea typeface="Cabin"/>
+                <a:cs typeface="Cabin"/>
+                <a:sym typeface="Cabin"/>
+              </a:rPr>
+              <a:t> в Python</a:t>
+            </a:r>
+          </a:p>
+        </p:txBody>
+      </p:sp>
+      <p:sp>
+        <p:nvSpPr>
+          <p:cNvPr id="489" name="Shape 489"/>
+          <p:cNvSpPr txBox="1">
+            <a:spLocks noGrp="1"/>
+          </p:cNvSpPr>
+          <p:nvPr>
+            <p:ph type="body" idx="1"/>
+          </p:nvPr>
+        </p:nvSpPr>
+        <p:spPr>
+          <a:xfrm>
+            <a:off x="634504" y="1988840"/>
+            <a:ext cx="7836694" cy="3207543"/>
+          </a:xfrm>
+          <a:prstGeom prst="rect">
+            <a:avLst/>
+          </a:prstGeom>
+          <a:noFill/>
+          <a:ln>
+            <a:noFill/>
+          </a:ln>
+        </p:spPr>
+        <p:txBody>
+          <a:bodyPr vert="horz" lIns="21431" tIns="21431" rIns="21431" bIns="21431" rtlCol="0" anchor="ctr" anchorCtr="0">
+            <a:noAutofit/>
+          </a:bodyPr>
+          <a:lstStyle/>
+          <a:p>
+            <a:pPr marL="421481" indent="-194453">
+              <a:spcBef>
+                <a:spcPts val="0"/>
+              </a:spcBef>
+              <a:buClr>
+                <a:schemeClr val="lt1"/>
+              </a:buClr>
+              <a:buSzPct val="100000"/>
+              <a:buFont typeface="Cabin"/>
+              <a:buChar char="•"/>
+            </a:pPr>
+            <a:r>
+              <a:rPr lang="en-US" sz="2000" dirty="0">
+                <a:latin typeface="Cabin"/>
+                <a:ea typeface="Cabin"/>
+                <a:cs typeface="Cabin"/>
+                <a:sym typeface="Cabin"/>
+              </a:rPr>
+              <a:t>Python </a:t>
+            </a:r>
+            <a:r>
+              <a:rPr lang="en-US" sz="2000" dirty="0" err="1">
+                <a:latin typeface="Cabin"/>
+                <a:ea typeface="Cabin"/>
+                <a:cs typeface="Cabin"/>
+                <a:sym typeface="Cabin"/>
+              </a:rPr>
+              <a:t>игнорирует</a:t>
+            </a:r>
+            <a:r>
+              <a:rPr lang="en-US" sz="2000" dirty="0">
+                <a:latin typeface="Cabin"/>
+                <a:ea typeface="Cabin"/>
+                <a:cs typeface="Cabin"/>
+                <a:sym typeface="Cabin"/>
+              </a:rPr>
+              <a:t> </a:t>
+            </a:r>
+            <a:r>
+              <a:rPr lang="en-US" sz="2000" dirty="0" err="1">
+                <a:latin typeface="Cabin"/>
+                <a:ea typeface="Cabin"/>
+                <a:cs typeface="Cabin"/>
+                <a:sym typeface="Cabin"/>
+              </a:rPr>
+              <a:t>всю</a:t>
+            </a:r>
+            <a:r>
+              <a:rPr lang="en-US" sz="2000" dirty="0">
+                <a:latin typeface="Cabin"/>
+                <a:ea typeface="Cabin"/>
+                <a:cs typeface="Cabin"/>
+                <a:sym typeface="Cabin"/>
+              </a:rPr>
+              <a:t> </a:t>
+            </a:r>
+            <a:r>
+              <a:rPr lang="en-US" sz="2000" dirty="0" err="1">
+                <a:latin typeface="Cabin"/>
+                <a:ea typeface="Cabin"/>
+                <a:cs typeface="Cabin"/>
+                <a:sym typeface="Cabin"/>
+              </a:rPr>
+              <a:t>строку</a:t>
+            </a:r>
+            <a:r>
+              <a:rPr lang="en-US" sz="2000" dirty="0">
+                <a:latin typeface="Cabin"/>
+                <a:ea typeface="Cabin"/>
+                <a:cs typeface="Cabin"/>
+                <a:sym typeface="Cabin"/>
+              </a:rPr>
+              <a:t> </a:t>
+            </a:r>
+            <a:r>
+              <a:rPr lang="en-US" sz="2000" dirty="0" err="1">
+                <a:latin typeface="Cabin"/>
+                <a:ea typeface="Cabin"/>
+                <a:cs typeface="Cabin"/>
+                <a:sym typeface="Cabin"/>
+              </a:rPr>
+              <a:t>после</a:t>
+            </a:r>
+            <a:r>
+              <a:rPr lang="en-US" sz="2000" dirty="0">
+                <a:latin typeface="Cabin"/>
+                <a:ea typeface="Cabin"/>
+                <a:cs typeface="Cabin"/>
+                <a:sym typeface="Cabin"/>
+              </a:rPr>
+              <a:t> </a:t>
+            </a:r>
+            <a:r>
+              <a:rPr lang="en-US" sz="2000" dirty="0" err="1">
+                <a:latin typeface="Cabin"/>
+                <a:ea typeface="Cabin"/>
+                <a:cs typeface="Cabin"/>
+                <a:sym typeface="Cabin"/>
+              </a:rPr>
+              <a:t>символа</a:t>
+            </a:r>
+            <a:r>
+              <a:rPr lang="en-US" sz="2000" dirty="0">
+                <a:latin typeface="Cabin"/>
+                <a:ea typeface="Cabin"/>
+                <a:cs typeface="Cabin"/>
+                <a:sym typeface="Cabin"/>
+              </a:rPr>
+              <a:t> </a:t>
+            </a:r>
+            <a:r>
+              <a:rPr lang="en-US" sz="2000" dirty="0" err="1">
+                <a:latin typeface="Cabin"/>
+                <a:ea typeface="Cabin"/>
+                <a:cs typeface="Cabin"/>
+                <a:sym typeface="Cabin"/>
+              </a:rPr>
+              <a:t>решетки</a:t>
+            </a:r>
+            <a:r>
+              <a:rPr lang="en-US" sz="2000" dirty="0">
+                <a:latin typeface="Cabin"/>
+                <a:ea typeface="Cabin"/>
+                <a:cs typeface="Cabin"/>
+                <a:sym typeface="Cabin"/>
+              </a:rPr>
+              <a:t> </a:t>
+            </a:r>
+            <a:r>
+              <a:rPr lang="en-US" sz="2000" dirty="0">
+                <a:solidFill>
+                  <a:schemeClr val="accent2"/>
+                </a:solidFill>
+                <a:latin typeface="Cabin"/>
+                <a:ea typeface="Cabin"/>
+                <a:cs typeface="Cabin"/>
+                <a:sym typeface="Cabin"/>
+              </a:rPr>
+              <a:t># </a:t>
+            </a:r>
+          </a:p>
+          <a:p>
+            <a:pPr marL="421481" indent="-194453">
+              <a:spcBef>
+                <a:spcPts val="1969"/>
+              </a:spcBef>
+              <a:buClr>
+                <a:schemeClr val="lt1"/>
+              </a:buClr>
+              <a:buSzPct val="100000"/>
+              <a:buFont typeface="Cabin"/>
+              <a:buChar char="•"/>
+            </a:pPr>
+            <a:r>
+              <a:rPr lang="en-US" sz="2000" dirty="0" err="1">
+                <a:latin typeface="Cabin"/>
+                <a:ea typeface="Cabin"/>
+                <a:cs typeface="Cabin"/>
+                <a:sym typeface="Cabin"/>
+              </a:rPr>
+              <a:t>Для</a:t>
+            </a:r>
+            <a:r>
+              <a:rPr lang="en-US" sz="2000" dirty="0">
+                <a:latin typeface="Cabin"/>
+                <a:ea typeface="Cabin"/>
+                <a:cs typeface="Cabin"/>
+                <a:sym typeface="Cabin"/>
+              </a:rPr>
+              <a:t> </a:t>
+            </a:r>
+            <a:r>
+              <a:rPr lang="en-US" sz="2000" dirty="0" err="1">
+                <a:latin typeface="Cabin"/>
+                <a:ea typeface="Cabin"/>
+                <a:cs typeface="Cabin"/>
+                <a:sym typeface="Cabin"/>
+              </a:rPr>
+              <a:t>чего</a:t>
+            </a:r>
+            <a:r>
+              <a:rPr lang="en-US" sz="2000" dirty="0">
+                <a:latin typeface="Cabin"/>
+                <a:ea typeface="Cabin"/>
+                <a:cs typeface="Cabin"/>
+                <a:sym typeface="Cabin"/>
+              </a:rPr>
+              <a:t> </a:t>
+            </a:r>
+            <a:r>
+              <a:rPr lang="en-US" sz="2000" dirty="0" err="1">
+                <a:latin typeface="Cabin"/>
+                <a:ea typeface="Cabin"/>
+                <a:cs typeface="Cabin"/>
+                <a:sym typeface="Cabin"/>
+              </a:rPr>
+              <a:t>нужны</a:t>
+            </a:r>
+            <a:r>
+              <a:rPr lang="en-US" sz="2000" dirty="0">
+                <a:latin typeface="Cabin"/>
+                <a:ea typeface="Cabin"/>
+                <a:cs typeface="Cabin"/>
+                <a:sym typeface="Cabin"/>
+              </a:rPr>
+              <a:t> </a:t>
+            </a:r>
+            <a:r>
+              <a:rPr lang="en-US" sz="2000" dirty="0" err="1">
+                <a:latin typeface="Cabin"/>
+                <a:ea typeface="Cabin"/>
+                <a:cs typeface="Cabin"/>
+                <a:sym typeface="Cabin"/>
+              </a:rPr>
+              <a:t>комментарии</a:t>
+            </a:r>
+            <a:r>
+              <a:rPr lang="en-US" sz="2000" dirty="0">
+                <a:latin typeface="Cabin"/>
+                <a:ea typeface="Cabin"/>
+                <a:cs typeface="Cabin"/>
+                <a:sym typeface="Cabin"/>
+              </a:rPr>
+              <a:t>?</a:t>
+            </a:r>
+          </a:p>
+          <a:p>
+            <a:pPr marL="585788" lvl="1" indent="-194453">
+              <a:spcBef>
+                <a:spcPts val="1969"/>
+              </a:spcBef>
+              <a:buClr>
+                <a:schemeClr val="lt1"/>
+              </a:buClr>
+              <a:buSzPct val="100000"/>
+              <a:buFont typeface="Cabin"/>
+            </a:pPr>
+            <a:r>
+              <a:rPr lang="en-US" sz="2000" dirty="0" err="1">
+                <a:latin typeface="Cabin"/>
+                <a:ea typeface="Cabin"/>
+                <a:cs typeface="Cabin"/>
+                <a:sym typeface="Cabin"/>
+              </a:rPr>
+              <a:t>Чтобы</a:t>
+            </a:r>
+            <a:r>
+              <a:rPr lang="en-US" sz="2000" dirty="0">
+                <a:latin typeface="Cabin"/>
+                <a:ea typeface="Cabin"/>
+                <a:cs typeface="Cabin"/>
+                <a:sym typeface="Cabin"/>
+              </a:rPr>
+              <a:t> </a:t>
+            </a:r>
+            <a:r>
+              <a:rPr lang="en-US" sz="2000" dirty="0" err="1">
+                <a:latin typeface="Cabin"/>
+                <a:ea typeface="Cabin"/>
+                <a:cs typeface="Cabin"/>
+                <a:sym typeface="Cabin"/>
+              </a:rPr>
+              <a:t>пояснить</a:t>
+            </a:r>
+            <a:r>
+              <a:rPr lang="en-US" sz="2000" dirty="0">
+                <a:latin typeface="Cabin"/>
+                <a:ea typeface="Cabin"/>
+                <a:cs typeface="Cabin"/>
+                <a:sym typeface="Cabin"/>
+              </a:rPr>
+              <a:t> </a:t>
+            </a:r>
+            <a:r>
+              <a:rPr lang="en-US" sz="2000" dirty="0" err="1">
+                <a:latin typeface="Cabin"/>
+                <a:ea typeface="Cabin"/>
+                <a:cs typeface="Cabin"/>
+                <a:sym typeface="Cabin"/>
+              </a:rPr>
+              <a:t>последующую</a:t>
+            </a:r>
+            <a:r>
+              <a:rPr lang="en-US" sz="2000" dirty="0">
+                <a:latin typeface="Cabin"/>
+                <a:ea typeface="Cabin"/>
+                <a:cs typeface="Cabin"/>
+                <a:sym typeface="Cabin"/>
+              </a:rPr>
+              <a:t> </a:t>
+            </a:r>
+            <a:r>
+              <a:rPr lang="en-US" sz="2000" dirty="0" err="1">
+                <a:latin typeface="Cabin"/>
+                <a:ea typeface="Cabin"/>
+                <a:cs typeface="Cabin"/>
+                <a:sym typeface="Cabin"/>
+              </a:rPr>
+              <a:t>часть</a:t>
+            </a:r>
+            <a:r>
+              <a:rPr lang="en-US" sz="2000" dirty="0">
+                <a:latin typeface="Cabin"/>
+                <a:ea typeface="Cabin"/>
+                <a:cs typeface="Cabin"/>
+                <a:sym typeface="Cabin"/>
+              </a:rPr>
+              <a:t> </a:t>
+            </a:r>
+            <a:r>
+              <a:rPr lang="en-US" sz="2000" dirty="0" err="1">
+                <a:latin typeface="Cabin"/>
+                <a:ea typeface="Cabin"/>
+                <a:cs typeface="Cabin"/>
+                <a:sym typeface="Cabin"/>
+              </a:rPr>
+              <a:t>кода</a:t>
+            </a:r>
+            <a:endParaRPr lang="en-US" sz="2000" dirty="0">
+              <a:latin typeface="Cabin"/>
+              <a:ea typeface="Cabin"/>
+              <a:cs typeface="Cabin"/>
+              <a:sym typeface="Cabin"/>
+            </a:endParaRPr>
+          </a:p>
+          <a:p>
+            <a:pPr marL="585788" lvl="1" indent="-194453">
+              <a:spcBef>
+                <a:spcPts val="1969"/>
+              </a:spcBef>
+              <a:buClr>
+                <a:schemeClr val="lt1"/>
+              </a:buClr>
+              <a:buSzPct val="100000"/>
+              <a:buFont typeface="Cabin"/>
+            </a:pPr>
+            <a:r>
+              <a:rPr lang="en-US" sz="2000" dirty="0" err="1">
+                <a:latin typeface="Cabin"/>
+                <a:ea typeface="Cabin"/>
+                <a:cs typeface="Cabin"/>
+                <a:sym typeface="Cabin"/>
+              </a:rPr>
+              <a:t>Задокументировать</a:t>
+            </a:r>
+            <a:r>
+              <a:rPr lang="en-US" sz="2000" dirty="0">
+                <a:latin typeface="Cabin"/>
+                <a:ea typeface="Cabin"/>
+                <a:cs typeface="Cabin"/>
+                <a:sym typeface="Cabin"/>
+              </a:rPr>
+              <a:t> </a:t>
+            </a:r>
+            <a:r>
+              <a:rPr lang="en-US" sz="2000" dirty="0" err="1">
+                <a:latin typeface="Cabin"/>
+                <a:ea typeface="Cabin"/>
+                <a:cs typeface="Cabin"/>
+                <a:sym typeface="Cabin"/>
+              </a:rPr>
+              <a:t>информацию</a:t>
+            </a:r>
+            <a:r>
+              <a:rPr lang="en-US" sz="2000" dirty="0">
+                <a:latin typeface="Cabin"/>
+                <a:ea typeface="Cabin"/>
+                <a:cs typeface="Cabin"/>
+                <a:sym typeface="Cabin"/>
+              </a:rPr>
+              <a:t> </a:t>
+            </a:r>
+            <a:r>
+              <a:rPr lang="en-US" sz="2000" dirty="0" err="1">
+                <a:latin typeface="Cabin"/>
+                <a:ea typeface="Cabin"/>
+                <a:cs typeface="Cabin"/>
+                <a:sym typeface="Cabin"/>
+              </a:rPr>
+              <a:t>об</a:t>
+            </a:r>
+            <a:r>
+              <a:rPr lang="en-US" sz="2000" dirty="0">
+                <a:latin typeface="Cabin"/>
+                <a:ea typeface="Cabin"/>
+                <a:cs typeface="Cabin"/>
+                <a:sym typeface="Cabin"/>
+              </a:rPr>
+              <a:t> </a:t>
+            </a:r>
+            <a:r>
+              <a:rPr lang="en-US" sz="2000" dirty="0" err="1">
+                <a:latin typeface="Cabin"/>
+                <a:ea typeface="Cabin"/>
+                <a:cs typeface="Cabin"/>
+                <a:sym typeface="Cabin"/>
+              </a:rPr>
+              <a:t>авторе</a:t>
+            </a:r>
+            <a:r>
+              <a:rPr lang="en-US" sz="2000" dirty="0">
+                <a:latin typeface="Cabin"/>
+                <a:ea typeface="Cabin"/>
+                <a:cs typeface="Cabin"/>
+                <a:sym typeface="Cabin"/>
+              </a:rPr>
+              <a:t> </a:t>
+            </a:r>
+            <a:r>
+              <a:rPr lang="en-US" sz="2000" dirty="0" err="1">
+                <a:latin typeface="Cabin"/>
+                <a:ea typeface="Cabin"/>
+                <a:cs typeface="Cabin"/>
+                <a:sym typeface="Cabin"/>
+              </a:rPr>
+              <a:t>кода</a:t>
+            </a:r>
+            <a:r>
+              <a:rPr lang="en-US" sz="2000" dirty="0">
+                <a:latin typeface="Cabin"/>
+                <a:ea typeface="Cabin"/>
+                <a:cs typeface="Cabin"/>
+                <a:sym typeface="Cabin"/>
+              </a:rPr>
+              <a:t> </a:t>
+            </a:r>
+            <a:r>
+              <a:rPr lang="en-US" sz="2000" dirty="0" err="1">
+                <a:latin typeface="Cabin"/>
+                <a:ea typeface="Cabin"/>
+                <a:cs typeface="Cabin"/>
+                <a:sym typeface="Cabin"/>
+              </a:rPr>
+              <a:t>или</a:t>
+            </a:r>
+            <a:r>
+              <a:rPr lang="en-US" sz="2000" dirty="0">
+                <a:latin typeface="Cabin"/>
+                <a:ea typeface="Cabin"/>
+                <a:cs typeface="Cabin"/>
+                <a:sym typeface="Cabin"/>
+              </a:rPr>
+              <a:t> </a:t>
+            </a:r>
+            <a:r>
+              <a:rPr lang="en-US" sz="2000" dirty="0" err="1">
+                <a:latin typeface="Cabin"/>
+                <a:ea typeface="Cabin"/>
+                <a:cs typeface="Cabin"/>
+                <a:sym typeface="Cabin"/>
+              </a:rPr>
+              <a:t>другую</a:t>
+            </a:r>
+            <a:r>
+              <a:rPr lang="en-US" sz="2000" dirty="0">
+                <a:latin typeface="Cabin"/>
+                <a:ea typeface="Cabin"/>
+                <a:cs typeface="Cabin"/>
+                <a:sym typeface="Cabin"/>
+              </a:rPr>
+              <a:t> </a:t>
+            </a:r>
+            <a:r>
+              <a:rPr lang="en-US" sz="2000" dirty="0" err="1">
+                <a:latin typeface="Cabin"/>
+                <a:ea typeface="Cabin"/>
+                <a:cs typeface="Cabin"/>
+                <a:sym typeface="Cabin"/>
+              </a:rPr>
+              <a:t>вспомогательную</a:t>
+            </a:r>
+            <a:r>
+              <a:rPr lang="en-US" sz="2000" dirty="0">
+                <a:latin typeface="Cabin"/>
+                <a:ea typeface="Cabin"/>
+                <a:cs typeface="Cabin"/>
+                <a:sym typeface="Cabin"/>
+              </a:rPr>
+              <a:t> </a:t>
+            </a:r>
+            <a:r>
+              <a:rPr lang="en-US" sz="2000" dirty="0" err="1">
+                <a:latin typeface="Cabin"/>
+                <a:ea typeface="Cabin"/>
+                <a:cs typeface="Cabin"/>
+                <a:sym typeface="Cabin"/>
+              </a:rPr>
+              <a:t>информацию</a:t>
+            </a:r>
+            <a:endParaRPr lang="en-US" sz="2000" dirty="0">
+              <a:latin typeface="Cabin"/>
+              <a:ea typeface="Cabin"/>
+              <a:cs typeface="Cabin"/>
+              <a:sym typeface="Cabin"/>
+            </a:endParaRPr>
+          </a:p>
+          <a:p>
+            <a:pPr marL="585788" lvl="1" indent="-194453">
+              <a:spcBef>
+                <a:spcPts val="1969"/>
+              </a:spcBef>
+              <a:buClr>
+                <a:schemeClr val="lt1"/>
+              </a:buClr>
+              <a:buSzPct val="100000"/>
+              <a:buFont typeface="Cabin"/>
+            </a:pPr>
+            <a:r>
+              <a:rPr lang="en-US" sz="2000" dirty="0" err="1">
+                <a:latin typeface="Cabin"/>
+                <a:ea typeface="Cabin"/>
+                <a:cs typeface="Cabin"/>
+                <a:sym typeface="Cabin"/>
+              </a:rPr>
+              <a:t>Отключить</a:t>
+            </a:r>
+            <a:r>
+              <a:rPr lang="en-US" sz="2000" dirty="0">
+                <a:latin typeface="Cabin"/>
+                <a:ea typeface="Cabin"/>
+                <a:cs typeface="Cabin"/>
+                <a:sym typeface="Cabin"/>
+              </a:rPr>
+              <a:t> </a:t>
+            </a:r>
+            <a:r>
+              <a:rPr lang="en-US" sz="2000" dirty="0" err="1">
+                <a:latin typeface="Cabin"/>
+                <a:ea typeface="Cabin"/>
+                <a:cs typeface="Cabin"/>
+                <a:sym typeface="Cabin"/>
+              </a:rPr>
+              <a:t>строку</a:t>
+            </a:r>
+            <a:r>
+              <a:rPr lang="en-US" sz="2000" dirty="0">
+                <a:latin typeface="Cabin"/>
+                <a:ea typeface="Cabin"/>
+                <a:cs typeface="Cabin"/>
+                <a:sym typeface="Cabin"/>
+              </a:rPr>
+              <a:t> </a:t>
+            </a:r>
+            <a:r>
+              <a:rPr lang="en-US" sz="2000" dirty="0" err="1">
+                <a:latin typeface="Cabin"/>
+                <a:ea typeface="Cabin"/>
+                <a:cs typeface="Cabin"/>
+                <a:sym typeface="Cabin"/>
+              </a:rPr>
+              <a:t>кода</a:t>
+            </a:r>
+            <a:r>
+              <a:rPr lang="en-US" sz="2000" dirty="0">
+                <a:latin typeface="Cabin"/>
+                <a:ea typeface="Cabin"/>
+                <a:cs typeface="Cabin"/>
+                <a:sym typeface="Cabin"/>
+              </a:rPr>
+              <a:t>, </a:t>
+            </a:r>
+            <a:r>
+              <a:rPr lang="en-US" sz="2000" dirty="0" err="1">
+                <a:latin typeface="Cabin"/>
+                <a:ea typeface="Cabin"/>
+                <a:cs typeface="Cabin"/>
+                <a:sym typeface="Cabin"/>
+              </a:rPr>
+              <a:t>возможно</a:t>
+            </a:r>
+            <a:r>
+              <a:rPr lang="en-US" sz="2000" dirty="0">
+                <a:latin typeface="Cabin"/>
+                <a:ea typeface="Cabin"/>
+                <a:cs typeface="Cabin"/>
+                <a:sym typeface="Cabin"/>
+              </a:rPr>
+              <a:t>, </a:t>
+            </a:r>
+            <a:r>
+              <a:rPr lang="en-US" sz="2000" dirty="0" err="1">
+                <a:latin typeface="Cabin"/>
+                <a:ea typeface="Cabin"/>
+                <a:cs typeface="Cabin"/>
+                <a:sym typeface="Cabin"/>
+              </a:rPr>
+              <a:t>временно</a:t>
+            </a:r>
+            <a:endParaRPr lang="en-US" sz="2000" dirty="0">
+              <a:latin typeface="Cabin"/>
+              <a:ea typeface="Cabin"/>
+              <a:cs typeface="Cabin"/>
+              <a:sym typeface="Cabin"/>
+            </a:endParaRPr>
+          </a:p>
+        </p:txBody>
+      </p:sp>
+    </p:spTree>
+    <p:extLst>
+      <p:ext uri="{BB962C8B-B14F-4D97-AF65-F5344CB8AC3E}">
+        <p14:creationId xmlns:p14="http://schemas.microsoft.com/office/powerpoint/2010/main" val="1356090314"/>
+      </p:ext>
+    </p:extLst>
+  </p:cSld>
+  <p:clrMapOvr>
+    <a:masterClrMapping/>
+  </p:clrMapOvr>
+</p:sld>
+</file>
+
 <file path=ppt/slides/slide3.xml><?xml version="1.0" encoding="utf-8"?>
 <p:sld xmlns:a="http://schemas.openxmlformats.org/drawingml/2006/main" xmlns:r="http://schemas.openxmlformats.org/officeDocument/2006/relationships" xmlns:p="http://schemas.openxmlformats.org/presentationml/2006/main">
   <p:cSld>
@@ -20388,725 +20438,17 @@
   <p:clrMapOvr>
     <a:masterClrMapping/>
   </p:clrMapOvr>
+  <p:timing>
+    <p:tnLst>
+      <p:par>
+        <p:cTn id="1" dur="indefinite" restart="never" nodeType="tmRoot"/>
+      </p:par>
+    </p:tnLst>
+  </p:timing>
 </p:sld>
 </file>
 
 <file path=ppt/slides/slide30.xml><?xml version="1.0" encoding="utf-8"?>
-<p:sld xmlns:a="http://schemas.openxmlformats.org/drawingml/2006/main" xmlns:r="http://schemas.openxmlformats.org/officeDocument/2006/relationships" xmlns:p="http://schemas.openxmlformats.org/presentationml/2006/main">
-  <p:cSld>
-    <p:spTree>
-      <p:nvGrpSpPr>
-        <p:cNvPr id="1" name="Shape 487"/>
-        <p:cNvGrpSpPr/>
-        <p:nvPr/>
-      </p:nvGrpSpPr>
-      <p:grpSpPr>
-        <a:xfrm>
-          <a:off x="0" y="0"/>
-          <a:ext cx="0" cy="0"/>
-          <a:chOff x="0" y="0"/>
-          <a:chExt cx="0" cy="0"/>
-        </a:xfrm>
-      </p:grpSpPr>
-      <p:sp>
-        <p:nvSpPr>
-          <p:cNvPr id="488" name="Shape 488"/>
-          <p:cNvSpPr txBox="1">
-            <a:spLocks noGrp="1"/>
-          </p:cNvSpPr>
-          <p:nvPr>
-            <p:ph type="title"/>
-          </p:nvPr>
-        </p:nvSpPr>
-        <p:spPr>
-          <a:xfrm>
-            <a:off x="650081" y="260648"/>
-            <a:ext cx="7836750" cy="1292963"/>
-          </a:xfrm>
-          <a:prstGeom prst="rect">
-            <a:avLst/>
-          </a:prstGeom>
-          <a:noFill/>
-          <a:ln>
-            <a:noFill/>
-          </a:ln>
-        </p:spPr>
-        <p:txBody>
-          <a:bodyPr vert="horz" lIns="21431" tIns="21431" rIns="21431" bIns="21431" rtlCol="0" anchor="ctr" anchorCtr="0">
-            <a:noAutofit/>
-          </a:bodyPr>
-          <a:lstStyle/>
-          <a:p>
-            <a:pPr>
-              <a:spcBef>
-                <a:spcPts val="0"/>
-              </a:spcBef>
-              <a:buClr>
-                <a:srgbClr val="FFFF00"/>
-              </a:buClr>
-              <a:buSzPct val="25000"/>
-            </a:pPr>
-            <a:r>
-              <a:rPr lang="en-US" sz="3938" dirty="0" err="1">
-                <a:latin typeface="Cabin"/>
-                <a:ea typeface="Cabin"/>
-                <a:cs typeface="Cabin"/>
-                <a:sym typeface="Cabin"/>
-              </a:rPr>
-              <a:t>Комментарии</a:t>
-            </a:r>
-            <a:r>
-              <a:rPr lang="en-US" sz="3938" dirty="0">
-                <a:latin typeface="Cabin"/>
-                <a:ea typeface="Cabin"/>
-                <a:cs typeface="Cabin"/>
-                <a:sym typeface="Cabin"/>
-              </a:rPr>
-              <a:t> в Python</a:t>
-            </a:r>
-          </a:p>
-        </p:txBody>
-      </p:sp>
-      <p:sp>
-        <p:nvSpPr>
-          <p:cNvPr id="489" name="Shape 489"/>
-          <p:cNvSpPr txBox="1">
-            <a:spLocks noGrp="1"/>
-          </p:cNvSpPr>
-          <p:nvPr>
-            <p:ph type="body" idx="1"/>
-          </p:nvPr>
-        </p:nvSpPr>
-        <p:spPr>
-          <a:xfrm>
-            <a:off x="634504" y="1988840"/>
-            <a:ext cx="7836694" cy="3207543"/>
-          </a:xfrm>
-          <a:prstGeom prst="rect">
-            <a:avLst/>
-          </a:prstGeom>
-          <a:noFill/>
-          <a:ln>
-            <a:noFill/>
-          </a:ln>
-        </p:spPr>
-        <p:txBody>
-          <a:bodyPr vert="horz" lIns="21431" tIns="21431" rIns="21431" bIns="21431" rtlCol="0" anchor="ctr" anchorCtr="0">
-            <a:noAutofit/>
-          </a:bodyPr>
-          <a:lstStyle/>
-          <a:p>
-            <a:pPr marL="421481" indent="-194453">
-              <a:spcBef>
-                <a:spcPts val="0"/>
-              </a:spcBef>
-              <a:buClr>
-                <a:schemeClr val="lt1"/>
-              </a:buClr>
-              <a:buSzPct val="100000"/>
-              <a:buFont typeface="Cabin"/>
-              <a:buChar char="•"/>
-            </a:pPr>
-            <a:r>
-              <a:rPr lang="en-US" sz="2000" dirty="0">
-                <a:latin typeface="Cabin"/>
-                <a:ea typeface="Cabin"/>
-                <a:cs typeface="Cabin"/>
-                <a:sym typeface="Cabin"/>
-              </a:rPr>
-              <a:t>Python </a:t>
-            </a:r>
-            <a:r>
-              <a:rPr lang="en-US" sz="2000" dirty="0" err="1">
-                <a:latin typeface="Cabin"/>
-                <a:ea typeface="Cabin"/>
-                <a:cs typeface="Cabin"/>
-                <a:sym typeface="Cabin"/>
-              </a:rPr>
-              <a:t>игнорирует</a:t>
-            </a:r>
-            <a:r>
-              <a:rPr lang="en-US" sz="2000" dirty="0">
-                <a:latin typeface="Cabin"/>
-                <a:ea typeface="Cabin"/>
-                <a:cs typeface="Cabin"/>
-                <a:sym typeface="Cabin"/>
-              </a:rPr>
-              <a:t> </a:t>
-            </a:r>
-            <a:r>
-              <a:rPr lang="en-US" sz="2000" dirty="0" err="1">
-                <a:latin typeface="Cabin"/>
-                <a:ea typeface="Cabin"/>
-                <a:cs typeface="Cabin"/>
-                <a:sym typeface="Cabin"/>
-              </a:rPr>
-              <a:t>всю</a:t>
-            </a:r>
-            <a:r>
-              <a:rPr lang="en-US" sz="2000" dirty="0">
-                <a:latin typeface="Cabin"/>
-                <a:ea typeface="Cabin"/>
-                <a:cs typeface="Cabin"/>
-                <a:sym typeface="Cabin"/>
-              </a:rPr>
-              <a:t> </a:t>
-            </a:r>
-            <a:r>
-              <a:rPr lang="en-US" sz="2000" dirty="0" err="1">
-                <a:latin typeface="Cabin"/>
-                <a:ea typeface="Cabin"/>
-                <a:cs typeface="Cabin"/>
-                <a:sym typeface="Cabin"/>
-              </a:rPr>
-              <a:t>строку</a:t>
-            </a:r>
-            <a:r>
-              <a:rPr lang="en-US" sz="2000" dirty="0">
-                <a:latin typeface="Cabin"/>
-                <a:ea typeface="Cabin"/>
-                <a:cs typeface="Cabin"/>
-                <a:sym typeface="Cabin"/>
-              </a:rPr>
-              <a:t> </a:t>
-            </a:r>
-            <a:r>
-              <a:rPr lang="en-US" sz="2000" dirty="0" err="1">
-                <a:latin typeface="Cabin"/>
-                <a:ea typeface="Cabin"/>
-                <a:cs typeface="Cabin"/>
-                <a:sym typeface="Cabin"/>
-              </a:rPr>
-              <a:t>после</a:t>
-            </a:r>
-            <a:r>
-              <a:rPr lang="en-US" sz="2000" dirty="0">
-                <a:latin typeface="Cabin"/>
-                <a:ea typeface="Cabin"/>
-                <a:cs typeface="Cabin"/>
-                <a:sym typeface="Cabin"/>
-              </a:rPr>
-              <a:t> </a:t>
-            </a:r>
-            <a:r>
-              <a:rPr lang="en-US" sz="2000" dirty="0" err="1">
-                <a:latin typeface="Cabin"/>
-                <a:ea typeface="Cabin"/>
-                <a:cs typeface="Cabin"/>
-                <a:sym typeface="Cabin"/>
-              </a:rPr>
-              <a:t>символа</a:t>
-            </a:r>
-            <a:r>
-              <a:rPr lang="en-US" sz="2000" dirty="0">
-                <a:latin typeface="Cabin"/>
-                <a:ea typeface="Cabin"/>
-                <a:cs typeface="Cabin"/>
-                <a:sym typeface="Cabin"/>
-              </a:rPr>
-              <a:t> </a:t>
-            </a:r>
-            <a:r>
-              <a:rPr lang="en-US" sz="2000" dirty="0" err="1">
-                <a:latin typeface="Cabin"/>
-                <a:ea typeface="Cabin"/>
-                <a:cs typeface="Cabin"/>
-                <a:sym typeface="Cabin"/>
-              </a:rPr>
-              <a:t>решетки</a:t>
-            </a:r>
-            <a:r>
-              <a:rPr lang="en-US" sz="2000" dirty="0">
-                <a:latin typeface="Cabin"/>
-                <a:ea typeface="Cabin"/>
-                <a:cs typeface="Cabin"/>
-                <a:sym typeface="Cabin"/>
-              </a:rPr>
-              <a:t> </a:t>
-            </a:r>
-            <a:r>
-              <a:rPr lang="en-US" sz="2000" dirty="0">
-                <a:solidFill>
-                  <a:schemeClr val="accent2"/>
-                </a:solidFill>
-                <a:latin typeface="Cabin"/>
-                <a:ea typeface="Cabin"/>
-                <a:cs typeface="Cabin"/>
-                <a:sym typeface="Cabin"/>
-              </a:rPr>
-              <a:t># </a:t>
-            </a:r>
-          </a:p>
-          <a:p>
-            <a:pPr marL="421481" indent="-194453">
-              <a:spcBef>
-                <a:spcPts val="1969"/>
-              </a:spcBef>
-              <a:buClr>
-                <a:schemeClr val="lt1"/>
-              </a:buClr>
-              <a:buSzPct val="100000"/>
-              <a:buFont typeface="Cabin"/>
-              <a:buChar char="•"/>
-            </a:pPr>
-            <a:r>
-              <a:rPr lang="en-US" sz="2000" dirty="0" err="1">
-                <a:latin typeface="Cabin"/>
-                <a:ea typeface="Cabin"/>
-                <a:cs typeface="Cabin"/>
-                <a:sym typeface="Cabin"/>
-              </a:rPr>
-              <a:t>Для</a:t>
-            </a:r>
-            <a:r>
-              <a:rPr lang="en-US" sz="2000" dirty="0">
-                <a:latin typeface="Cabin"/>
-                <a:ea typeface="Cabin"/>
-                <a:cs typeface="Cabin"/>
-                <a:sym typeface="Cabin"/>
-              </a:rPr>
-              <a:t> </a:t>
-            </a:r>
-            <a:r>
-              <a:rPr lang="en-US" sz="2000" dirty="0" err="1">
-                <a:latin typeface="Cabin"/>
-                <a:ea typeface="Cabin"/>
-                <a:cs typeface="Cabin"/>
-                <a:sym typeface="Cabin"/>
-              </a:rPr>
-              <a:t>чего</a:t>
-            </a:r>
-            <a:r>
-              <a:rPr lang="en-US" sz="2000" dirty="0">
-                <a:latin typeface="Cabin"/>
-                <a:ea typeface="Cabin"/>
-                <a:cs typeface="Cabin"/>
-                <a:sym typeface="Cabin"/>
-              </a:rPr>
-              <a:t> </a:t>
-            </a:r>
-            <a:r>
-              <a:rPr lang="en-US" sz="2000" dirty="0" err="1">
-                <a:latin typeface="Cabin"/>
-                <a:ea typeface="Cabin"/>
-                <a:cs typeface="Cabin"/>
-                <a:sym typeface="Cabin"/>
-              </a:rPr>
-              <a:t>нужны</a:t>
-            </a:r>
-            <a:r>
-              <a:rPr lang="en-US" sz="2000" dirty="0">
-                <a:latin typeface="Cabin"/>
-                <a:ea typeface="Cabin"/>
-                <a:cs typeface="Cabin"/>
-                <a:sym typeface="Cabin"/>
-              </a:rPr>
-              <a:t> </a:t>
-            </a:r>
-            <a:r>
-              <a:rPr lang="en-US" sz="2000" dirty="0" err="1">
-                <a:latin typeface="Cabin"/>
-                <a:ea typeface="Cabin"/>
-                <a:cs typeface="Cabin"/>
-                <a:sym typeface="Cabin"/>
-              </a:rPr>
-              <a:t>комментарии</a:t>
-            </a:r>
-            <a:r>
-              <a:rPr lang="en-US" sz="2000" dirty="0">
-                <a:latin typeface="Cabin"/>
-                <a:ea typeface="Cabin"/>
-                <a:cs typeface="Cabin"/>
-                <a:sym typeface="Cabin"/>
-              </a:rPr>
-              <a:t>?</a:t>
-            </a:r>
-          </a:p>
-          <a:p>
-            <a:pPr marL="585788" lvl="1" indent="-194453">
-              <a:spcBef>
-                <a:spcPts val="1969"/>
-              </a:spcBef>
-              <a:buClr>
-                <a:schemeClr val="lt1"/>
-              </a:buClr>
-              <a:buSzPct val="100000"/>
-              <a:buFont typeface="Cabin"/>
-            </a:pPr>
-            <a:r>
-              <a:rPr lang="en-US" sz="2000" dirty="0" err="1">
-                <a:latin typeface="Cabin"/>
-                <a:ea typeface="Cabin"/>
-                <a:cs typeface="Cabin"/>
-                <a:sym typeface="Cabin"/>
-              </a:rPr>
-              <a:t>Чтобы</a:t>
-            </a:r>
-            <a:r>
-              <a:rPr lang="en-US" sz="2000" dirty="0">
-                <a:latin typeface="Cabin"/>
-                <a:ea typeface="Cabin"/>
-                <a:cs typeface="Cabin"/>
-                <a:sym typeface="Cabin"/>
-              </a:rPr>
-              <a:t> </a:t>
-            </a:r>
-            <a:r>
-              <a:rPr lang="en-US" sz="2000" dirty="0" err="1">
-                <a:latin typeface="Cabin"/>
-                <a:ea typeface="Cabin"/>
-                <a:cs typeface="Cabin"/>
-                <a:sym typeface="Cabin"/>
-              </a:rPr>
-              <a:t>пояснить</a:t>
-            </a:r>
-            <a:r>
-              <a:rPr lang="en-US" sz="2000" dirty="0">
-                <a:latin typeface="Cabin"/>
-                <a:ea typeface="Cabin"/>
-                <a:cs typeface="Cabin"/>
-                <a:sym typeface="Cabin"/>
-              </a:rPr>
-              <a:t> </a:t>
-            </a:r>
-            <a:r>
-              <a:rPr lang="en-US" sz="2000" dirty="0" err="1">
-                <a:latin typeface="Cabin"/>
-                <a:ea typeface="Cabin"/>
-                <a:cs typeface="Cabin"/>
-                <a:sym typeface="Cabin"/>
-              </a:rPr>
-              <a:t>последующую</a:t>
-            </a:r>
-            <a:r>
-              <a:rPr lang="en-US" sz="2000" dirty="0">
-                <a:latin typeface="Cabin"/>
-                <a:ea typeface="Cabin"/>
-                <a:cs typeface="Cabin"/>
-                <a:sym typeface="Cabin"/>
-              </a:rPr>
-              <a:t> </a:t>
-            </a:r>
-            <a:r>
-              <a:rPr lang="en-US" sz="2000" dirty="0" err="1">
-                <a:latin typeface="Cabin"/>
-                <a:ea typeface="Cabin"/>
-                <a:cs typeface="Cabin"/>
-                <a:sym typeface="Cabin"/>
-              </a:rPr>
-              <a:t>часть</a:t>
-            </a:r>
-            <a:r>
-              <a:rPr lang="en-US" sz="2000" dirty="0">
-                <a:latin typeface="Cabin"/>
-                <a:ea typeface="Cabin"/>
-                <a:cs typeface="Cabin"/>
-                <a:sym typeface="Cabin"/>
-              </a:rPr>
-              <a:t> </a:t>
-            </a:r>
-            <a:r>
-              <a:rPr lang="en-US" sz="2000" dirty="0" err="1">
-                <a:latin typeface="Cabin"/>
-                <a:ea typeface="Cabin"/>
-                <a:cs typeface="Cabin"/>
-                <a:sym typeface="Cabin"/>
-              </a:rPr>
-              <a:t>кода</a:t>
-            </a:r>
-            <a:endParaRPr lang="en-US" sz="2000" dirty="0">
-              <a:latin typeface="Cabin"/>
-              <a:ea typeface="Cabin"/>
-              <a:cs typeface="Cabin"/>
-              <a:sym typeface="Cabin"/>
-            </a:endParaRPr>
-          </a:p>
-          <a:p>
-            <a:pPr marL="585788" lvl="1" indent="-194453">
-              <a:spcBef>
-                <a:spcPts val="1969"/>
-              </a:spcBef>
-              <a:buClr>
-                <a:schemeClr val="lt1"/>
-              </a:buClr>
-              <a:buSzPct val="100000"/>
-              <a:buFont typeface="Cabin"/>
-            </a:pPr>
-            <a:r>
-              <a:rPr lang="en-US" sz="2000" dirty="0" err="1">
-                <a:latin typeface="Cabin"/>
-                <a:ea typeface="Cabin"/>
-                <a:cs typeface="Cabin"/>
-                <a:sym typeface="Cabin"/>
-              </a:rPr>
-              <a:t>Задокументировать</a:t>
-            </a:r>
-            <a:r>
-              <a:rPr lang="en-US" sz="2000" dirty="0">
-                <a:latin typeface="Cabin"/>
-                <a:ea typeface="Cabin"/>
-                <a:cs typeface="Cabin"/>
-                <a:sym typeface="Cabin"/>
-              </a:rPr>
-              <a:t> </a:t>
-            </a:r>
-            <a:r>
-              <a:rPr lang="en-US" sz="2000" dirty="0" err="1">
-                <a:latin typeface="Cabin"/>
-                <a:ea typeface="Cabin"/>
-                <a:cs typeface="Cabin"/>
-                <a:sym typeface="Cabin"/>
-              </a:rPr>
-              <a:t>информацию</a:t>
-            </a:r>
-            <a:r>
-              <a:rPr lang="en-US" sz="2000" dirty="0">
-                <a:latin typeface="Cabin"/>
-                <a:ea typeface="Cabin"/>
-                <a:cs typeface="Cabin"/>
-                <a:sym typeface="Cabin"/>
-              </a:rPr>
-              <a:t> </a:t>
-            </a:r>
-            <a:r>
-              <a:rPr lang="en-US" sz="2000" dirty="0" err="1">
-                <a:latin typeface="Cabin"/>
-                <a:ea typeface="Cabin"/>
-                <a:cs typeface="Cabin"/>
-                <a:sym typeface="Cabin"/>
-              </a:rPr>
-              <a:t>об</a:t>
-            </a:r>
-            <a:r>
-              <a:rPr lang="en-US" sz="2000" dirty="0">
-                <a:latin typeface="Cabin"/>
-                <a:ea typeface="Cabin"/>
-                <a:cs typeface="Cabin"/>
-                <a:sym typeface="Cabin"/>
-              </a:rPr>
-              <a:t> </a:t>
-            </a:r>
-            <a:r>
-              <a:rPr lang="en-US" sz="2000" dirty="0" err="1">
-                <a:latin typeface="Cabin"/>
-                <a:ea typeface="Cabin"/>
-                <a:cs typeface="Cabin"/>
-                <a:sym typeface="Cabin"/>
-              </a:rPr>
-              <a:t>авторе</a:t>
-            </a:r>
-            <a:r>
-              <a:rPr lang="en-US" sz="2000" dirty="0">
-                <a:latin typeface="Cabin"/>
-                <a:ea typeface="Cabin"/>
-                <a:cs typeface="Cabin"/>
-                <a:sym typeface="Cabin"/>
-              </a:rPr>
-              <a:t> </a:t>
-            </a:r>
-            <a:r>
-              <a:rPr lang="en-US" sz="2000" dirty="0" err="1">
-                <a:latin typeface="Cabin"/>
-                <a:ea typeface="Cabin"/>
-                <a:cs typeface="Cabin"/>
-                <a:sym typeface="Cabin"/>
-              </a:rPr>
-              <a:t>кода</a:t>
-            </a:r>
-            <a:r>
-              <a:rPr lang="en-US" sz="2000" dirty="0">
-                <a:latin typeface="Cabin"/>
-                <a:ea typeface="Cabin"/>
-                <a:cs typeface="Cabin"/>
-                <a:sym typeface="Cabin"/>
-              </a:rPr>
-              <a:t> </a:t>
-            </a:r>
-            <a:r>
-              <a:rPr lang="en-US" sz="2000" dirty="0" err="1">
-                <a:latin typeface="Cabin"/>
-                <a:ea typeface="Cabin"/>
-                <a:cs typeface="Cabin"/>
-                <a:sym typeface="Cabin"/>
-              </a:rPr>
-              <a:t>или</a:t>
-            </a:r>
-            <a:r>
-              <a:rPr lang="en-US" sz="2000" dirty="0">
-                <a:latin typeface="Cabin"/>
-                <a:ea typeface="Cabin"/>
-                <a:cs typeface="Cabin"/>
-                <a:sym typeface="Cabin"/>
-              </a:rPr>
-              <a:t> </a:t>
-            </a:r>
-            <a:r>
-              <a:rPr lang="en-US" sz="2000" dirty="0" err="1">
-                <a:latin typeface="Cabin"/>
-                <a:ea typeface="Cabin"/>
-                <a:cs typeface="Cabin"/>
-                <a:sym typeface="Cabin"/>
-              </a:rPr>
-              <a:t>другую</a:t>
-            </a:r>
-            <a:r>
-              <a:rPr lang="en-US" sz="2000" dirty="0">
-                <a:latin typeface="Cabin"/>
-                <a:ea typeface="Cabin"/>
-                <a:cs typeface="Cabin"/>
-                <a:sym typeface="Cabin"/>
-              </a:rPr>
-              <a:t> </a:t>
-            </a:r>
-            <a:r>
-              <a:rPr lang="en-US" sz="2000" dirty="0" err="1">
-                <a:latin typeface="Cabin"/>
-                <a:ea typeface="Cabin"/>
-                <a:cs typeface="Cabin"/>
-                <a:sym typeface="Cabin"/>
-              </a:rPr>
-              <a:t>вспомогательную</a:t>
-            </a:r>
-            <a:r>
-              <a:rPr lang="en-US" sz="2000" dirty="0">
-                <a:latin typeface="Cabin"/>
-                <a:ea typeface="Cabin"/>
-                <a:cs typeface="Cabin"/>
-                <a:sym typeface="Cabin"/>
-              </a:rPr>
-              <a:t> </a:t>
-            </a:r>
-            <a:r>
-              <a:rPr lang="en-US" sz="2000" dirty="0" err="1">
-                <a:latin typeface="Cabin"/>
-                <a:ea typeface="Cabin"/>
-                <a:cs typeface="Cabin"/>
-                <a:sym typeface="Cabin"/>
-              </a:rPr>
-              <a:t>информацию</a:t>
-            </a:r>
-            <a:endParaRPr lang="en-US" sz="2000" dirty="0">
-              <a:latin typeface="Cabin"/>
-              <a:ea typeface="Cabin"/>
-              <a:cs typeface="Cabin"/>
-              <a:sym typeface="Cabin"/>
-            </a:endParaRPr>
-          </a:p>
-          <a:p>
-            <a:pPr marL="585788" lvl="1" indent="-194453">
-              <a:spcBef>
-                <a:spcPts val="1969"/>
-              </a:spcBef>
-              <a:buClr>
-                <a:schemeClr val="lt1"/>
-              </a:buClr>
-              <a:buSzPct val="100000"/>
-              <a:buFont typeface="Cabin"/>
-            </a:pPr>
-            <a:r>
-              <a:rPr lang="en-US" sz="2000" dirty="0" err="1">
-                <a:latin typeface="Cabin"/>
-                <a:ea typeface="Cabin"/>
-                <a:cs typeface="Cabin"/>
-                <a:sym typeface="Cabin"/>
-              </a:rPr>
-              <a:t>Отключить</a:t>
-            </a:r>
-            <a:r>
-              <a:rPr lang="en-US" sz="2000" dirty="0">
-                <a:latin typeface="Cabin"/>
-                <a:ea typeface="Cabin"/>
-                <a:cs typeface="Cabin"/>
-                <a:sym typeface="Cabin"/>
-              </a:rPr>
-              <a:t> </a:t>
-            </a:r>
-            <a:r>
-              <a:rPr lang="en-US" sz="2000" dirty="0" err="1">
-                <a:latin typeface="Cabin"/>
-                <a:ea typeface="Cabin"/>
-                <a:cs typeface="Cabin"/>
-                <a:sym typeface="Cabin"/>
-              </a:rPr>
-              <a:t>строку</a:t>
-            </a:r>
-            <a:r>
-              <a:rPr lang="en-US" sz="2000" dirty="0">
-                <a:latin typeface="Cabin"/>
-                <a:ea typeface="Cabin"/>
-                <a:cs typeface="Cabin"/>
-                <a:sym typeface="Cabin"/>
-              </a:rPr>
-              <a:t> </a:t>
-            </a:r>
-            <a:r>
-              <a:rPr lang="en-US" sz="2000" dirty="0" err="1">
-                <a:latin typeface="Cabin"/>
-                <a:ea typeface="Cabin"/>
-                <a:cs typeface="Cabin"/>
-                <a:sym typeface="Cabin"/>
-              </a:rPr>
-              <a:t>кода</a:t>
-            </a:r>
-            <a:r>
-              <a:rPr lang="en-US" sz="2000" dirty="0">
-                <a:latin typeface="Cabin"/>
-                <a:ea typeface="Cabin"/>
-                <a:cs typeface="Cabin"/>
-                <a:sym typeface="Cabin"/>
-              </a:rPr>
-              <a:t>, </a:t>
-            </a:r>
-            <a:r>
-              <a:rPr lang="en-US" sz="2000" dirty="0" err="1">
-                <a:latin typeface="Cabin"/>
-                <a:ea typeface="Cabin"/>
-                <a:cs typeface="Cabin"/>
-                <a:sym typeface="Cabin"/>
-              </a:rPr>
-              <a:t>возможно</a:t>
-            </a:r>
-            <a:r>
-              <a:rPr lang="en-US" sz="2000" dirty="0">
-                <a:latin typeface="Cabin"/>
-                <a:ea typeface="Cabin"/>
-                <a:cs typeface="Cabin"/>
-                <a:sym typeface="Cabin"/>
-              </a:rPr>
-              <a:t>, </a:t>
-            </a:r>
-            <a:r>
-              <a:rPr lang="en-US" sz="2000" dirty="0" err="1">
-                <a:latin typeface="Cabin"/>
-                <a:ea typeface="Cabin"/>
-                <a:cs typeface="Cabin"/>
-                <a:sym typeface="Cabin"/>
-              </a:rPr>
-              <a:t>временно</a:t>
-            </a:r>
-            <a:endParaRPr lang="en-US" sz="2000" dirty="0">
-              <a:latin typeface="Cabin"/>
-              <a:ea typeface="Cabin"/>
-              <a:cs typeface="Cabin"/>
-              <a:sym typeface="Cabin"/>
-            </a:endParaRPr>
-          </a:p>
-        </p:txBody>
-      </p:sp>
-    </p:spTree>
-    <p:extLst>
-      <p:ext uri="{BB962C8B-B14F-4D97-AF65-F5344CB8AC3E}">
-        <p14:creationId xmlns:p14="http://schemas.microsoft.com/office/powerpoint/2010/main" val="1356090314"/>
-      </p:ext>
-    </p:extLst>
-  </p:cSld>
-  <p:clrMapOvr>
-    <a:masterClrMapping/>
-  </p:clrMapOvr>
-</p:sld>
-</file>
-
-<file path=ppt/slides/slide31.xml><?xml version="1.0" encoding="utf-8"?>
 <p:sld xmlns:a="http://schemas.openxmlformats.org/drawingml/2006/main" xmlns:r="http://schemas.openxmlformats.org/officeDocument/2006/relationships" xmlns:p="http://schemas.openxmlformats.org/presentationml/2006/main">
   <p:cSld>
     <p:spTree>
@@ -22122,7 +21464,7 @@
 </p:sld>
 </file>
 
-<file path=ppt/slides/slide32.xml><?xml version="1.0" encoding="utf-8"?>
+<file path=ppt/slides/slide31.xml><?xml version="1.0" encoding="utf-8"?>
 <p:sld xmlns:a="http://schemas.openxmlformats.org/drawingml/2006/main" xmlns:r="http://schemas.openxmlformats.org/officeDocument/2006/relationships" xmlns:p="http://schemas.openxmlformats.org/presentationml/2006/main">
   <p:cSld>
     <p:spTree>
@@ -22791,7 +22133,7 @@
 </p:sld>
 </file>
 
-<file path=ppt/slides/slide33.xml><?xml version="1.0" encoding="utf-8"?>
+<file path=ppt/slides/slide32.xml><?xml version="1.0" encoding="utf-8"?>
 <p:sld xmlns:a="http://schemas.openxmlformats.org/drawingml/2006/main" xmlns:r="http://schemas.openxmlformats.org/officeDocument/2006/relationships" xmlns:p="http://schemas.openxmlformats.org/presentationml/2006/main">
   <p:cSld>
     <p:spTree>
@@ -23766,7 +23108,7 @@
 </p:sld>
 </file>
 
-<file path=ppt/slides/slide34.xml><?xml version="1.0" encoding="utf-8"?>
+<file path=ppt/slides/slide33.xml><?xml version="1.0" encoding="utf-8"?>
 <p:sld xmlns:a="http://schemas.openxmlformats.org/drawingml/2006/main" xmlns:r="http://schemas.openxmlformats.org/officeDocument/2006/relationships" xmlns:p="http://schemas.openxmlformats.org/presentationml/2006/main">
   <p:cSld>
     <p:spTree>
@@ -24274,7 +23616,7 @@
 </p:sld>
 </file>
 
-<file path=ppt/slides/slide35.xml><?xml version="1.0" encoding="utf-8"?>
+<file path=ppt/slides/slide34.xml><?xml version="1.0" encoding="utf-8"?>
 <p:sld xmlns:a="http://schemas.openxmlformats.org/drawingml/2006/main" xmlns:r="http://schemas.openxmlformats.org/officeDocument/2006/relationships" xmlns:p="http://schemas.openxmlformats.org/presentationml/2006/main">
   <p:cSld>
     <p:spTree>
@@ -24889,6 +24231,13 @@
   <p:clrMapOvr>
     <a:masterClrMapping/>
   </p:clrMapOvr>
+  <p:timing>
+    <p:tnLst>
+      <p:par>
+        <p:cTn id="1" dur="indefinite" restart="never" nodeType="tmRoot"/>
+      </p:par>
+    </p:tnLst>
+  </p:timing>
 </p:sld>
 </file>
 
@@ -25069,105 +24418,17 @@
   <p:clrMapOvr>
     <a:masterClrMapping/>
   </p:clrMapOvr>
+  <p:timing>
+    <p:tnLst>
+      <p:par>
+        <p:cTn id="1" dur="indefinite" restart="never" nodeType="tmRoot"/>
+      </p:par>
+    </p:tnLst>
+  </p:timing>
 </p:sld>
 </file>
 
 <file path=ppt/slides/slide6.xml><?xml version="1.0" encoding="utf-8"?>
-<p:sld xmlns:a="http://schemas.openxmlformats.org/drawingml/2006/main" xmlns:r="http://schemas.openxmlformats.org/officeDocument/2006/relationships" xmlns:p="http://schemas.openxmlformats.org/presentationml/2006/main">
-  <p:cSld>
-    <p:spTree>
-      <p:nvGrpSpPr>
-        <p:cNvPr id="1" name=""/>
-        <p:cNvGrpSpPr/>
-        <p:nvPr/>
-      </p:nvGrpSpPr>
-      <p:grpSpPr>
-        <a:xfrm>
-          <a:off x="0" y="0"/>
-          <a:ext cx="0" cy="0"/>
-          <a:chOff x="0" y="0"/>
-          <a:chExt cx="0" cy="0"/>
-        </a:xfrm>
-      </p:grpSpPr>
-      <p:sp>
-        <p:nvSpPr>
-          <p:cNvPr id="2" name="Заголовок 1"/>
-          <p:cNvSpPr>
-            <a:spLocks noGrp="1"/>
-          </p:cNvSpPr>
-          <p:nvPr>
-            <p:ph type="title"/>
-          </p:nvPr>
-        </p:nvSpPr>
-        <p:spPr/>
-        <p:txBody>
-          <a:bodyPr/>
-          <a:lstStyle/>
-          <a:p>
-            <a:r>
-              <a:rPr lang="ru-RU" dirty="0" smtClean="0"/>
-              <a:t>Пример выражений</a:t>
-            </a:r>
-            <a:endParaRPr lang="ru-RU" dirty="0"/>
-          </a:p>
-        </p:txBody>
-      </p:sp>
-      <p:sp>
-        <p:nvSpPr>
-          <p:cNvPr id="3" name="Объект 2"/>
-          <p:cNvSpPr>
-            <a:spLocks noGrp="1"/>
-          </p:cNvSpPr>
-          <p:nvPr>
-            <p:ph idx="1"/>
-          </p:nvPr>
-        </p:nvSpPr>
-        <p:spPr/>
-        <p:txBody>
-          <a:bodyPr/>
-          <a:lstStyle/>
-          <a:p>
-            <a:endParaRPr lang="ru-RU"/>
-          </a:p>
-        </p:txBody>
-      </p:sp>
-      <p:pic>
-        <p:nvPicPr>
-          <p:cNvPr id="4" name="Рисунок 3"/>
-          <p:cNvPicPr>
-            <a:picLocks noChangeAspect="1"/>
-          </p:cNvPicPr>
-          <p:nvPr/>
-        </p:nvPicPr>
-        <p:blipFill rotWithShape="1">
-          <a:blip r:embed="rId2"/>
-          <a:srcRect l="43706" t="19600" r="30307" b="65000"/>
-          <a:stretch/>
-        </p:blipFill>
-        <p:spPr>
-          <a:xfrm>
-            <a:off x="1043608" y="1772816"/>
-            <a:ext cx="7254282" cy="2418094"/>
-          </a:xfrm>
-          <a:prstGeom prst="rect">
-            <a:avLst/>
-          </a:prstGeom>
-        </p:spPr>
-      </p:pic>
-    </p:spTree>
-    <p:extLst>
-      <p:ext uri="{BB962C8B-B14F-4D97-AF65-F5344CB8AC3E}">
-        <p14:creationId xmlns:p14="http://schemas.microsoft.com/office/powerpoint/2010/main" val="2734432596"/>
-      </p:ext>
-    </p:extLst>
-  </p:cSld>
-  <p:clrMapOvr>
-    <a:masterClrMapping/>
-  </p:clrMapOvr>
-</p:sld>
-</file>
-
-<file path=ppt/slides/slide7.xml><?xml version="1.0" encoding="utf-8"?>
 <p:sld xmlns:a="http://schemas.openxmlformats.org/drawingml/2006/main" xmlns:r="http://schemas.openxmlformats.org/officeDocument/2006/relationships" xmlns:p="http://schemas.openxmlformats.org/presentationml/2006/main">
   <p:cSld>
     <p:spTree>
@@ -25889,10 +25150,17 @@
   <p:clrMapOvr>
     <a:masterClrMapping/>
   </p:clrMapOvr>
+  <p:timing>
+    <p:tnLst>
+      <p:par>
+        <p:cTn id="1" dur="indefinite" restart="never" nodeType="tmRoot"/>
+      </p:par>
+    </p:tnLst>
+  </p:timing>
 </p:sld>
 </file>
 
-<file path=ppt/slides/slide8.xml><?xml version="1.0" encoding="utf-8"?>
+<file path=ppt/slides/slide7.xml><?xml version="1.0" encoding="utf-8"?>
 <p:sld xmlns:a="http://schemas.openxmlformats.org/drawingml/2006/main" xmlns:r="http://schemas.openxmlformats.org/officeDocument/2006/relationships" xmlns:p="http://schemas.openxmlformats.org/presentationml/2006/main">
   <p:cSld>
     <p:spTree>
@@ -26967,10 +26235,17 @@
   <p:clrMapOvr>
     <a:masterClrMapping/>
   </p:clrMapOvr>
+  <p:timing>
+    <p:tnLst>
+      <p:par>
+        <p:cTn id="1" dur="indefinite" restart="never" nodeType="tmRoot"/>
+      </p:par>
+    </p:tnLst>
+  </p:timing>
 </p:sld>
 </file>
 
-<file path=ppt/slides/slide9.xml><?xml version="1.0" encoding="utf-8"?>
+<file path=ppt/slides/slide8.xml><?xml version="1.0" encoding="utf-8"?>
 <p:sld xmlns:a="http://schemas.openxmlformats.org/drawingml/2006/main" xmlns:r="http://schemas.openxmlformats.org/officeDocument/2006/relationships" xmlns:p="http://schemas.openxmlformats.org/presentationml/2006/main">
   <p:cSld>
     <p:spTree>
@@ -28249,6 +27524,790 @@
   <p:clrMapOvr>
     <a:masterClrMapping/>
   </p:clrMapOvr>
+  <p:timing>
+    <p:tnLst>
+      <p:par>
+        <p:cTn id="1" dur="indefinite" restart="never" nodeType="tmRoot"/>
+      </p:par>
+    </p:tnLst>
+  </p:timing>
+</p:sld>
+</file>
+
+<file path=ppt/slides/slide9.xml><?xml version="1.0" encoding="utf-8"?>
+<p:sld xmlns:a="http://schemas.openxmlformats.org/drawingml/2006/main" xmlns:r="http://schemas.openxmlformats.org/officeDocument/2006/relationships" xmlns:p="http://schemas.openxmlformats.org/presentationml/2006/main">
+  <p:cSld>
+    <p:spTree>
+      <p:nvGrpSpPr>
+        <p:cNvPr id="1" name="Shape 284"/>
+        <p:cNvGrpSpPr/>
+        <p:nvPr/>
+      </p:nvGrpSpPr>
+      <p:grpSpPr>
+        <a:xfrm>
+          <a:off x="0" y="0"/>
+          <a:ext cx="0" cy="0"/>
+          <a:chOff x="0" y="0"/>
+          <a:chExt cx="0" cy="0"/>
+        </a:xfrm>
+      </p:grpSpPr>
+      <p:sp>
+        <p:nvSpPr>
+          <p:cNvPr id="285" name="Shape 285"/>
+          <p:cNvSpPr txBox="1">
+            <a:spLocks noGrp="1"/>
+          </p:cNvSpPr>
+          <p:nvPr>
+            <p:ph type="title"/>
+          </p:nvPr>
+        </p:nvSpPr>
+        <p:spPr>
+          <a:xfrm>
+            <a:off x="679017" y="620688"/>
+            <a:ext cx="7836694" cy="1293018"/>
+          </a:xfrm>
+          <a:prstGeom prst="rect">
+            <a:avLst/>
+          </a:prstGeom>
+          <a:noFill/>
+          <a:ln>
+            <a:noFill/>
+          </a:ln>
+        </p:spPr>
+        <p:txBody>
+          <a:bodyPr vert="horz" lIns="21431" tIns="21431" rIns="21431" bIns="21431" rtlCol="0" anchor="ctr" anchorCtr="0">
+            <a:noAutofit/>
+          </a:bodyPr>
+          <a:lstStyle/>
+          <a:p>
+            <a:pPr>
+              <a:spcBef>
+                <a:spcPts val="0"/>
+              </a:spcBef>
+              <a:buClr>
+                <a:srgbClr val="FF7F00"/>
+              </a:buClr>
+              <a:buSzPct val="25000"/>
+            </a:pPr>
+            <a:r>
+              <a:rPr lang="en-US" sz="3938" dirty="0" err="1">
+                <a:latin typeface="Cabin"/>
+                <a:ea typeface="Cabin"/>
+                <a:cs typeface="Cabin"/>
+                <a:sym typeface="Cabin"/>
+              </a:rPr>
+              <a:t>Правила</a:t>
+            </a:r>
+            <a:r>
+              <a:rPr lang="en-US" sz="3938" dirty="0">
+                <a:latin typeface="Cabin"/>
+                <a:ea typeface="Cabin"/>
+                <a:cs typeface="Cabin"/>
+                <a:sym typeface="Cabin"/>
+              </a:rPr>
+              <a:t> Python </a:t>
+            </a:r>
+            <a:r>
+              <a:rPr lang="en-US" sz="3938" dirty="0" err="1">
+                <a:latin typeface="Cabin"/>
+                <a:ea typeface="Cabin"/>
+                <a:cs typeface="Cabin"/>
+                <a:sym typeface="Cabin"/>
+              </a:rPr>
+              <a:t>для</a:t>
+            </a:r>
+            <a:r>
+              <a:rPr lang="en-US" sz="3938" dirty="0">
+                <a:latin typeface="Cabin"/>
+                <a:ea typeface="Cabin"/>
+                <a:cs typeface="Cabin"/>
+                <a:sym typeface="Cabin"/>
+              </a:rPr>
+              <a:t> </a:t>
+            </a:r>
+            <a:r>
+              <a:rPr lang="en-US" sz="3938" dirty="0" err="1">
+                <a:latin typeface="Cabin"/>
+                <a:ea typeface="Cabin"/>
+                <a:cs typeface="Cabin"/>
+                <a:sym typeface="Cabin"/>
+              </a:rPr>
+              <a:t>названия</a:t>
+            </a:r>
+            <a:r>
+              <a:rPr lang="en-US" sz="3938" dirty="0">
+                <a:latin typeface="Cabin"/>
+                <a:ea typeface="Cabin"/>
+                <a:cs typeface="Cabin"/>
+                <a:sym typeface="Cabin"/>
+              </a:rPr>
+              <a:t> </a:t>
+            </a:r>
+            <a:r>
+              <a:rPr lang="en-US" sz="3938" dirty="0" err="1">
+                <a:latin typeface="Cabin"/>
+                <a:ea typeface="Cabin"/>
+                <a:cs typeface="Cabin"/>
+                <a:sym typeface="Cabin"/>
+              </a:rPr>
+              <a:t>переменных</a:t>
+            </a:r>
+            <a:endParaRPr lang="en-US" sz="3938" dirty="0">
+              <a:latin typeface="Cabin"/>
+              <a:ea typeface="Cabin"/>
+              <a:cs typeface="Cabin"/>
+              <a:sym typeface="Cabin"/>
+            </a:endParaRPr>
+          </a:p>
+        </p:txBody>
+      </p:sp>
+      <p:sp>
+        <p:nvSpPr>
+          <p:cNvPr id="286" name="Shape 286"/>
+          <p:cNvSpPr txBox="1">
+            <a:spLocks noGrp="1"/>
+          </p:cNvSpPr>
+          <p:nvPr>
+            <p:ph type="body" idx="1"/>
+          </p:nvPr>
+        </p:nvSpPr>
+        <p:spPr>
+          <a:xfrm>
+            <a:off x="679017" y="2132856"/>
+            <a:ext cx="7836694" cy="3714725"/>
+          </a:xfrm>
+          <a:prstGeom prst="rect">
+            <a:avLst/>
+          </a:prstGeom>
+          <a:noFill/>
+          <a:ln>
+            <a:noFill/>
+          </a:ln>
+        </p:spPr>
+        <p:txBody>
+          <a:bodyPr vert="horz" lIns="21431" tIns="21431" rIns="21431" bIns="21431" rtlCol="0" anchor="ctr" anchorCtr="0">
+            <a:noAutofit/>
+          </a:bodyPr>
+          <a:lstStyle/>
+          <a:p>
+            <a:pPr marL="421481" indent="-190881">
+              <a:spcBef>
+                <a:spcPts val="0"/>
+              </a:spcBef>
+              <a:buClr>
+                <a:schemeClr val="lt1"/>
+              </a:buClr>
+              <a:buSzPct val="100000"/>
+              <a:buFont typeface="Cabin"/>
+              <a:buChar char="•"/>
+            </a:pPr>
+            <a:r>
+              <a:rPr lang="en-US" sz="2000" dirty="0" err="1">
+                <a:latin typeface="Cabin"/>
+                <a:ea typeface="Cabin"/>
+                <a:cs typeface="Cabin"/>
+                <a:sym typeface="Cabin"/>
+              </a:rPr>
+              <a:t>Название</a:t>
+            </a:r>
+            <a:r>
+              <a:rPr lang="en-US" sz="2000" dirty="0">
+                <a:latin typeface="Cabin"/>
+                <a:ea typeface="Cabin"/>
+                <a:cs typeface="Cabin"/>
+                <a:sym typeface="Cabin"/>
+              </a:rPr>
+              <a:t> </a:t>
+            </a:r>
+            <a:r>
+              <a:rPr lang="en-US" sz="2000" dirty="0" err="1">
+                <a:latin typeface="Cabin"/>
+                <a:ea typeface="Cabin"/>
+                <a:cs typeface="Cabin"/>
+                <a:sym typeface="Cabin"/>
+              </a:rPr>
+              <a:t>переменной</a:t>
+            </a:r>
+            <a:r>
+              <a:rPr lang="en-US" sz="2000" dirty="0">
+                <a:latin typeface="Cabin"/>
+                <a:ea typeface="Cabin"/>
+                <a:cs typeface="Cabin"/>
+                <a:sym typeface="Cabin"/>
+              </a:rPr>
+              <a:t> </a:t>
+            </a:r>
+            <a:r>
+              <a:rPr lang="en-US" sz="2000" dirty="0" err="1">
+                <a:latin typeface="Cabin"/>
+                <a:ea typeface="Cabin"/>
+                <a:cs typeface="Cabin"/>
+                <a:sym typeface="Cabin"/>
+              </a:rPr>
+              <a:t>должно</a:t>
+            </a:r>
+            <a:r>
+              <a:rPr lang="en-US" sz="2000" dirty="0">
+                <a:latin typeface="Cabin"/>
+                <a:ea typeface="Cabin"/>
+                <a:cs typeface="Cabin"/>
+                <a:sym typeface="Cabin"/>
+              </a:rPr>
+              <a:t> </a:t>
+            </a:r>
+            <a:r>
+              <a:rPr lang="en-US" sz="2000" dirty="0" err="1">
+                <a:latin typeface="Cabin"/>
+                <a:ea typeface="Cabin"/>
+                <a:cs typeface="Cabin"/>
+                <a:sym typeface="Cabin"/>
+              </a:rPr>
+              <a:t>начинаться</a:t>
+            </a:r>
+            <a:r>
+              <a:rPr lang="en-US" sz="2000" dirty="0">
+                <a:latin typeface="Cabin"/>
+                <a:ea typeface="Cabin"/>
+                <a:cs typeface="Cabin"/>
+                <a:sym typeface="Cabin"/>
+              </a:rPr>
+              <a:t> с </a:t>
+            </a:r>
+            <a:r>
+              <a:rPr lang="en-US" sz="2000" dirty="0" err="1">
+                <a:latin typeface="Cabin"/>
+                <a:ea typeface="Cabin"/>
+                <a:cs typeface="Cabin"/>
+                <a:sym typeface="Cabin"/>
+              </a:rPr>
+              <a:t>буквы</a:t>
+            </a:r>
+            <a:r>
+              <a:rPr lang="en-US" sz="2000" dirty="0">
+                <a:latin typeface="Cabin"/>
+                <a:ea typeface="Cabin"/>
+                <a:cs typeface="Cabin"/>
+                <a:sym typeface="Cabin"/>
+              </a:rPr>
+              <a:t> </a:t>
+            </a:r>
+            <a:r>
+              <a:rPr lang="en-US" sz="2000" dirty="0" err="1">
+                <a:latin typeface="Cabin"/>
+                <a:ea typeface="Cabin"/>
+                <a:cs typeface="Cabin"/>
+                <a:sym typeface="Cabin"/>
+              </a:rPr>
+              <a:t>или</a:t>
+            </a:r>
+            <a:r>
+              <a:rPr lang="en-US" sz="2000" dirty="0">
+                <a:latin typeface="Cabin"/>
+                <a:ea typeface="Cabin"/>
+                <a:cs typeface="Cabin"/>
+                <a:sym typeface="Cabin"/>
+              </a:rPr>
+              <a:t> </a:t>
+            </a:r>
+            <a:r>
+              <a:rPr lang="en-US" sz="2000" dirty="0" err="1">
+                <a:latin typeface="Cabin"/>
+                <a:ea typeface="Cabin"/>
+                <a:cs typeface="Cabin"/>
+                <a:sym typeface="Cabin"/>
+              </a:rPr>
+              <a:t>нижнего</a:t>
+            </a:r>
+            <a:r>
+              <a:rPr lang="en-US" sz="2000" dirty="0">
+                <a:latin typeface="Cabin"/>
+                <a:ea typeface="Cabin"/>
+                <a:cs typeface="Cabin"/>
+                <a:sym typeface="Cabin"/>
+              </a:rPr>
+              <a:t> </a:t>
+            </a:r>
+            <a:r>
+              <a:rPr lang="en-US" sz="2000" dirty="0" err="1">
+                <a:latin typeface="Cabin"/>
+                <a:ea typeface="Cabin"/>
+                <a:cs typeface="Cabin"/>
+                <a:sym typeface="Cabin"/>
+              </a:rPr>
+              <a:t>подчеркивания</a:t>
+            </a:r>
+            <a:r>
+              <a:rPr lang="en-US" sz="2000" dirty="0">
+                <a:latin typeface="Cabin"/>
+                <a:ea typeface="Cabin"/>
+                <a:cs typeface="Cabin"/>
+                <a:sym typeface="Cabin"/>
+              </a:rPr>
+              <a:t> _ </a:t>
+            </a:r>
+          </a:p>
+          <a:p>
+            <a:pPr marL="421481" indent="-190881">
+              <a:spcBef>
+                <a:spcPts val="1969"/>
+              </a:spcBef>
+              <a:buClr>
+                <a:schemeClr val="lt1"/>
+              </a:buClr>
+              <a:buSzPct val="100000"/>
+              <a:buFont typeface="Cabin"/>
+              <a:buChar char="•"/>
+            </a:pPr>
+            <a:r>
+              <a:rPr lang="en-US" sz="2000" dirty="0" err="1">
+                <a:latin typeface="Cabin"/>
+                <a:ea typeface="Cabin"/>
+                <a:cs typeface="Cabin"/>
+                <a:sym typeface="Cabin"/>
+              </a:rPr>
+              <a:t>Должно</a:t>
+            </a:r>
+            <a:r>
+              <a:rPr lang="en-US" sz="2000" dirty="0">
+                <a:latin typeface="Cabin"/>
+                <a:ea typeface="Cabin"/>
+                <a:cs typeface="Cabin"/>
+                <a:sym typeface="Cabin"/>
+              </a:rPr>
+              <a:t> </a:t>
+            </a:r>
+            <a:r>
+              <a:rPr lang="en-US" sz="2000" dirty="0" err="1">
+                <a:latin typeface="Cabin"/>
+                <a:ea typeface="Cabin"/>
+                <a:cs typeface="Cabin"/>
+                <a:sym typeface="Cabin"/>
+              </a:rPr>
+              <a:t>состоять</a:t>
+            </a:r>
+            <a:r>
+              <a:rPr lang="en-US" sz="2000" dirty="0">
+                <a:latin typeface="Cabin"/>
+                <a:ea typeface="Cabin"/>
+                <a:cs typeface="Cabin"/>
+                <a:sym typeface="Cabin"/>
+              </a:rPr>
+              <a:t> </a:t>
+            </a:r>
+            <a:r>
+              <a:rPr lang="en-US" sz="2000" dirty="0" err="1">
+                <a:latin typeface="Cabin"/>
+                <a:ea typeface="Cabin"/>
+                <a:cs typeface="Cabin"/>
+                <a:sym typeface="Cabin"/>
+              </a:rPr>
+              <a:t>из</a:t>
+            </a:r>
+            <a:r>
+              <a:rPr lang="en-US" sz="2000" dirty="0">
+                <a:latin typeface="Cabin"/>
+                <a:ea typeface="Cabin"/>
+                <a:cs typeface="Cabin"/>
+                <a:sym typeface="Cabin"/>
+              </a:rPr>
+              <a:t> </a:t>
+            </a:r>
+            <a:r>
+              <a:rPr lang="en-US" sz="2000" dirty="0" err="1">
+                <a:latin typeface="Cabin"/>
+                <a:ea typeface="Cabin"/>
+                <a:cs typeface="Cabin"/>
+                <a:sym typeface="Cabin"/>
+              </a:rPr>
+              <a:t>букв</a:t>
+            </a:r>
+            <a:r>
+              <a:rPr lang="en-US" sz="2000" dirty="0">
+                <a:latin typeface="Cabin"/>
+                <a:ea typeface="Cabin"/>
+                <a:cs typeface="Cabin"/>
+                <a:sym typeface="Cabin"/>
+              </a:rPr>
+              <a:t> и </a:t>
+            </a:r>
+            <a:r>
+              <a:rPr lang="en-US" sz="2000" dirty="0" err="1">
+                <a:latin typeface="Cabin"/>
+                <a:ea typeface="Cabin"/>
+                <a:cs typeface="Cabin"/>
+                <a:sym typeface="Cabin"/>
+              </a:rPr>
+              <a:t>может</a:t>
+            </a:r>
+            <a:r>
+              <a:rPr lang="en-US" sz="2000" dirty="0">
+                <a:latin typeface="Cabin"/>
+                <a:ea typeface="Cabin"/>
+                <a:cs typeface="Cabin"/>
+                <a:sym typeface="Cabin"/>
+              </a:rPr>
+              <a:t> </a:t>
+            </a:r>
+            <a:r>
+              <a:rPr lang="en-US" sz="2000" dirty="0" err="1">
+                <a:latin typeface="Cabin"/>
+                <a:ea typeface="Cabin"/>
+                <a:cs typeface="Cabin"/>
+                <a:sym typeface="Cabin"/>
+              </a:rPr>
+              <a:t>включать</a:t>
+            </a:r>
+            <a:r>
+              <a:rPr lang="en-US" sz="2000" dirty="0">
+                <a:latin typeface="Cabin"/>
+                <a:ea typeface="Cabin"/>
+                <a:cs typeface="Cabin"/>
+                <a:sym typeface="Cabin"/>
+              </a:rPr>
+              <a:t> </a:t>
+            </a:r>
+            <a:r>
+              <a:rPr lang="en-US" sz="2000" dirty="0" err="1">
+                <a:latin typeface="Cabin"/>
+                <a:ea typeface="Cabin"/>
+                <a:cs typeface="Cabin"/>
+                <a:sym typeface="Cabin"/>
+              </a:rPr>
+              <a:t>числа</a:t>
+            </a:r>
+            <a:r>
+              <a:rPr lang="en-US" sz="2000" dirty="0">
+                <a:latin typeface="Cabin"/>
+                <a:ea typeface="Cabin"/>
+                <a:cs typeface="Cabin"/>
+                <a:sym typeface="Cabin"/>
+              </a:rPr>
+              <a:t> и </a:t>
+            </a:r>
+            <a:r>
+              <a:rPr lang="en-US" sz="2000" dirty="0" err="1">
+                <a:latin typeface="Cabin"/>
+                <a:ea typeface="Cabin"/>
+                <a:cs typeface="Cabin"/>
+                <a:sym typeface="Cabin"/>
+              </a:rPr>
+              <a:t>нижние</a:t>
+            </a:r>
+            <a:r>
+              <a:rPr lang="en-US" sz="2000" dirty="0">
+                <a:latin typeface="Cabin"/>
+                <a:ea typeface="Cabin"/>
+                <a:cs typeface="Cabin"/>
+                <a:sym typeface="Cabin"/>
+              </a:rPr>
+              <a:t> </a:t>
+            </a:r>
+            <a:r>
+              <a:rPr lang="en-US" sz="2000" dirty="0" err="1">
+                <a:latin typeface="Cabin"/>
+                <a:ea typeface="Cabin"/>
+                <a:cs typeface="Cabin"/>
+                <a:sym typeface="Cabin"/>
+              </a:rPr>
+              <a:t>подчеркивания</a:t>
+            </a:r>
+            <a:endParaRPr lang="en-US" sz="2000" dirty="0">
+              <a:latin typeface="Cabin"/>
+              <a:ea typeface="Cabin"/>
+              <a:cs typeface="Cabin"/>
+              <a:sym typeface="Cabin"/>
+            </a:endParaRPr>
+          </a:p>
+          <a:p>
+            <a:pPr marL="421481" indent="-190881">
+              <a:spcBef>
+                <a:spcPts val="1969"/>
+              </a:spcBef>
+              <a:buClr>
+                <a:schemeClr val="lt1"/>
+              </a:buClr>
+              <a:buSzPct val="100000"/>
+              <a:buFont typeface="Cabin"/>
+              <a:buChar char="•"/>
+            </a:pPr>
+            <a:r>
+              <a:rPr lang="en-US" sz="2000" dirty="0" err="1">
+                <a:latin typeface="Cabin"/>
+                <a:ea typeface="Cabin"/>
+                <a:cs typeface="Cabin"/>
+                <a:sym typeface="Cabin"/>
+              </a:rPr>
+              <a:t>Регистр</a:t>
+            </a:r>
+            <a:r>
+              <a:rPr lang="en-US" sz="2000" dirty="0">
+                <a:latin typeface="Cabin"/>
+                <a:ea typeface="Cabin"/>
+                <a:cs typeface="Cabin"/>
+                <a:sym typeface="Cabin"/>
+              </a:rPr>
+              <a:t> </a:t>
+            </a:r>
+            <a:r>
+              <a:rPr lang="en-US" sz="2000" dirty="0" err="1">
+                <a:latin typeface="Cabin"/>
+                <a:ea typeface="Cabin"/>
+                <a:cs typeface="Cabin"/>
+                <a:sym typeface="Cabin"/>
+              </a:rPr>
+              <a:t>имеет</a:t>
+            </a:r>
+            <a:r>
+              <a:rPr lang="en-US" sz="2000" dirty="0">
+                <a:latin typeface="Cabin"/>
+                <a:ea typeface="Cabin"/>
+                <a:cs typeface="Cabin"/>
+                <a:sym typeface="Cabin"/>
+              </a:rPr>
+              <a:t> </a:t>
+            </a:r>
+            <a:r>
+              <a:rPr lang="en-US" sz="2000" dirty="0" err="1">
+                <a:latin typeface="Cabin"/>
+                <a:ea typeface="Cabin"/>
+                <a:cs typeface="Cabin"/>
+                <a:sym typeface="Cabin"/>
+              </a:rPr>
+              <a:t>значение</a:t>
+            </a:r>
+            <a:endParaRPr lang="en-US" sz="2000" dirty="0">
+              <a:latin typeface="Cabin"/>
+              <a:ea typeface="Cabin"/>
+              <a:cs typeface="Cabin"/>
+              <a:sym typeface="Cabin"/>
+            </a:endParaRPr>
+          </a:p>
+          <a:p>
+            <a:pPr marL="421481" indent="-190881">
+              <a:spcBef>
+                <a:spcPts val="1969"/>
+              </a:spcBef>
+              <a:buClr>
+                <a:srgbClr val="00FF00"/>
+              </a:buClr>
+              <a:buSzPct val="100000"/>
+              <a:buFont typeface="Cabin"/>
+              <a:buChar char="•"/>
+            </a:pPr>
+            <a:r>
+              <a:rPr lang="en-US" sz="2000" dirty="0" err="1">
+                <a:solidFill>
+                  <a:srgbClr val="00FF00"/>
+                </a:solidFill>
+                <a:latin typeface="Cabin"/>
+                <a:ea typeface="Cabin"/>
+                <a:cs typeface="Cabin"/>
+                <a:sym typeface="Cabin"/>
+              </a:rPr>
+              <a:t>Хорошие</a:t>
+            </a:r>
+            <a:r>
+              <a:rPr lang="en-US" sz="2000" dirty="0">
+                <a:solidFill>
+                  <a:srgbClr val="00FF00"/>
+                </a:solidFill>
+                <a:latin typeface="Cabin"/>
+                <a:ea typeface="Cabin"/>
+                <a:cs typeface="Cabin"/>
+                <a:sym typeface="Cabin"/>
+              </a:rPr>
+              <a:t> </a:t>
+            </a:r>
+            <a:r>
+              <a:rPr lang="en-US" sz="2000" dirty="0" err="1">
+                <a:solidFill>
+                  <a:srgbClr val="00FF00"/>
+                </a:solidFill>
+                <a:latin typeface="Cabin"/>
+                <a:ea typeface="Cabin"/>
+                <a:cs typeface="Cabin"/>
+                <a:sym typeface="Cabin"/>
+              </a:rPr>
+              <a:t>названия</a:t>
+            </a:r>
+            <a:r>
+              <a:rPr lang="en-US" sz="2000" dirty="0">
+                <a:latin typeface="Cabin"/>
+                <a:ea typeface="Cabin"/>
+                <a:cs typeface="Cabin"/>
+                <a:sym typeface="Cabin"/>
+              </a:rPr>
+              <a:t>:    spam    eggs   spam23    _speed</a:t>
+            </a:r>
+          </a:p>
+          <a:p>
+            <a:pPr marL="421481" indent="-190881">
+              <a:spcBef>
+                <a:spcPts val="1969"/>
+              </a:spcBef>
+              <a:buClr>
+                <a:srgbClr val="FF0000"/>
+              </a:buClr>
+              <a:buSzPct val="100000"/>
+              <a:buFont typeface="Cabin"/>
+              <a:buChar char="•"/>
+            </a:pPr>
+            <a:r>
+              <a:rPr lang="en-US" sz="2000" dirty="0" err="1">
+                <a:solidFill>
+                  <a:srgbClr val="FF0000"/>
+                </a:solidFill>
+                <a:latin typeface="Cabin"/>
+                <a:ea typeface="Cabin"/>
+                <a:cs typeface="Cabin"/>
+                <a:sym typeface="Cabin"/>
+              </a:rPr>
+              <a:t>Плохие</a:t>
+            </a:r>
+            <a:r>
+              <a:rPr lang="en-US" sz="2000" dirty="0">
+                <a:solidFill>
+                  <a:srgbClr val="FF0000"/>
+                </a:solidFill>
+                <a:latin typeface="Cabin"/>
+                <a:ea typeface="Cabin"/>
+                <a:cs typeface="Cabin"/>
+                <a:sym typeface="Cabin"/>
+              </a:rPr>
+              <a:t> </a:t>
+            </a:r>
+            <a:r>
+              <a:rPr lang="en-US" sz="2000" dirty="0" err="1">
+                <a:solidFill>
+                  <a:srgbClr val="FF0000"/>
+                </a:solidFill>
+                <a:latin typeface="Cabin"/>
+                <a:ea typeface="Cabin"/>
+                <a:cs typeface="Cabin"/>
+                <a:sym typeface="Cabin"/>
+              </a:rPr>
+              <a:t>названия</a:t>
+            </a:r>
+            <a:r>
+              <a:rPr lang="en-US" sz="2000" dirty="0">
+                <a:latin typeface="Cabin"/>
+                <a:ea typeface="Cabin"/>
+                <a:cs typeface="Cabin"/>
+                <a:sym typeface="Cabin"/>
+              </a:rPr>
+              <a:t>:       23spam     #sign  var.12</a:t>
+            </a:r>
+          </a:p>
+          <a:p>
+            <a:pPr marL="421481" indent="-190881">
+              <a:spcBef>
+                <a:spcPts val="1969"/>
+              </a:spcBef>
+              <a:buClr>
+                <a:srgbClr val="FF00FF"/>
+              </a:buClr>
+              <a:buSzPct val="100000"/>
+              <a:buFont typeface="Cabin"/>
+              <a:buChar char="•"/>
+            </a:pPr>
+            <a:r>
+              <a:rPr lang="en-US" sz="2000" dirty="0" err="1">
+                <a:solidFill>
+                  <a:srgbClr val="FF00FF"/>
+                </a:solidFill>
+                <a:latin typeface="Cabin"/>
+                <a:ea typeface="Cabin"/>
+                <a:cs typeface="Cabin"/>
+                <a:sym typeface="Cabin"/>
+              </a:rPr>
+              <a:t>Отличающиеся</a:t>
+            </a:r>
+            <a:r>
+              <a:rPr lang="en-US" sz="2000" dirty="0">
+                <a:solidFill>
+                  <a:srgbClr val="FF00FF"/>
+                </a:solidFill>
+                <a:latin typeface="Cabin"/>
+                <a:ea typeface="Cabin"/>
+                <a:cs typeface="Cabin"/>
+                <a:sym typeface="Cabin"/>
+              </a:rPr>
+              <a:t> </a:t>
+            </a:r>
+            <a:r>
+              <a:rPr lang="en-US" sz="2000" dirty="0" err="1">
+                <a:solidFill>
+                  <a:srgbClr val="FF00FF"/>
+                </a:solidFill>
+                <a:latin typeface="Cabin"/>
+                <a:ea typeface="Cabin"/>
+                <a:cs typeface="Cabin"/>
+                <a:sym typeface="Cabin"/>
+              </a:rPr>
+              <a:t>названия</a:t>
+            </a:r>
+            <a:r>
+              <a:rPr lang="en-US" sz="2000" dirty="0">
+                <a:latin typeface="Cabin"/>
+                <a:ea typeface="Cabin"/>
+                <a:cs typeface="Cabin"/>
+                <a:sym typeface="Cabin"/>
+              </a:rPr>
+              <a:t>:    spam   </a:t>
+            </a:r>
+            <a:r>
+              <a:rPr lang="en-US" sz="2000" dirty="0" err="1">
+                <a:latin typeface="Cabin"/>
+                <a:ea typeface="Cabin"/>
+                <a:cs typeface="Cabin"/>
+                <a:sym typeface="Cabin"/>
+              </a:rPr>
+              <a:t>Spam</a:t>
+            </a:r>
+            <a:r>
+              <a:rPr lang="en-US" sz="2000" dirty="0">
+                <a:latin typeface="Cabin"/>
+                <a:ea typeface="Cabin"/>
+                <a:cs typeface="Cabin"/>
+                <a:sym typeface="Cabin"/>
+              </a:rPr>
+              <a:t>   </a:t>
+            </a:r>
+            <a:r>
+              <a:rPr lang="en-US" sz="2000" dirty="0" err="1">
+                <a:latin typeface="Cabin"/>
+                <a:ea typeface="Cabin"/>
+                <a:cs typeface="Cabin"/>
+                <a:sym typeface="Cabin"/>
+              </a:rPr>
+              <a:t>SPAM</a:t>
+            </a:r>
+            <a:endParaRPr lang="en-US" sz="2000" dirty="0">
+              <a:latin typeface="Cabin"/>
+              <a:ea typeface="Cabin"/>
+              <a:cs typeface="Cabin"/>
+              <a:sym typeface="Cabin"/>
+            </a:endParaRPr>
+          </a:p>
+        </p:txBody>
+      </p:sp>
+    </p:spTree>
+    <p:extLst>
+      <p:ext uri="{BB962C8B-B14F-4D97-AF65-F5344CB8AC3E}">
+        <p14:creationId xmlns:p14="http://schemas.microsoft.com/office/powerpoint/2010/main" val="2401253062"/>
+      </p:ext>
+    </p:extLst>
+  </p:cSld>
+  <p:clrMapOvr>
+    <a:masterClrMapping/>
+  </p:clrMapOvr>
+  <p:timing>
+    <p:tnLst>
+      <p:par>
+        <p:cTn id="1" dur="indefinite" restart="never" nodeType="tmRoot"/>
+      </p:par>
+    </p:tnLst>
+  </p:timing>
 </p:sld>
 </file>
 
@@ -28580,7 +28639,7 @@
     </a:clrScheme>
     <a:fontScheme name="Стандартная">
       <a:majorFont>
-        <a:latin typeface="Calibri Light" panose="020F0302020204030204"/>
+        <a:latin typeface="Calibri Light"/>
         <a:ea typeface=""/>
         <a:cs typeface=""/>
         <a:font script="Jpan" typeface="游ゴシック Light"/>
@@ -28615,7 +28674,7 @@
         <a:font script="Geor" typeface="Sylfaen"/>
       </a:majorFont>
       <a:minorFont>
-        <a:latin typeface="Calibri" panose="020F0502020204030204"/>
+        <a:latin typeface="Calibri"/>
         <a:ea typeface=""/>
         <a:cs typeface=""/>
         <a:font script="Jpan" typeface="游ゴシック"/>
@@ -28792,7 +28851,7 @@
   <a:extraClrSchemeLst/>
   <a:extLst>
     <a:ext uri="{05A4C25C-085E-4340-85A3-A5531E510DB2}">
-      <thm15:themeFamily xmlns:thm15="http://schemas.microsoft.com/office/thememl/2012/main" name="Office Theme" id="{62F939B6-93AF-4DB8-9C6B-D6C7DFDC589F}" vid="{4A3C46E8-61CC-4603-A589-7422A47A8E4A}"/>
+      <thm15:themeFamily xmlns:thm15="http://schemas.microsoft.com/office/thememl/2012/main" xmlns="" name="Office Theme" id="{62F939B6-93AF-4DB8-9C6B-D6C7DFDC589F}" vid="{4A3C46E8-61CC-4603-A589-7422A47A8E4A}"/>
     </a:ext>
   </a:extLst>
 </a:theme>

--- a/week01/02.Start.pptx
+++ b/week01/02.Start.pptx
@@ -5,7 +5,7 @@
     <p:sldMasterId id="2147483648" r:id="rId1"/>
   </p:sldMasterIdLst>
   <p:notesMasterIdLst>
-    <p:notesMasterId r:id="rId36"/>
+    <p:notesMasterId r:id="rId33"/>
   </p:notesMasterIdLst>
   <p:sldIdLst>
     <p:sldId id="256" r:id="rId2"/>
@@ -38,10 +38,7 @@
     <p:sldId id="319" r:id="rId29"/>
     <p:sldId id="320" r:id="rId30"/>
     <p:sldId id="321" r:id="rId31"/>
-    <p:sldId id="322" r:id="rId32"/>
-    <p:sldId id="323" r:id="rId33"/>
-    <p:sldId id="324" r:id="rId34"/>
-    <p:sldId id="325" r:id="rId35"/>
+    <p:sldId id="328" r:id="rId32"/>
   </p:sldIdLst>
   <p:sldSz cx="9144000" cy="6858000" type="screen4x3"/>
   <p:notesSz cx="6858000" cy="9144000"/>
@@ -142,7 +139,7 @@
   </p:defaultTextStyle>
   <p:extLst>
     <p:ext uri="{EFAFB233-063F-42B5-8137-9DF3F51BA10A}">
-      <p15:sldGuideLst xmlns:p15="http://schemas.microsoft.com/office/powerpoint/2012/main" xmlns="">
+      <p15:sldGuideLst xmlns:p15="http://schemas.microsoft.com/office/powerpoint/2012/main">
         <p15:guide id="1" orient="horz" pos="2160">
           <p15:clr>
             <a:srgbClr val="A4A3A4"/>
@@ -241,7 +238,7 @@
           <a:p>
             <a:fld id="{02324BB6-ADF9-477E-BA61-F60537F49E1A}" type="datetimeFigureOut">
               <a:rPr lang="ru-RU" smtClean="0"/>
-              <a:t>12.08.2016</a:t>
+              <a:t>13.08.2016</a:t>
             </a:fld>
             <a:endParaRPr lang="ru-RU"/>
           </a:p>
@@ -2210,7 +2207,7 @@
   <p:cSld>
     <p:spTree>
       <p:nvGrpSpPr>
-        <p:cNvPr id="1" name="Shape 495"/>
+        <p:cNvPr id="1" name="Shape 656"/>
         <p:cNvGrpSpPr/>
         <p:nvPr/>
       </p:nvGrpSpPr>
@@ -2224,42 +2221,7 @@
       </p:grpSpPr>
       <p:sp>
         <p:nvSpPr>
-          <p:cNvPr id="496" name="Shape 496"/>
-          <p:cNvSpPr txBox="1">
-            <a:spLocks noGrp="1"/>
-          </p:cNvSpPr>
-          <p:nvPr>
-            <p:ph type="body" idx="1"/>
-          </p:nvPr>
-        </p:nvSpPr>
-        <p:spPr>
-          <a:xfrm>
-            <a:off x="685800" y="4343400"/>
-            <a:ext cx="5486399" cy="4114800"/>
-          </a:xfrm>
-          <a:prstGeom prst="rect">
-            <a:avLst/>
-          </a:prstGeom>
-        </p:spPr>
-        <p:txBody>
-          <a:bodyPr lIns="91425" tIns="91425" rIns="91425" bIns="91425" anchor="ctr" anchorCtr="0">
-            <a:noAutofit/>
-          </a:bodyPr>
-          <a:lstStyle/>
-          <a:p>
-            <a:pPr lvl="0">
-              <a:spcBef>
-                <a:spcPts val="0"/>
-              </a:spcBef>
-              <a:buNone/>
-            </a:pPr>
-            <a:endParaRPr/>
-          </a:p>
-        </p:txBody>
-      </p:sp>
-      <p:sp>
-        <p:nvSpPr>
-          <p:cNvPr id="497" name="Shape 497"/>
+          <p:cNvPr id="657" name="Shape 657"/>
           <p:cNvSpPr>
             <a:spLocks noGrp="1" noRot="1" noChangeAspect="1"/>
           </p:cNvSpPr>
@@ -2298,39 +2260,9 @@
           </a:custGeom>
         </p:spPr>
       </p:sp>
-    </p:spTree>
-    <p:extLst>
-      <p:ext uri="{BB962C8B-B14F-4D97-AF65-F5344CB8AC3E}">
-        <p14:creationId xmlns:p14="http://schemas.microsoft.com/office/powerpoint/2010/main" val="2553330137"/>
-      </p:ext>
-    </p:extLst>
-  </p:cSld>
-  <p:clrMapOvr>
-    <a:masterClrMapping/>
-  </p:clrMapOvr>
-</p:notes>
-</file>
-
-<file path=ppt/notesSlides/notesSlide25.xml><?xml version="1.0" encoding="utf-8"?>
-<p:notes xmlns:a="http://schemas.openxmlformats.org/drawingml/2006/main" xmlns:r="http://schemas.openxmlformats.org/officeDocument/2006/relationships" xmlns:p="http://schemas.openxmlformats.org/presentationml/2006/main" showMasterSp="0" showMasterPhAnim="0">
-  <p:cSld>
-    <p:spTree>
-      <p:nvGrpSpPr>
-        <p:cNvPr id="1" name="Shape 502"/>
-        <p:cNvGrpSpPr/>
-        <p:nvPr/>
-      </p:nvGrpSpPr>
-      <p:grpSpPr>
-        <a:xfrm>
-          <a:off x="0" y="0"/>
-          <a:ext cx="0" cy="0"/>
-          <a:chOff x="0" y="0"/>
-          <a:chExt cx="0" cy="0"/>
-        </a:xfrm>
-      </p:grpSpPr>
       <p:sp>
         <p:nvSpPr>
-          <p:cNvPr id="503" name="Shape 503"/>
+          <p:cNvPr id="658" name="Shape 658"/>
           <p:cNvSpPr txBox="1">
             <a:spLocks noGrp="1"/>
           </p:cNvSpPr>
@@ -2346,6 +2278,10 @@
           <a:prstGeom prst="rect">
             <a:avLst/>
           </a:prstGeom>
+          <a:noFill/>
+          <a:ln>
+            <a:noFill/>
+          </a:ln>
         </p:spPr>
         <p:txBody>
           <a:bodyPr lIns="91425" tIns="91425" rIns="91425" bIns="91425" anchor="ctr" anchorCtr="0">
@@ -2363,263 +2299,10 @@
           </a:p>
         </p:txBody>
       </p:sp>
-      <p:sp>
-        <p:nvSpPr>
-          <p:cNvPr id="504" name="Shape 504"/>
-          <p:cNvSpPr>
-            <a:spLocks noGrp="1" noRot="1" noChangeAspect="1"/>
-          </p:cNvSpPr>
-          <p:nvPr>
-            <p:ph type="sldImg" idx="2"/>
-          </p:nvPr>
-        </p:nvSpPr>
-        <p:spPr>
-          <a:xfrm>
-            <a:off x="1143000" y="685800"/>
-            <a:ext cx="4572000" cy="3429000"/>
-          </a:xfrm>
-          <a:custGeom>
-            <a:avLst/>
-            <a:gdLst/>
-            <a:ahLst/>
-            <a:cxnLst/>
-            <a:rect l="0" t="0" r="0" b="0"/>
-            <a:pathLst>
-              <a:path w="120000" h="120000" extrusionOk="0">
-                <a:moveTo>
-                  <a:pt x="0" y="0"/>
-                </a:moveTo>
-                <a:lnTo>
-                  <a:pt x="120000" y="0"/>
-                </a:lnTo>
-                <a:lnTo>
-                  <a:pt x="120000" y="120000"/>
-                </a:lnTo>
-                <a:lnTo>
-                  <a:pt x="0" y="120000"/>
-                </a:lnTo>
-                <a:close/>
-              </a:path>
-            </a:pathLst>
-          </a:custGeom>
-        </p:spPr>
-      </p:sp>
     </p:spTree>
     <p:extLst>
       <p:ext uri="{BB962C8B-B14F-4D97-AF65-F5344CB8AC3E}">
-        <p14:creationId xmlns:p14="http://schemas.microsoft.com/office/powerpoint/2010/main" val="48363949"/>
-      </p:ext>
-    </p:extLst>
-  </p:cSld>
-  <p:clrMapOvr>
-    <a:masterClrMapping/>
-  </p:clrMapOvr>
-</p:notes>
-</file>
-
-<file path=ppt/notesSlides/notesSlide26.xml><?xml version="1.0" encoding="utf-8"?>
-<p:notes xmlns:a="http://schemas.openxmlformats.org/drawingml/2006/main" xmlns:r="http://schemas.openxmlformats.org/officeDocument/2006/relationships" xmlns:p="http://schemas.openxmlformats.org/presentationml/2006/main" showMasterSp="0" showMasterPhAnim="0">
-  <p:cSld>
-    <p:spTree>
-      <p:nvGrpSpPr>
-        <p:cNvPr id="1" name="Shape 509"/>
-        <p:cNvGrpSpPr/>
-        <p:nvPr/>
-      </p:nvGrpSpPr>
-      <p:grpSpPr>
-        <a:xfrm>
-          <a:off x="0" y="0"/>
-          <a:ext cx="0" cy="0"/>
-          <a:chOff x="0" y="0"/>
-          <a:chExt cx="0" cy="0"/>
-        </a:xfrm>
-      </p:grpSpPr>
-      <p:sp>
-        <p:nvSpPr>
-          <p:cNvPr id="510" name="Shape 510"/>
-          <p:cNvSpPr txBox="1">
-            <a:spLocks noGrp="1"/>
-          </p:cNvSpPr>
-          <p:nvPr>
-            <p:ph type="body" idx="1"/>
-          </p:nvPr>
-        </p:nvSpPr>
-        <p:spPr>
-          <a:xfrm>
-            <a:off x="685800" y="4343400"/>
-            <a:ext cx="5486399" cy="4114800"/>
-          </a:xfrm>
-          <a:prstGeom prst="rect">
-            <a:avLst/>
-          </a:prstGeom>
-        </p:spPr>
-        <p:txBody>
-          <a:bodyPr lIns="91425" tIns="91425" rIns="91425" bIns="91425" anchor="ctr" anchorCtr="0">
-            <a:noAutofit/>
-          </a:bodyPr>
-          <a:lstStyle/>
-          <a:p>
-            <a:pPr lvl="0">
-              <a:spcBef>
-                <a:spcPts val="0"/>
-              </a:spcBef>
-              <a:buNone/>
-            </a:pPr>
-            <a:endParaRPr/>
-          </a:p>
-        </p:txBody>
-      </p:sp>
-      <p:sp>
-        <p:nvSpPr>
-          <p:cNvPr id="511" name="Shape 511"/>
-          <p:cNvSpPr>
-            <a:spLocks noGrp="1" noRot="1" noChangeAspect="1"/>
-          </p:cNvSpPr>
-          <p:nvPr>
-            <p:ph type="sldImg" idx="2"/>
-          </p:nvPr>
-        </p:nvSpPr>
-        <p:spPr>
-          <a:xfrm>
-            <a:off x="1143000" y="685800"/>
-            <a:ext cx="4572000" cy="3429000"/>
-          </a:xfrm>
-          <a:custGeom>
-            <a:avLst/>
-            <a:gdLst/>
-            <a:ahLst/>
-            <a:cxnLst/>
-            <a:rect l="0" t="0" r="0" b="0"/>
-            <a:pathLst>
-              <a:path w="120000" h="120000" extrusionOk="0">
-                <a:moveTo>
-                  <a:pt x="0" y="0"/>
-                </a:moveTo>
-                <a:lnTo>
-                  <a:pt x="120000" y="0"/>
-                </a:lnTo>
-                <a:lnTo>
-                  <a:pt x="120000" y="120000"/>
-                </a:lnTo>
-                <a:lnTo>
-                  <a:pt x="0" y="120000"/>
-                </a:lnTo>
-                <a:close/>
-              </a:path>
-            </a:pathLst>
-          </a:custGeom>
-        </p:spPr>
-      </p:sp>
-    </p:spTree>
-    <p:extLst>
-      <p:ext uri="{BB962C8B-B14F-4D97-AF65-F5344CB8AC3E}">
-        <p14:creationId xmlns:p14="http://schemas.microsoft.com/office/powerpoint/2010/main" val="3669690705"/>
-      </p:ext>
-    </p:extLst>
-  </p:cSld>
-  <p:clrMapOvr>
-    <a:masterClrMapping/>
-  </p:clrMapOvr>
-</p:notes>
-</file>
-
-<file path=ppt/notesSlides/notesSlide27.xml><?xml version="1.0" encoding="utf-8"?>
-<p:notes xmlns:a="http://schemas.openxmlformats.org/drawingml/2006/main" xmlns:r="http://schemas.openxmlformats.org/officeDocument/2006/relationships" xmlns:p="http://schemas.openxmlformats.org/presentationml/2006/main" showMasterSp="0" showMasterPhAnim="0">
-  <p:cSld>
-    <p:spTree>
-      <p:nvGrpSpPr>
-        <p:cNvPr id="1" name="Shape 517"/>
-        <p:cNvGrpSpPr/>
-        <p:nvPr/>
-      </p:nvGrpSpPr>
-      <p:grpSpPr>
-        <a:xfrm>
-          <a:off x="0" y="0"/>
-          <a:ext cx="0" cy="0"/>
-          <a:chOff x="0" y="0"/>
-          <a:chExt cx="0" cy="0"/>
-        </a:xfrm>
-      </p:grpSpPr>
-      <p:sp>
-        <p:nvSpPr>
-          <p:cNvPr id="518" name="Shape 518"/>
-          <p:cNvSpPr txBox="1">
-            <a:spLocks noGrp="1"/>
-          </p:cNvSpPr>
-          <p:nvPr>
-            <p:ph type="body" idx="1"/>
-          </p:nvPr>
-        </p:nvSpPr>
-        <p:spPr>
-          <a:xfrm>
-            <a:off x="685800" y="4343400"/>
-            <a:ext cx="5486399" cy="4114800"/>
-          </a:xfrm>
-          <a:prstGeom prst="rect">
-            <a:avLst/>
-          </a:prstGeom>
-        </p:spPr>
-        <p:txBody>
-          <a:bodyPr lIns="91425" tIns="91425" rIns="91425" bIns="91425" anchor="ctr" anchorCtr="0">
-            <a:noAutofit/>
-          </a:bodyPr>
-          <a:lstStyle/>
-          <a:p>
-            <a:pPr lvl="0">
-              <a:spcBef>
-                <a:spcPts val="0"/>
-              </a:spcBef>
-              <a:buNone/>
-            </a:pPr>
-            <a:endParaRPr/>
-          </a:p>
-        </p:txBody>
-      </p:sp>
-      <p:sp>
-        <p:nvSpPr>
-          <p:cNvPr id="519" name="Shape 519"/>
-          <p:cNvSpPr>
-            <a:spLocks noGrp="1" noRot="1" noChangeAspect="1"/>
-          </p:cNvSpPr>
-          <p:nvPr>
-            <p:ph type="sldImg" idx="2"/>
-          </p:nvPr>
-        </p:nvSpPr>
-        <p:spPr>
-          <a:xfrm>
-            <a:off x="1143000" y="685800"/>
-            <a:ext cx="4572000" cy="3429000"/>
-          </a:xfrm>
-          <a:custGeom>
-            <a:avLst/>
-            <a:gdLst/>
-            <a:ahLst/>
-            <a:cxnLst/>
-            <a:rect l="0" t="0" r="0" b="0"/>
-            <a:pathLst>
-              <a:path w="120000" h="120000" extrusionOk="0">
-                <a:moveTo>
-                  <a:pt x="0" y="0"/>
-                </a:moveTo>
-                <a:lnTo>
-                  <a:pt x="120000" y="0"/>
-                </a:lnTo>
-                <a:lnTo>
-                  <a:pt x="120000" y="120000"/>
-                </a:lnTo>
-                <a:lnTo>
-                  <a:pt x="0" y="120000"/>
-                </a:lnTo>
-                <a:close/>
-              </a:path>
-            </a:pathLst>
-          </a:custGeom>
-        </p:spPr>
-      </p:sp>
-    </p:spTree>
-    <p:extLst>
-      <p:ext uri="{BB962C8B-B14F-4D97-AF65-F5344CB8AC3E}">
-        <p14:creationId xmlns:p14="http://schemas.microsoft.com/office/powerpoint/2010/main" val="752242084"/>
+        <p14:creationId xmlns:p14="http://schemas.microsoft.com/office/powerpoint/2010/main" val="1739241235"/>
       </p:ext>
     </p:extLst>
   </p:cSld>
@@ -3578,7 +3261,7 @@
           <a:p>
             <a:fld id="{FC1A96A7-B107-4A76-9BCA-351E6EBF71DD}" type="datetimeFigureOut">
               <a:rPr lang="ru-RU" smtClean="0"/>
-              <a:t>12.08.2016</a:t>
+              <a:t>13.08.2016</a:t>
             </a:fld>
             <a:endParaRPr lang="ru-RU"/>
           </a:p>
@@ -3748,7 +3431,7 @@
           <a:p>
             <a:fld id="{FC1A96A7-B107-4A76-9BCA-351E6EBF71DD}" type="datetimeFigureOut">
               <a:rPr lang="ru-RU" smtClean="0"/>
-              <a:t>12.08.2016</a:t>
+              <a:t>13.08.2016</a:t>
             </a:fld>
             <a:endParaRPr lang="ru-RU"/>
           </a:p>
@@ -3928,7 +3611,7 @@
           <a:p>
             <a:fld id="{FC1A96A7-B107-4A76-9BCA-351E6EBF71DD}" type="datetimeFigureOut">
               <a:rPr lang="ru-RU" smtClean="0"/>
-              <a:t>12.08.2016</a:t>
+              <a:t>13.08.2016</a:t>
             </a:fld>
             <a:endParaRPr lang="ru-RU"/>
           </a:p>
@@ -4098,7 +3781,7 @@
           <a:p>
             <a:fld id="{FC1A96A7-B107-4A76-9BCA-351E6EBF71DD}" type="datetimeFigureOut">
               <a:rPr lang="ru-RU" smtClean="0"/>
-              <a:t>12.08.2016</a:t>
+              <a:t>13.08.2016</a:t>
             </a:fld>
             <a:endParaRPr lang="ru-RU"/>
           </a:p>
@@ -4344,7 +4027,7 @@
           <a:p>
             <a:fld id="{FC1A96A7-B107-4A76-9BCA-351E6EBF71DD}" type="datetimeFigureOut">
               <a:rPr lang="ru-RU" smtClean="0"/>
-              <a:t>12.08.2016</a:t>
+              <a:t>13.08.2016</a:t>
             </a:fld>
             <a:endParaRPr lang="ru-RU"/>
           </a:p>
@@ -4632,7 +4315,7 @@
           <a:p>
             <a:fld id="{FC1A96A7-B107-4A76-9BCA-351E6EBF71DD}" type="datetimeFigureOut">
               <a:rPr lang="ru-RU" smtClean="0"/>
-              <a:t>12.08.2016</a:t>
+              <a:t>13.08.2016</a:t>
             </a:fld>
             <a:endParaRPr lang="ru-RU"/>
           </a:p>
@@ -5054,7 +4737,7 @@
           <a:p>
             <a:fld id="{FC1A96A7-B107-4A76-9BCA-351E6EBF71DD}" type="datetimeFigureOut">
               <a:rPr lang="ru-RU" smtClean="0"/>
-              <a:t>12.08.2016</a:t>
+              <a:t>13.08.2016</a:t>
             </a:fld>
             <a:endParaRPr lang="ru-RU"/>
           </a:p>
@@ -5172,7 +4855,7 @@
           <a:p>
             <a:fld id="{FC1A96A7-B107-4A76-9BCA-351E6EBF71DD}" type="datetimeFigureOut">
               <a:rPr lang="ru-RU" smtClean="0"/>
-              <a:t>12.08.2016</a:t>
+              <a:t>13.08.2016</a:t>
             </a:fld>
             <a:endParaRPr lang="ru-RU"/>
           </a:p>
@@ -5267,7 +4950,7 @@
           <a:p>
             <a:fld id="{FC1A96A7-B107-4A76-9BCA-351E6EBF71DD}" type="datetimeFigureOut">
               <a:rPr lang="ru-RU" smtClean="0"/>
-              <a:t>12.08.2016</a:t>
+              <a:t>13.08.2016</a:t>
             </a:fld>
             <a:endParaRPr lang="ru-RU"/>
           </a:p>
@@ -5544,7 +5227,7 @@
           <a:p>
             <a:fld id="{FC1A96A7-B107-4A76-9BCA-351E6EBF71DD}" type="datetimeFigureOut">
               <a:rPr lang="ru-RU" smtClean="0"/>
-              <a:t>12.08.2016</a:t>
+              <a:t>13.08.2016</a:t>
             </a:fld>
             <a:endParaRPr lang="ru-RU"/>
           </a:p>
@@ -5797,7 +5480,7 @@
           <a:p>
             <a:fld id="{FC1A96A7-B107-4A76-9BCA-351E6EBF71DD}" type="datetimeFigureOut">
               <a:rPr lang="ru-RU" smtClean="0"/>
-              <a:t>12.08.2016</a:t>
+              <a:t>13.08.2016</a:t>
             </a:fld>
             <a:endParaRPr lang="ru-RU"/>
           </a:p>
@@ -6010,7 +5693,7 @@
           <a:p>
             <a:fld id="{FC1A96A7-B107-4A76-9BCA-351E6EBF71DD}" type="datetimeFigureOut">
               <a:rPr lang="ru-RU" smtClean="0"/>
-              <a:t>12.08.2016</a:t>
+              <a:t>13.08.2016</a:t>
             </a:fld>
             <a:endParaRPr lang="ru-RU"/>
           </a:p>
@@ -10111,14 +9794,14 @@
                 <a:gridCol w="1595184">
                   <a:extLst>
                     <a:ext uri="{9D8B030D-6E8A-4147-A177-3AD203B41FA5}">
-                      <a16:colId xmlns:a16="http://schemas.microsoft.com/office/drawing/2014/main" xmlns="" val="20000"/>
+                      <a16:colId xmlns:a16="http://schemas.microsoft.com/office/drawing/2014/main" val="20000"/>
                     </a:ext>
                   </a:extLst>
                 </a:gridCol>
                 <a:gridCol w="1746884">
                   <a:extLst>
                     <a:ext uri="{9D8B030D-6E8A-4147-A177-3AD203B41FA5}">
-                      <a16:colId xmlns:a16="http://schemas.microsoft.com/office/drawing/2014/main" xmlns="" val="20001"/>
+                      <a16:colId xmlns:a16="http://schemas.microsoft.com/office/drawing/2014/main" val="20001"/>
                     </a:ext>
                   </a:extLst>
                 </a:gridCol>
@@ -10208,7 +9891,7 @@
                 </a:tc>
                 <a:extLst>
                   <a:ext uri="{0D108BD9-81ED-4DB2-BD59-A6C34878D82A}">
-                    <a16:rowId xmlns:a16="http://schemas.microsoft.com/office/drawing/2014/main" xmlns="" val="10000"/>
+                    <a16:rowId xmlns:a16="http://schemas.microsoft.com/office/drawing/2014/main" val="10000"/>
                   </a:ext>
                 </a:extLst>
               </a:tr>
@@ -10297,7 +9980,7 @@
                 </a:tc>
                 <a:extLst>
                   <a:ext uri="{0D108BD9-81ED-4DB2-BD59-A6C34878D82A}">
-                    <a16:rowId xmlns:a16="http://schemas.microsoft.com/office/drawing/2014/main" xmlns="" val="10001"/>
+                    <a16:rowId xmlns:a16="http://schemas.microsoft.com/office/drawing/2014/main" val="10001"/>
                   </a:ext>
                 </a:extLst>
               </a:tr>
@@ -10386,7 +10069,7 @@
                 </a:tc>
                 <a:extLst>
                   <a:ext uri="{0D108BD9-81ED-4DB2-BD59-A6C34878D82A}">
-                    <a16:rowId xmlns:a16="http://schemas.microsoft.com/office/drawing/2014/main" xmlns="" val="10002"/>
+                    <a16:rowId xmlns:a16="http://schemas.microsoft.com/office/drawing/2014/main" val="10002"/>
                   </a:ext>
                 </a:extLst>
               </a:tr>
@@ -10475,7 +10158,7 @@
                 </a:tc>
                 <a:extLst>
                   <a:ext uri="{0D108BD9-81ED-4DB2-BD59-A6C34878D82A}">
-                    <a16:rowId xmlns:a16="http://schemas.microsoft.com/office/drawing/2014/main" xmlns="" val="10003"/>
+                    <a16:rowId xmlns:a16="http://schemas.microsoft.com/office/drawing/2014/main" val="10003"/>
                   </a:ext>
                 </a:extLst>
               </a:tr>
@@ -10564,7 +10247,7 @@
                 </a:tc>
                 <a:extLst>
                   <a:ext uri="{0D108BD9-81ED-4DB2-BD59-A6C34878D82A}">
-                    <a16:rowId xmlns:a16="http://schemas.microsoft.com/office/drawing/2014/main" xmlns="" val="10004"/>
+                    <a16:rowId xmlns:a16="http://schemas.microsoft.com/office/drawing/2014/main" val="10004"/>
                   </a:ext>
                 </a:extLst>
               </a:tr>
@@ -10677,7 +10360,7 @@
                 </a:tc>
                 <a:extLst>
                   <a:ext uri="{0D108BD9-81ED-4DB2-BD59-A6C34878D82A}">
-                    <a16:rowId xmlns:a16="http://schemas.microsoft.com/office/drawing/2014/main" xmlns="" val="3755493976"/>
+                    <a16:rowId xmlns:a16="http://schemas.microsoft.com/office/drawing/2014/main" val="3755493976"/>
                   </a:ext>
                 </a:extLst>
               </a:tr>
@@ -10766,7 +10449,7 @@
                 </a:tc>
                 <a:extLst>
                   <a:ext uri="{0D108BD9-81ED-4DB2-BD59-A6C34878D82A}">
-                    <a16:rowId xmlns:a16="http://schemas.microsoft.com/office/drawing/2014/main" xmlns="" val="10005"/>
+                    <a16:rowId xmlns:a16="http://schemas.microsoft.com/office/drawing/2014/main" val="10005"/>
                   </a:ext>
                 </a:extLst>
               </a:tr>
@@ -10855,7 +10538,7 @@
                 </a:tc>
                 <a:extLst>
                   <a:ext uri="{0D108BD9-81ED-4DB2-BD59-A6C34878D82A}">
-                    <a16:rowId xmlns:a16="http://schemas.microsoft.com/office/drawing/2014/main" xmlns="" val="10006"/>
+                    <a16:rowId xmlns:a16="http://schemas.microsoft.com/office/drawing/2014/main" val="10006"/>
                   </a:ext>
                 </a:extLst>
               </a:tr>
@@ -21469,7 +21152,7 @@
   <p:cSld>
     <p:spTree>
       <p:nvGrpSpPr>
-        <p:cNvPr id="1" name="Shape 498"/>
+        <p:cNvPr id="1" name="Shape 659"/>
         <p:cNvGrpSpPr/>
         <p:nvPr/>
       </p:nvGrpSpPr>
@@ -21481,20 +21164,70 @@
           <a:chExt cx="0" cy="0"/>
         </a:xfrm>
       </p:grpSpPr>
+      <p:pic>
+        <p:nvPicPr>
+          <p:cNvPr id="660" name="Shape 660"/>
+          <p:cNvPicPr preferRelativeResize="0"/>
+          <p:nvPr/>
+        </p:nvPicPr>
+        <p:blipFill rotWithShape="1">
+          <a:blip r:embed="rId3">
+            <a:alphaModFix/>
+          </a:blip>
+          <a:srcRect/>
+          <a:stretch/>
+        </p:blipFill>
+        <p:spPr>
+          <a:xfrm>
+            <a:off x="246319" y="932991"/>
+            <a:ext cx="576450" cy="576450"/>
+          </a:xfrm>
+          <a:prstGeom prst="rect">
+            <a:avLst/>
+          </a:prstGeom>
+          <a:noFill/>
+          <a:ln>
+            <a:noFill/>
+          </a:ln>
+        </p:spPr>
+      </p:pic>
+      <p:pic>
+        <p:nvPicPr>
+          <p:cNvPr id="661" name="Shape 661"/>
+          <p:cNvPicPr preferRelativeResize="0"/>
+          <p:nvPr/>
+        </p:nvPicPr>
+        <p:blipFill rotWithShape="1">
+          <a:blip r:embed="rId4">
+            <a:alphaModFix/>
+          </a:blip>
+          <a:srcRect/>
+          <a:stretch/>
+        </p:blipFill>
+        <p:spPr>
+          <a:xfrm>
+            <a:off x="7817449" y="1033228"/>
+            <a:ext cx="1107337" cy="375975"/>
+          </a:xfrm>
+          <a:prstGeom prst="rect">
+            <a:avLst/>
+          </a:prstGeom>
+          <a:noFill/>
+          <a:ln>
+            <a:noFill/>
+          </a:ln>
+        </p:spPr>
+      </p:pic>
       <p:sp>
         <p:nvSpPr>
-          <p:cNvPr id="499" name="Shape 499"/>
-          <p:cNvSpPr txBox="1">
-            <a:spLocks noGrp="1"/>
-          </p:cNvSpPr>
-          <p:nvPr>
-            <p:ph type="title"/>
-          </p:nvPr>
+          <p:cNvPr id="662" name="Shape 662"/>
+          <p:cNvSpPr txBox="1"/>
+          <p:nvPr/>
         </p:nvSpPr>
         <p:spPr>
           <a:xfrm>
-            <a:off x="1043608" y="404664"/>
-            <a:ext cx="7443787" cy="1285875"/>
+            <a:off x="4896225" y="1707863"/>
+            <a:ext cx="3823706" cy="3984018"/>
           </a:xfrm>
           <a:prstGeom prst="rect">
             <a:avLst/>
@@ -21505,88 +21238,32 @@
           </a:ln>
         </p:spPr>
         <p:txBody>
-          <a:bodyPr vert="horz" lIns="28575" tIns="28575" rIns="28575" bIns="28575" rtlCol="0" anchor="ctr" anchorCtr="0">
+          <a:bodyPr lIns="51427" tIns="51427" rIns="51427" bIns="51427" anchor="t" anchorCtr="0">
             <a:noAutofit/>
           </a:bodyPr>
           <a:lstStyle/>
           <a:p>
-            <a:pPr>
-              <a:spcBef>
-                <a:spcPts val="0"/>
-              </a:spcBef>
-              <a:buClr>
-                <a:srgbClr val="FFFF00"/>
-              </a:buClr>
-              <a:buSzPct val="25000"/>
-            </a:pPr>
-            <a:r>
-              <a:rPr lang="en-US" sz="3938" dirty="0" err="1">
-                <a:latin typeface="Cabin"/>
-                <a:ea typeface="Cabin"/>
-                <a:cs typeface="Cabin"/>
-                <a:sym typeface="Cabin"/>
-              </a:rPr>
-              <a:t>Операции</a:t>
-            </a:r>
-            <a:r>
-              <a:rPr lang="en-US" sz="3938" dirty="0">
-                <a:latin typeface="Cabin"/>
-                <a:ea typeface="Cabin"/>
-                <a:cs typeface="Cabin"/>
-                <a:sym typeface="Cabin"/>
-              </a:rPr>
-              <a:t> </a:t>
-            </a:r>
-            <a:r>
-              <a:rPr lang="en-US" sz="3938" dirty="0" err="1">
-                <a:latin typeface="Cabin"/>
-                <a:ea typeface="Cabin"/>
-                <a:cs typeface="Cabin"/>
-                <a:sym typeface="Cabin"/>
-              </a:rPr>
-              <a:t>со</a:t>
-            </a:r>
-            <a:r>
-              <a:rPr lang="en-US" sz="3938" dirty="0">
-                <a:latin typeface="Cabin"/>
-                <a:ea typeface="Cabin"/>
-                <a:cs typeface="Cabin"/>
-                <a:sym typeface="Cabin"/>
-              </a:rPr>
-              <a:t> </a:t>
-            </a:r>
-            <a:r>
-              <a:rPr lang="en-US" sz="3938" dirty="0" err="1">
-                <a:latin typeface="Cabin"/>
-                <a:ea typeface="Cabin"/>
-                <a:cs typeface="Cabin"/>
-                <a:sym typeface="Cabin"/>
-              </a:rPr>
-              <a:t>строками</a:t>
-            </a:r>
-            <a:endParaRPr lang="en-US" sz="3938" dirty="0">
-              <a:latin typeface="Cabin"/>
-              <a:ea typeface="Cabin"/>
-              <a:cs typeface="Cabin"/>
-              <a:sym typeface="Cabin"/>
-            </a:endParaRPr>
+            <a:r>
+              <a:rPr lang="en-US" sz="1013">
+                <a:solidFill>
+                  <a:srgbClr val="FFFFFF"/>
+                </a:solidFill>
+              </a:rPr>
+              <a:t>...</a:t>
+            </a:r>
           </a:p>
         </p:txBody>
       </p:sp>
       <p:sp>
         <p:nvSpPr>
-          <p:cNvPr id="500" name="Shape 500"/>
-          <p:cNvSpPr txBox="1">
-            <a:spLocks noGrp="1"/>
-          </p:cNvSpPr>
-          <p:nvPr>
-            <p:ph type="body" idx="1"/>
-          </p:nvPr>
+          <p:cNvPr id="663" name="Shape 663"/>
+          <p:cNvSpPr txBox="1"/>
+          <p:nvPr/>
         </p:nvSpPr>
         <p:spPr>
           <a:xfrm>
-            <a:off x="805061" y="1340768"/>
-            <a:ext cx="7920880" cy="3456384"/>
+            <a:off x="678431" y="1634471"/>
+            <a:ext cx="3823706" cy="3984018"/>
           </a:xfrm>
           <a:prstGeom prst="rect">
             <a:avLst/>
@@ -21597,573 +21274,532 @@
           </a:ln>
         </p:spPr>
         <p:txBody>
-          <a:bodyPr vert="horz" lIns="28575" tIns="28575" rIns="28575" bIns="28575" rtlCol="0" anchor="ctr" anchorCtr="0">
+          <a:bodyPr lIns="51427" tIns="51427" rIns="51427" bIns="51427" anchor="t" anchorCtr="0">
             <a:noAutofit/>
           </a:bodyPr>
           <a:lstStyle/>
           <a:p>
-            <a:pPr marL="621506" indent="-325112">
-              <a:spcBef>
-                <a:spcPts val="0"/>
-              </a:spcBef>
+            <a:r>
+              <a:rPr lang="en-US" sz="1013" dirty="0" err="1"/>
+              <a:t>Данная</a:t>
+            </a:r>
+            <a:r>
+              <a:rPr lang="en-US" sz="1013" dirty="0"/>
+              <a:t> </a:t>
+            </a:r>
+            <a:r>
+              <a:rPr lang="en-US" sz="1013" dirty="0" err="1"/>
+              <a:t>презентация</a:t>
+            </a:r>
+            <a:r>
+              <a:rPr lang="en-US" sz="1013" dirty="0"/>
+              <a:t> </a:t>
+            </a:r>
+            <a:r>
+              <a:rPr lang="en-US" sz="1013" dirty="0" err="1"/>
+              <a:t>охраняется</a:t>
+            </a:r>
+            <a:r>
+              <a:rPr lang="en-US" sz="1013" dirty="0"/>
+              <a:t> </a:t>
+            </a:r>
+            <a:r>
+              <a:rPr lang="en-US" sz="1013" dirty="0" err="1"/>
+              <a:t>авторским</a:t>
+            </a:r>
+            <a:r>
+              <a:rPr lang="en-US" sz="1013" dirty="0"/>
+              <a:t> </a:t>
+            </a:r>
+            <a:r>
+              <a:rPr lang="en-US" sz="1013" dirty="0" err="1"/>
+              <a:t>правом</a:t>
+            </a:r>
+            <a:r>
+              <a:rPr lang="en-US" sz="1013" dirty="0"/>
+              <a:t> “Copyright 2010-  Charles R. Severance (</a:t>
+            </a:r>
+            <a:r>
+              <a:rPr lang="en-US" sz="1013" u="sng" dirty="0">
+                <a:hlinkClick r:id="rId5"/>
+              </a:rPr>
+              <a:t>www.dr-chuck.com</a:t>
+            </a:r>
+            <a:r>
+              <a:rPr lang="en-US" sz="1013" dirty="0"/>
+              <a:t>) University of Michigan School of Information” </a:t>
+            </a:r>
+            <a:r>
+              <a:rPr lang="en-US" sz="1013" u="sng" dirty="0">
+                <a:hlinkClick r:id="rId6"/>
+              </a:rPr>
+              <a:t>open.umich.edu</a:t>
+            </a:r>
+            <a:r>
+              <a:rPr lang="en-US" sz="1013" dirty="0"/>
+              <a:t> и </a:t>
+            </a:r>
+            <a:r>
+              <a:rPr lang="en-US" sz="1013" dirty="0" err="1"/>
+              <a:t>доступна</a:t>
+            </a:r>
+            <a:r>
+              <a:rPr lang="en-US" sz="1013" dirty="0"/>
+              <a:t> </a:t>
+            </a:r>
+            <a:r>
+              <a:rPr lang="en-US" sz="1013" dirty="0" err="1"/>
+              <a:t>на</a:t>
+            </a:r>
+            <a:r>
+              <a:rPr lang="en-US" sz="1013" dirty="0"/>
+              <a:t> </a:t>
+            </a:r>
+            <a:r>
+              <a:rPr lang="en-US" sz="1013" dirty="0" err="1"/>
+              <a:t>условиях</a:t>
+            </a:r>
+            <a:r>
+              <a:rPr lang="en-US" sz="1013" dirty="0"/>
+              <a:t> </a:t>
+            </a:r>
+            <a:r>
+              <a:rPr lang="en-US" sz="1013" dirty="0" err="1"/>
+              <a:t>лицензии</a:t>
+            </a:r>
+            <a:r>
+              <a:rPr lang="en-US" sz="1013" dirty="0"/>
+              <a:t> 4.0 “С </a:t>
+            </a:r>
+            <a:r>
+              <a:rPr lang="en-US" sz="1013" dirty="0" err="1"/>
+              <a:t>указанием</a:t>
+            </a:r>
+            <a:r>
+              <a:rPr lang="en-US" sz="1013" dirty="0"/>
+              <a:t> </a:t>
+            </a:r>
+            <a:r>
+              <a:rPr lang="en-US" sz="1013" dirty="0" err="1"/>
+              <a:t>авторства</a:t>
+            </a:r>
+            <a:r>
+              <a:rPr lang="en-US" sz="1013" dirty="0"/>
+              <a:t>”.  В </a:t>
+            </a:r>
+            <a:r>
+              <a:rPr lang="en-US" sz="1013" dirty="0" err="1"/>
+              <a:t>соответствии</a:t>
+            </a:r>
+            <a:r>
+              <a:rPr lang="en-US" sz="1013" dirty="0"/>
+              <a:t> с </a:t>
+            </a:r>
+            <a:r>
+              <a:rPr lang="en-US" sz="1013" dirty="0" err="1"/>
+              <a:t>требованием</a:t>
+            </a:r>
+            <a:r>
+              <a:rPr lang="en-US" sz="1013" dirty="0"/>
+              <a:t> </a:t>
+            </a:r>
+            <a:r>
+              <a:rPr lang="en-US" sz="1013" dirty="0" err="1"/>
+              <a:t>лицензии</a:t>
+            </a:r>
+            <a:r>
+              <a:rPr lang="en-US" sz="1013" dirty="0"/>
+              <a:t> “С </a:t>
+            </a:r>
+            <a:r>
+              <a:rPr lang="en-US" sz="1013" dirty="0" err="1"/>
+              <a:t>указанием</a:t>
+            </a:r>
+            <a:r>
+              <a:rPr lang="en-US" sz="1013" dirty="0"/>
+              <a:t> </a:t>
+            </a:r>
+            <a:r>
+              <a:rPr lang="en-US" sz="1013" dirty="0" err="1"/>
+              <a:t>авторства</a:t>
+            </a:r>
+            <a:r>
+              <a:rPr lang="en-US" sz="1013" dirty="0"/>
+              <a:t>" </a:t>
+            </a:r>
+            <a:r>
+              <a:rPr lang="en-US" sz="1013" dirty="0" err="1"/>
+              <a:t>данный</a:t>
+            </a:r>
+            <a:r>
+              <a:rPr lang="en-US" sz="1013" dirty="0"/>
+              <a:t> </a:t>
+            </a:r>
+            <a:r>
+              <a:rPr lang="en-US" sz="1013" dirty="0" err="1"/>
+              <a:t>слайд</a:t>
+            </a:r>
+            <a:r>
+              <a:rPr lang="en-US" sz="1013" dirty="0"/>
+              <a:t> </a:t>
+            </a:r>
+            <a:r>
+              <a:rPr lang="en-US" sz="1013" dirty="0" err="1"/>
+              <a:t>должен</a:t>
+            </a:r>
+            <a:r>
+              <a:rPr lang="en-US" sz="1013" dirty="0"/>
+              <a:t> </a:t>
+            </a:r>
+            <a:r>
+              <a:rPr lang="en-US" sz="1013" dirty="0" err="1"/>
+              <a:t>присутствовать</a:t>
+            </a:r>
+            <a:r>
+              <a:rPr lang="en-US" sz="1013" dirty="0"/>
+              <a:t> </a:t>
+            </a:r>
+            <a:r>
+              <a:rPr lang="en-US" sz="1013" dirty="0" err="1"/>
+              <a:t>во</a:t>
+            </a:r>
+            <a:r>
+              <a:rPr lang="en-US" sz="1013" dirty="0"/>
+              <a:t> </a:t>
+            </a:r>
+            <a:r>
+              <a:rPr lang="en-US" sz="1013" dirty="0" err="1"/>
+              <a:t>всех</a:t>
+            </a:r>
+            <a:r>
+              <a:rPr lang="en-US" sz="1013" dirty="0"/>
+              <a:t> </a:t>
+            </a:r>
+            <a:r>
+              <a:rPr lang="en-US" sz="1013" dirty="0" err="1"/>
+              <a:t>копиях</a:t>
+            </a:r>
+            <a:r>
+              <a:rPr lang="en-US" sz="1013" dirty="0"/>
+              <a:t> </a:t>
+            </a:r>
+            <a:r>
+              <a:rPr lang="en-US" sz="1013" dirty="0" err="1"/>
+              <a:t>этого</a:t>
+            </a:r>
+            <a:r>
+              <a:rPr lang="en-US" sz="1013" dirty="0"/>
+              <a:t> </a:t>
+            </a:r>
+            <a:r>
+              <a:rPr lang="en-US" sz="1013" dirty="0" err="1"/>
+              <a:t>документа</a:t>
+            </a:r>
+            <a:r>
+              <a:rPr lang="en-US" sz="1013" dirty="0"/>
+              <a:t>. </a:t>
+            </a:r>
+            <a:r>
+              <a:rPr lang="en-US" sz="1013" dirty="0" err="1"/>
+              <a:t>При</a:t>
+            </a:r>
+            <a:r>
+              <a:rPr lang="en-US" sz="1013" dirty="0"/>
+              <a:t> </a:t>
+            </a:r>
+            <a:r>
+              <a:rPr lang="en-US" sz="1013" dirty="0" err="1"/>
+              <a:t>внесении</a:t>
+            </a:r>
+            <a:r>
+              <a:rPr lang="en-US" sz="1013" dirty="0"/>
+              <a:t> </a:t>
+            </a:r>
+            <a:r>
+              <a:rPr lang="en-US" sz="1013" dirty="0" err="1"/>
+              <a:t>каких-либо</a:t>
+            </a:r>
+            <a:r>
+              <a:rPr lang="en-US" sz="1013" dirty="0"/>
+              <a:t> </a:t>
+            </a:r>
+            <a:r>
+              <a:rPr lang="en-US" sz="1013" dirty="0" err="1"/>
+              <a:t>изменений</a:t>
+            </a:r>
+            <a:r>
+              <a:rPr lang="en-US" sz="1013" dirty="0"/>
+              <a:t> в </a:t>
+            </a:r>
+            <a:r>
+              <a:rPr lang="en-US" sz="1013" dirty="0" err="1"/>
+              <a:t>данный</a:t>
+            </a:r>
+            <a:r>
+              <a:rPr lang="en-US" sz="1013" dirty="0"/>
+              <a:t> </a:t>
+            </a:r>
+            <a:r>
+              <a:rPr lang="en-US" sz="1013" dirty="0" err="1"/>
+              <a:t>документ</a:t>
+            </a:r>
+            <a:r>
+              <a:rPr lang="en-US" sz="1013" dirty="0"/>
+              <a:t> </a:t>
+            </a:r>
+            <a:r>
+              <a:rPr lang="en-US" sz="1013" dirty="0" err="1"/>
+              <a:t>вы</a:t>
+            </a:r>
+            <a:r>
+              <a:rPr lang="en-US" sz="1013" dirty="0"/>
+              <a:t> </a:t>
+            </a:r>
+            <a:r>
+              <a:rPr lang="en-US" sz="1013" dirty="0" err="1"/>
+              <a:t>можете</a:t>
+            </a:r>
+            <a:r>
+              <a:rPr lang="en-US" sz="1013" dirty="0"/>
+              <a:t> </a:t>
+            </a:r>
+            <a:r>
+              <a:rPr lang="en-US" sz="1013" dirty="0" err="1"/>
+              <a:t>указать</a:t>
+            </a:r>
+            <a:r>
+              <a:rPr lang="en-US" sz="1013" dirty="0"/>
+              <a:t> </a:t>
+            </a:r>
+            <a:r>
+              <a:rPr lang="en-US" sz="1013" dirty="0" err="1"/>
+              <a:t>свое</a:t>
+            </a:r>
+            <a:r>
+              <a:rPr lang="en-US" sz="1013" dirty="0"/>
+              <a:t> </a:t>
+            </a:r>
+            <a:r>
+              <a:rPr lang="en-US" sz="1013" dirty="0" err="1"/>
+              <a:t>имя</a:t>
+            </a:r>
+            <a:r>
+              <a:rPr lang="en-US" sz="1013" dirty="0"/>
+              <a:t> и </a:t>
+            </a:r>
+            <a:r>
+              <a:rPr lang="en-US" sz="1013" dirty="0" err="1"/>
+              <a:t>организацию</a:t>
+            </a:r>
+            <a:r>
+              <a:rPr lang="en-US" sz="1013" dirty="0"/>
+              <a:t> в </a:t>
+            </a:r>
+            <a:r>
+              <a:rPr lang="en-US" sz="1013" dirty="0" err="1"/>
+              <a:t>список</a:t>
+            </a:r>
+            <a:r>
+              <a:rPr lang="en-US" sz="1013" dirty="0"/>
+              <a:t> </a:t>
+            </a:r>
+            <a:r>
+              <a:rPr lang="en-US" sz="1013" dirty="0" err="1"/>
+              <a:t>соавторов</a:t>
+            </a:r>
+            <a:r>
+              <a:rPr lang="en-US" sz="1013" dirty="0"/>
+              <a:t> </a:t>
+            </a:r>
+            <a:r>
+              <a:rPr lang="en-US" sz="1013" dirty="0" err="1"/>
+              <a:t>на</a:t>
+            </a:r>
+            <a:r>
+              <a:rPr lang="en-US" sz="1013" dirty="0"/>
+              <a:t> </a:t>
+            </a:r>
+            <a:r>
+              <a:rPr lang="en-US" sz="1013" dirty="0" err="1"/>
+              <a:t>этой</a:t>
+            </a:r>
+            <a:r>
+              <a:rPr lang="en-US" sz="1013" dirty="0"/>
+              <a:t> </a:t>
+            </a:r>
+            <a:r>
+              <a:rPr lang="en-US" sz="1013" dirty="0" err="1"/>
+              <a:t>странице</a:t>
+            </a:r>
+            <a:r>
+              <a:rPr lang="en-US" sz="1013" dirty="0"/>
+              <a:t> </a:t>
+            </a:r>
+            <a:r>
+              <a:rPr lang="en-US" sz="1013" dirty="0" err="1"/>
+              <a:t>для</a:t>
+            </a:r>
+            <a:r>
+              <a:rPr lang="en-US" sz="1013" dirty="0"/>
+              <a:t> </a:t>
+            </a:r>
+            <a:r>
+              <a:rPr lang="en-US" sz="1013" dirty="0" err="1"/>
+              <a:t>последующих</a:t>
+            </a:r>
+            <a:r>
+              <a:rPr lang="en-US" sz="1013" dirty="0"/>
+              <a:t> </a:t>
+            </a:r>
+            <a:r>
+              <a:rPr lang="en-US" sz="1013" dirty="0" err="1"/>
+              <a:t>публикаций</a:t>
+            </a:r>
+            <a:r>
+              <a:rPr lang="en-US" sz="1013" dirty="0"/>
+              <a:t>.</a:t>
+            </a:r>
+          </a:p>
+          <a:p>
+            <a:endParaRPr sz="1013" dirty="0"/>
+          </a:p>
+          <a:p>
+            <a:r>
+              <a:rPr lang="en-US" sz="1013" dirty="0" err="1"/>
+              <a:t>Первоначальная</a:t>
+            </a:r>
+            <a:r>
+              <a:rPr lang="en-US" sz="1013" dirty="0"/>
+              <a:t> </a:t>
+            </a:r>
+            <a:r>
+              <a:rPr lang="en-US" sz="1013" dirty="0" err="1"/>
+              <a:t>разработка</a:t>
+            </a:r>
+            <a:r>
+              <a:rPr lang="en-US" sz="1013" dirty="0"/>
+              <a:t>: </a:t>
+            </a:r>
+            <a:r>
+              <a:rPr lang="en-US" sz="1013" dirty="0" err="1"/>
+              <a:t>Чарльз</a:t>
+            </a:r>
+            <a:r>
+              <a:rPr lang="en-US" sz="1013" dirty="0"/>
+              <a:t> </a:t>
+            </a:r>
+            <a:r>
+              <a:rPr lang="en-US" sz="1013" dirty="0" err="1"/>
+              <a:t>Северанс</a:t>
+            </a:r>
+            <a:r>
+              <a:rPr lang="en-US" sz="1013" dirty="0"/>
+              <a:t>, </a:t>
+            </a:r>
+            <a:r>
+              <a:rPr lang="en-US" sz="1013" dirty="0" err="1"/>
+              <a:t>Школа</a:t>
+            </a:r>
+            <a:r>
+              <a:rPr lang="en-US" sz="1013" dirty="0"/>
+              <a:t> </a:t>
+            </a:r>
+            <a:r>
+              <a:rPr lang="en-US" sz="1013" dirty="0" err="1"/>
+              <a:t>информации</a:t>
+            </a:r>
+            <a:r>
+              <a:rPr lang="en-US" sz="1013" dirty="0"/>
+              <a:t> </a:t>
+            </a:r>
+            <a:r>
+              <a:rPr lang="en-US" sz="1013" dirty="0" err="1"/>
+              <a:t>Мичиганского</a:t>
+            </a:r>
+            <a:r>
+              <a:rPr lang="en-US" sz="1013" dirty="0"/>
+              <a:t> </a:t>
+            </a:r>
+            <a:r>
+              <a:rPr lang="en-US" sz="1013" dirty="0" err="1"/>
+              <a:t>университета</a:t>
+            </a:r>
+            <a:r>
+              <a:rPr lang="en-US" sz="1013" dirty="0"/>
+              <a:t> </a:t>
+            </a:r>
+          </a:p>
+          <a:p>
+            <a:endParaRPr sz="1013" dirty="0"/>
+          </a:p>
+          <a:p>
+            <a:r>
+              <a:rPr lang="en-US" sz="1013" dirty="0" err="1"/>
+              <a:t>Здесь</a:t>
+            </a:r>
+            <a:r>
+              <a:rPr lang="en-US" sz="1013" dirty="0"/>
+              <a:t> </a:t>
+            </a:r>
+            <a:r>
+              <a:rPr lang="en-US" sz="1013" dirty="0" err="1"/>
+              <a:t>впишите</a:t>
+            </a:r>
+            <a:r>
+              <a:rPr lang="en-US" sz="1013" dirty="0"/>
+              <a:t> </a:t>
+            </a:r>
+            <a:r>
+              <a:rPr lang="en-US" sz="1013" dirty="0" err="1"/>
+              <a:t>дополнительных</a:t>
+            </a:r>
+            <a:r>
+              <a:rPr lang="en-US" sz="1013" dirty="0"/>
+              <a:t> </a:t>
+            </a:r>
+            <a:r>
+              <a:rPr lang="en-US" sz="1013" dirty="0" err="1"/>
+              <a:t>авторов</a:t>
+            </a:r>
+            <a:r>
+              <a:rPr lang="en-US" sz="1013" dirty="0"/>
+              <a:t> и </a:t>
+            </a:r>
+            <a:r>
+              <a:rPr lang="en-US" sz="1013" dirty="0" err="1"/>
+              <a:t>переводчиков</a:t>
+            </a:r>
+            <a:r>
+              <a:rPr lang="en-US" sz="1013" dirty="0"/>
+              <a:t>...</a:t>
+            </a:r>
+          </a:p>
+          <a:p>
+            <a:endParaRPr sz="1013" dirty="0"/>
+          </a:p>
+          <a:p>
+            <a:pPr>
               <a:buClr>
-                <a:schemeClr val="lt1"/>
+                <a:srgbClr val="000000"/>
               </a:buClr>
-              <a:buSzPct val="100000"/>
-              <a:buFont typeface="Cabin"/>
-              <a:buChar char="•"/>
             </a:pPr>
-            <a:r>
-              <a:rPr lang="en-US" sz="1800" dirty="0" err="1">
-                <a:latin typeface="Cabin"/>
-                <a:ea typeface="Cabin"/>
-                <a:cs typeface="Cabin"/>
-                <a:sym typeface="Cabin"/>
-              </a:rPr>
-              <a:t>Некоторые</a:t>
-            </a:r>
-            <a:r>
-              <a:rPr lang="en-US" sz="1800" dirty="0">
-                <a:latin typeface="Cabin"/>
-                <a:ea typeface="Cabin"/>
-                <a:cs typeface="Cabin"/>
-                <a:sym typeface="Cabin"/>
-              </a:rPr>
-              <a:t> </a:t>
-            </a:r>
-            <a:r>
-              <a:rPr lang="en-US" sz="1800" b="1" dirty="0" err="1">
-                <a:latin typeface="Cabin"/>
-                <a:ea typeface="Cabin"/>
-                <a:cs typeface="Cabin"/>
-                <a:sym typeface="Cabin"/>
-              </a:rPr>
-              <a:t>операции</a:t>
-            </a:r>
-            <a:r>
-              <a:rPr lang="en-US" sz="1800" dirty="0">
-                <a:solidFill>
-                  <a:schemeClr val="lt1"/>
-                </a:solidFill>
-                <a:latin typeface="Cabin"/>
-                <a:ea typeface="Cabin"/>
-                <a:cs typeface="Cabin"/>
-                <a:sym typeface="Cabin"/>
-              </a:rPr>
-              <a:t> </a:t>
-            </a:r>
-            <a:r>
-              <a:rPr lang="en-US" sz="1800" dirty="0" err="1">
-                <a:latin typeface="Cabin"/>
-                <a:ea typeface="Cabin"/>
-                <a:cs typeface="Cabin"/>
-                <a:sym typeface="Cabin"/>
-              </a:rPr>
-              <a:t>применимы</a:t>
-            </a:r>
-            <a:r>
-              <a:rPr lang="en-US" sz="1800" dirty="0">
-                <a:latin typeface="Cabin"/>
-                <a:ea typeface="Cabin"/>
-                <a:cs typeface="Cabin"/>
-                <a:sym typeface="Cabin"/>
-              </a:rPr>
-              <a:t> к </a:t>
-            </a:r>
-            <a:r>
-              <a:rPr lang="en-US" sz="1800" dirty="0" err="1">
-                <a:latin typeface="Cabin"/>
-                <a:ea typeface="Cabin"/>
-                <a:cs typeface="Cabin"/>
-                <a:sym typeface="Cabin"/>
-              </a:rPr>
-              <a:t>строкам</a:t>
-            </a:r>
-            <a:endParaRPr lang="en-US" sz="1800" dirty="0">
-              <a:latin typeface="Cabin"/>
-              <a:ea typeface="Cabin"/>
-              <a:cs typeface="Cabin"/>
-              <a:sym typeface="Cabin"/>
-            </a:endParaRPr>
-          </a:p>
-          <a:p>
-            <a:pPr marL="546426" lvl="1" indent="0">
-              <a:spcBef>
-                <a:spcPts val="1294"/>
-              </a:spcBef>
-              <a:buClr>
-                <a:schemeClr val="accent5"/>
-              </a:buClr>
-              <a:buSzPct val="100000"/>
-              <a:buNone/>
-            </a:pPr>
-            <a:r>
-              <a:rPr lang="en-US" sz="1800" dirty="0">
-                <a:latin typeface="Cabin"/>
-                <a:ea typeface="Cabin"/>
-                <a:cs typeface="Cabin"/>
-                <a:sym typeface="Cabin"/>
-              </a:rPr>
-              <a:t>+</a:t>
-            </a:r>
-            <a:r>
-              <a:rPr lang="en-US" sz="1800" dirty="0">
-                <a:solidFill>
-                  <a:schemeClr val="accent5"/>
-                </a:solidFill>
-                <a:latin typeface="Cabin"/>
-                <a:ea typeface="Cabin"/>
-                <a:cs typeface="Cabin"/>
-                <a:sym typeface="Cabin"/>
-              </a:rPr>
-              <a:t> </a:t>
-            </a:r>
-            <a:r>
-              <a:rPr lang="en-US" sz="1800" dirty="0" err="1">
-                <a:solidFill>
-                  <a:schemeClr val="accent5"/>
-                </a:solidFill>
-                <a:latin typeface="Cabin"/>
-                <a:ea typeface="Cabin"/>
-                <a:cs typeface="Cabin"/>
-                <a:sym typeface="Cabin"/>
-              </a:rPr>
-              <a:t>означает</a:t>
-            </a:r>
-            <a:r>
-              <a:rPr lang="en-US" sz="1800" dirty="0">
-                <a:solidFill>
-                  <a:schemeClr val="accent5"/>
-                </a:solidFill>
-                <a:latin typeface="Cabin"/>
-                <a:ea typeface="Cabin"/>
-                <a:cs typeface="Cabin"/>
-                <a:sym typeface="Cabin"/>
-              </a:rPr>
-              <a:t> </a:t>
-            </a:r>
-            <a:r>
-              <a:rPr lang="en-US" sz="1800" dirty="0">
-                <a:solidFill>
-                  <a:schemeClr val="accent5"/>
-                </a:solidFill>
-                <a:latin typeface="Arial"/>
-                <a:ea typeface="Arial"/>
-                <a:cs typeface="Arial"/>
-                <a:sym typeface="Arial"/>
-              </a:rPr>
-              <a:t>“</a:t>
-            </a:r>
-            <a:r>
-              <a:rPr lang="en-US" sz="1800" dirty="0" err="1">
-                <a:solidFill>
-                  <a:schemeClr val="accent5"/>
-                </a:solidFill>
-                <a:latin typeface="Cabin"/>
-                <a:ea typeface="Cabin"/>
-                <a:cs typeface="Cabin"/>
-                <a:sym typeface="Cabin"/>
-              </a:rPr>
-              <a:t>конкатенацию</a:t>
-            </a:r>
-            <a:r>
-              <a:rPr lang="en-US" sz="1800" dirty="0">
-                <a:solidFill>
-                  <a:schemeClr val="accent5"/>
-                </a:solidFill>
-                <a:latin typeface="Arial"/>
-                <a:ea typeface="Arial"/>
-                <a:cs typeface="Arial"/>
-                <a:sym typeface="Arial"/>
-              </a:rPr>
-              <a:t>”</a:t>
-            </a:r>
-          </a:p>
-          <a:p>
-            <a:pPr marL="546426" lvl="1" indent="0">
-              <a:spcBef>
-                <a:spcPts val="1294"/>
-              </a:spcBef>
-              <a:buClr>
-                <a:schemeClr val="accent5"/>
-              </a:buClr>
-              <a:buSzPct val="100000"/>
-              <a:buNone/>
-            </a:pPr>
-            <a:r>
-              <a:rPr lang="en-US" sz="1800" dirty="0">
-                <a:latin typeface="Cabin"/>
-                <a:ea typeface="Cabin"/>
-                <a:cs typeface="Cabin"/>
-                <a:sym typeface="Cabin"/>
-              </a:rPr>
-              <a:t>*</a:t>
-            </a:r>
-            <a:r>
-              <a:rPr lang="en-US" sz="1800" dirty="0">
-                <a:solidFill>
-                  <a:schemeClr val="accent5"/>
-                </a:solidFill>
-                <a:latin typeface="Cabin"/>
-                <a:ea typeface="Cabin"/>
-                <a:cs typeface="Cabin"/>
-                <a:sym typeface="Cabin"/>
-              </a:rPr>
-              <a:t> </a:t>
-            </a:r>
-            <a:r>
-              <a:rPr lang="en-US" sz="1800" dirty="0" err="1">
-                <a:solidFill>
-                  <a:schemeClr val="accent5"/>
-                </a:solidFill>
-                <a:latin typeface="Cabin"/>
-                <a:ea typeface="Cabin"/>
-                <a:cs typeface="Cabin"/>
-                <a:sym typeface="Cabin"/>
-              </a:rPr>
-              <a:t>означает</a:t>
-            </a:r>
-            <a:r>
-              <a:rPr lang="en-US" sz="1800" dirty="0">
-                <a:solidFill>
-                  <a:schemeClr val="accent5"/>
-                </a:solidFill>
-                <a:latin typeface="Cabin"/>
-                <a:ea typeface="Cabin"/>
-                <a:cs typeface="Cabin"/>
-                <a:sym typeface="Cabin"/>
-              </a:rPr>
-              <a:t> </a:t>
-            </a:r>
-            <a:r>
-              <a:rPr lang="en-US" sz="1800" dirty="0">
-                <a:solidFill>
-                  <a:schemeClr val="accent5"/>
-                </a:solidFill>
-                <a:latin typeface="Arial"/>
-                <a:ea typeface="Arial"/>
-                <a:cs typeface="Arial"/>
-                <a:sym typeface="Arial"/>
-              </a:rPr>
-              <a:t>“</a:t>
-            </a:r>
-            <a:r>
-              <a:rPr lang="en-US" sz="1800" dirty="0" err="1">
-                <a:solidFill>
-                  <a:schemeClr val="accent5"/>
-                </a:solidFill>
-                <a:latin typeface="Cabin"/>
-                <a:ea typeface="Cabin"/>
-                <a:cs typeface="Cabin"/>
-                <a:sym typeface="Cabin"/>
-              </a:rPr>
-              <a:t>несколько</a:t>
-            </a:r>
-            <a:r>
-              <a:rPr lang="en-US" sz="1800" dirty="0">
-                <a:solidFill>
-                  <a:schemeClr val="accent5"/>
-                </a:solidFill>
-                <a:latin typeface="Cabin"/>
-                <a:ea typeface="Cabin"/>
-                <a:cs typeface="Cabin"/>
-                <a:sym typeface="Cabin"/>
-              </a:rPr>
-              <a:t> </a:t>
-            </a:r>
-            <a:r>
-              <a:rPr lang="en-US" sz="1800" dirty="0" err="1">
-                <a:solidFill>
-                  <a:schemeClr val="accent5"/>
-                </a:solidFill>
-                <a:latin typeface="Cabin"/>
-                <a:ea typeface="Cabin"/>
-                <a:cs typeface="Cabin"/>
-                <a:sym typeface="Cabin"/>
-              </a:rPr>
-              <a:t>конкатенаций</a:t>
-            </a:r>
-            <a:r>
-              <a:rPr lang="en-US" sz="1800" dirty="0">
-                <a:solidFill>
-                  <a:schemeClr val="accent5"/>
-                </a:solidFill>
-                <a:latin typeface="Arial"/>
-                <a:ea typeface="Arial"/>
-                <a:cs typeface="Arial"/>
-                <a:sym typeface="Arial"/>
-              </a:rPr>
-              <a:t>”</a:t>
-            </a:r>
-          </a:p>
-          <a:p>
-            <a:pPr marL="621506" indent="-325112">
-              <a:spcBef>
-                <a:spcPts val="1294"/>
-              </a:spcBef>
-              <a:buClr>
-                <a:schemeClr val="lt1"/>
-              </a:buClr>
-              <a:buSzPct val="100000"/>
-              <a:buFont typeface="Cabin"/>
-              <a:buChar char="•"/>
-            </a:pPr>
-            <a:r>
-              <a:rPr lang="en-US" sz="1800" dirty="0">
-                <a:latin typeface="Cabin"/>
-                <a:ea typeface="Cabin"/>
-                <a:cs typeface="Cabin"/>
-                <a:sym typeface="Cabin"/>
-              </a:rPr>
-              <a:t>Python </a:t>
-            </a:r>
-            <a:r>
-              <a:rPr lang="en-US" sz="1800" dirty="0" err="1">
-                <a:latin typeface="Cabin"/>
-                <a:ea typeface="Cabin"/>
-                <a:cs typeface="Cabin"/>
-                <a:sym typeface="Cabin"/>
-              </a:rPr>
-              <a:t>знает</a:t>
-            </a:r>
-            <a:r>
-              <a:rPr lang="en-US" sz="1800" dirty="0">
-                <a:latin typeface="Cabin"/>
-                <a:ea typeface="Cabin"/>
-                <a:cs typeface="Cabin"/>
-                <a:sym typeface="Cabin"/>
-              </a:rPr>
-              <a:t> </a:t>
-            </a:r>
-            <a:r>
-              <a:rPr lang="en-US" sz="1800" dirty="0" err="1">
-                <a:latin typeface="Cabin"/>
-                <a:ea typeface="Cabin"/>
-                <a:cs typeface="Cabin"/>
-                <a:sym typeface="Cabin"/>
-              </a:rPr>
-              <a:t>разницу</a:t>
-            </a:r>
-            <a:r>
-              <a:rPr lang="en-US" sz="1800" dirty="0">
-                <a:latin typeface="Cabin"/>
-                <a:ea typeface="Cabin"/>
-                <a:cs typeface="Cabin"/>
-                <a:sym typeface="Cabin"/>
-              </a:rPr>
-              <a:t> </a:t>
-            </a:r>
-            <a:r>
-              <a:rPr lang="en-US" sz="1800" dirty="0" err="1">
-                <a:latin typeface="Cabin"/>
-                <a:ea typeface="Cabin"/>
-                <a:cs typeface="Cabin"/>
-                <a:sym typeface="Cabin"/>
-              </a:rPr>
-              <a:t>между</a:t>
-            </a:r>
-            <a:r>
-              <a:rPr lang="en-US" sz="1800" dirty="0">
-                <a:latin typeface="Cabin"/>
-                <a:ea typeface="Cabin"/>
-                <a:cs typeface="Cabin"/>
-                <a:sym typeface="Cabin"/>
-              </a:rPr>
-              <a:t> </a:t>
-            </a:r>
-            <a:r>
-              <a:rPr lang="en-US" sz="1800" dirty="0" err="1">
-                <a:latin typeface="Cabin"/>
-                <a:ea typeface="Cabin"/>
-                <a:cs typeface="Cabin"/>
-                <a:sym typeface="Cabin"/>
-              </a:rPr>
-              <a:t>строкой</a:t>
-            </a:r>
-            <a:r>
-              <a:rPr lang="en-US" sz="1800" dirty="0">
-                <a:latin typeface="Cabin"/>
-                <a:ea typeface="Cabin"/>
-                <a:cs typeface="Cabin"/>
-                <a:sym typeface="Cabin"/>
-              </a:rPr>
-              <a:t> и </a:t>
-            </a:r>
-            <a:r>
-              <a:rPr lang="en-US" sz="1800" dirty="0" err="1">
-                <a:latin typeface="Cabin"/>
-                <a:ea typeface="Cabin"/>
-                <a:cs typeface="Cabin"/>
-                <a:sym typeface="Cabin"/>
-              </a:rPr>
-              <a:t>числом</a:t>
-            </a:r>
-            <a:r>
-              <a:rPr lang="en-US" sz="1800" dirty="0">
-                <a:latin typeface="Cabin"/>
-                <a:ea typeface="Cabin"/>
-                <a:cs typeface="Cabin"/>
-                <a:sym typeface="Cabin"/>
-              </a:rPr>
-              <a:t> и в </a:t>
-            </a:r>
-            <a:r>
-              <a:rPr lang="en-US" sz="1800" dirty="0" err="1">
-                <a:latin typeface="Cabin"/>
-                <a:ea typeface="Cabin"/>
-                <a:cs typeface="Cabin"/>
-                <a:sym typeface="Cabin"/>
-              </a:rPr>
-              <a:t>соответствии</a:t>
-            </a:r>
-            <a:r>
-              <a:rPr lang="en-US" sz="1800" dirty="0">
-                <a:latin typeface="Cabin"/>
-                <a:ea typeface="Cabin"/>
-                <a:cs typeface="Cabin"/>
-                <a:sym typeface="Cabin"/>
-              </a:rPr>
-              <a:t> с </a:t>
-            </a:r>
-            <a:r>
-              <a:rPr lang="en-US" sz="1800" dirty="0" err="1">
-                <a:latin typeface="Cabin"/>
-                <a:ea typeface="Cabin"/>
-                <a:cs typeface="Cabin"/>
-                <a:sym typeface="Cabin"/>
-              </a:rPr>
-              <a:t>этим</a:t>
-            </a:r>
-            <a:r>
-              <a:rPr lang="en-US" sz="1800" dirty="0">
-                <a:latin typeface="Cabin"/>
-                <a:ea typeface="Cabin"/>
-                <a:cs typeface="Cabin"/>
-                <a:sym typeface="Cabin"/>
-              </a:rPr>
-              <a:t> </a:t>
-            </a:r>
-            <a:r>
-              <a:rPr lang="en-US" sz="1800" dirty="0" err="1">
-                <a:latin typeface="Cabin"/>
-                <a:ea typeface="Cabin"/>
-                <a:cs typeface="Cabin"/>
-                <a:sym typeface="Cabin"/>
-              </a:rPr>
-              <a:t>выполняет</a:t>
-            </a:r>
-            <a:r>
-              <a:rPr lang="en-US" sz="1800" dirty="0">
-                <a:latin typeface="Cabin"/>
-                <a:ea typeface="Cabin"/>
-                <a:cs typeface="Cabin"/>
-                <a:sym typeface="Cabin"/>
-              </a:rPr>
-              <a:t> </a:t>
-            </a:r>
-            <a:r>
-              <a:rPr lang="en-US" sz="1800" dirty="0" err="1">
-                <a:latin typeface="Cabin"/>
-                <a:ea typeface="Cabin"/>
-                <a:cs typeface="Cabin"/>
-                <a:sym typeface="Cabin"/>
-              </a:rPr>
-              <a:t>все</a:t>
-            </a:r>
-            <a:r>
-              <a:rPr lang="en-US" sz="1800" dirty="0">
-                <a:latin typeface="Cabin"/>
-                <a:ea typeface="Cabin"/>
-                <a:cs typeface="Cabin"/>
-                <a:sym typeface="Cabin"/>
-              </a:rPr>
-              <a:t> </a:t>
-            </a:r>
-            <a:r>
-              <a:rPr lang="en-US" sz="1800" dirty="0" err="1">
-                <a:latin typeface="Cabin"/>
-                <a:ea typeface="Cabin"/>
-                <a:cs typeface="Cabin"/>
-                <a:sym typeface="Cabin"/>
-              </a:rPr>
-              <a:t>операции</a:t>
-            </a:r>
-            <a:endParaRPr lang="en-US" sz="1800" dirty="0">
-              <a:latin typeface="Cabin"/>
-              <a:ea typeface="Cabin"/>
-              <a:cs typeface="Cabin"/>
-              <a:sym typeface="Cabin"/>
-            </a:endParaRPr>
+            <a:endParaRPr sz="1013" dirty="0"/>
+          </a:p>
+          <a:p>
+            <a:endParaRPr sz="1013" dirty="0"/>
           </a:p>
         </p:txBody>
       </p:sp>
-      <p:pic>
-        <p:nvPicPr>
-          <p:cNvPr id="2" name="Рисунок 1"/>
-          <p:cNvPicPr>
-            <a:picLocks noChangeAspect="1"/>
-          </p:cNvPicPr>
-          <p:nvPr/>
-        </p:nvPicPr>
-        <p:blipFill rotWithShape="1">
-          <a:blip r:embed="rId3"/>
-          <a:srcRect l="55124" t="73199" r="30308" b="14901"/>
-          <a:stretch/>
-        </p:blipFill>
-        <p:spPr>
-          <a:xfrm>
-            <a:off x="3059832" y="4581128"/>
-            <a:ext cx="3761359" cy="1728192"/>
-          </a:xfrm>
-          <a:prstGeom prst="rect">
-            <a:avLst/>
-          </a:prstGeom>
-        </p:spPr>
-      </p:pic>
-    </p:spTree>
-    <p:extLst>
-      <p:ext uri="{BB962C8B-B14F-4D97-AF65-F5344CB8AC3E}">
-        <p14:creationId xmlns:p14="http://schemas.microsoft.com/office/powerpoint/2010/main" val="638381637"/>
-      </p:ext>
-    </p:extLst>
-  </p:cSld>
-  <p:clrMapOvr>
-    <a:masterClrMapping/>
-  </p:clrMapOvr>
-</p:sld>
-</file>
-
-<file path=ppt/slides/slide32.xml><?xml version="1.0" encoding="utf-8"?>
-<p:sld xmlns:a="http://schemas.openxmlformats.org/drawingml/2006/main" xmlns:r="http://schemas.openxmlformats.org/officeDocument/2006/relationships" xmlns:p="http://schemas.openxmlformats.org/presentationml/2006/main">
-  <p:cSld>
-    <p:spTree>
-      <p:nvGrpSpPr>
-        <p:cNvPr id="1" name="Shape 505"/>
-        <p:cNvGrpSpPr/>
-        <p:nvPr/>
-      </p:nvGrpSpPr>
-      <p:grpSpPr>
-        <a:xfrm>
-          <a:off x="0" y="0"/>
-          <a:ext cx="0" cy="0"/>
-          <a:chOff x="0" y="0"/>
-          <a:chExt cx="0" cy="0"/>
-        </a:xfrm>
-      </p:grpSpPr>
       <p:sp>
         <p:nvSpPr>
-          <p:cNvPr id="506" name="Shape 506"/>
-          <p:cNvSpPr txBox="1">
-            <a:spLocks noGrp="1"/>
-          </p:cNvSpPr>
-          <p:nvPr>
-            <p:ph type="title"/>
-          </p:nvPr>
+          <p:cNvPr id="664" name="Shape 664"/>
+          <p:cNvSpPr txBox="1"/>
+          <p:nvPr/>
         </p:nvSpPr>
         <p:spPr>
           <a:xfrm>
-            <a:off x="1016644" y="116632"/>
-            <a:ext cx="7443787" cy="1285875"/>
+            <a:off x="650081" y="992981"/>
+            <a:ext cx="7836750" cy="456469"/>
           </a:xfrm>
           <a:prstGeom prst="rect">
             <a:avLst/>
@@ -22174,1995 +21810,27 @@
           </a:ln>
         </p:spPr>
         <p:txBody>
-          <a:bodyPr vert="horz" lIns="28575" tIns="28575" rIns="28575" bIns="28575" rtlCol="0" anchor="ctr" anchorCtr="0">
+          <a:bodyPr lIns="51427" tIns="51427" rIns="51427" bIns="51427" anchor="ctr" anchorCtr="0">
             <a:noAutofit/>
           </a:bodyPr>
           <a:lstStyle/>
           <a:p>
-            <a:pPr>
-              <a:spcBef>
-                <a:spcPts val="0"/>
-              </a:spcBef>
-              <a:buClr>
-                <a:srgbClr val="00FF00"/>
-              </a:buClr>
-              <a:buSzPct val="25000"/>
-            </a:pPr>
-            <a:r>
-              <a:rPr lang="ru-RU" sz="3938" dirty="0" smtClean="0">
-                <a:latin typeface="Cabin"/>
-                <a:ea typeface="Cabin"/>
-                <a:cs typeface="Cabin"/>
-                <a:sym typeface="Cabin"/>
-              </a:rPr>
-              <a:t>И</a:t>
-            </a:r>
-            <a:r>
-              <a:rPr lang="en-US" sz="3938" dirty="0" err="1" smtClean="0">
-                <a:latin typeface="Cabin"/>
-                <a:ea typeface="Cabin"/>
-                <a:cs typeface="Cabin"/>
-                <a:sym typeface="Cabin"/>
-              </a:rPr>
-              <a:t>мена</a:t>
-            </a:r>
-            <a:r>
-              <a:rPr lang="en-US" sz="3938" dirty="0" smtClean="0">
-                <a:latin typeface="Cabin"/>
-                <a:ea typeface="Cabin"/>
-                <a:cs typeface="Cabin"/>
-                <a:sym typeface="Cabin"/>
-              </a:rPr>
-              <a:t> </a:t>
-            </a:r>
-            <a:r>
-              <a:rPr lang="en-US" sz="3938" dirty="0" err="1">
-                <a:latin typeface="Cabin"/>
-                <a:ea typeface="Cabin"/>
-                <a:cs typeface="Cabin"/>
-                <a:sym typeface="Cabin"/>
-              </a:rPr>
-              <a:t>переменных</a:t>
-            </a:r>
-            <a:endParaRPr lang="en-US" sz="3938" dirty="0">
-              <a:latin typeface="Cabin"/>
-              <a:ea typeface="Cabin"/>
-              <a:cs typeface="Cabin"/>
-              <a:sym typeface="Cabin"/>
-            </a:endParaRPr>
-          </a:p>
-        </p:txBody>
-      </p:sp>
-      <p:sp>
-        <p:nvSpPr>
-          <p:cNvPr id="507" name="Shape 507"/>
-          <p:cNvSpPr txBox="1">
-            <a:spLocks noGrp="1"/>
-          </p:cNvSpPr>
-          <p:nvPr>
-            <p:ph type="body" idx="1"/>
-          </p:nvPr>
-        </p:nvSpPr>
-        <p:spPr>
-          <a:xfrm>
-            <a:off x="701117" y="1906563"/>
-            <a:ext cx="7975339" cy="3169003"/>
-          </a:xfrm>
-          <a:prstGeom prst="rect">
-            <a:avLst/>
-          </a:prstGeom>
-          <a:noFill/>
-          <a:ln>
-            <a:noFill/>
-          </a:ln>
-        </p:spPr>
-        <p:txBody>
-          <a:bodyPr vert="horz" lIns="28575" tIns="28575" rIns="28575" bIns="28575" rtlCol="0" anchor="ctr" anchorCtr="0">
-            <a:noAutofit/>
-          </a:bodyPr>
-          <a:lstStyle/>
-          <a:p>
-            <a:pPr marL="621506" indent="-325112">
-              <a:spcBef>
-                <a:spcPts val="0"/>
-              </a:spcBef>
-              <a:buClr>
-                <a:schemeClr val="lt1"/>
-              </a:buClr>
-              <a:buSzPct val="100000"/>
-              <a:buFont typeface="Cabin"/>
-              <a:buChar char="•"/>
-            </a:pPr>
-            <a:r>
-              <a:rPr lang="en-US" sz="2400" dirty="0" err="1">
-                <a:latin typeface="Cabin"/>
-                <a:ea typeface="Cabin"/>
-                <a:cs typeface="Cabin"/>
-                <a:sym typeface="Cabin"/>
-              </a:rPr>
-              <a:t>Так</a:t>
-            </a:r>
-            <a:r>
-              <a:rPr lang="en-US" sz="2400" dirty="0">
-                <a:latin typeface="Cabin"/>
-                <a:ea typeface="Cabin"/>
-                <a:cs typeface="Cabin"/>
-                <a:sym typeface="Cabin"/>
-              </a:rPr>
-              <a:t> </a:t>
-            </a:r>
-            <a:r>
-              <a:rPr lang="en-US" sz="2400" dirty="0" err="1">
-                <a:latin typeface="Cabin"/>
-                <a:ea typeface="Cabin"/>
-                <a:cs typeface="Cabin"/>
-                <a:sym typeface="Cabin"/>
-              </a:rPr>
-              <a:t>как</a:t>
-            </a:r>
-            <a:r>
-              <a:rPr lang="en-US" sz="2400" dirty="0">
-                <a:latin typeface="Cabin"/>
-                <a:ea typeface="Cabin"/>
-                <a:cs typeface="Cabin"/>
-                <a:sym typeface="Cabin"/>
-              </a:rPr>
-              <a:t> </a:t>
-            </a:r>
-            <a:r>
-              <a:rPr lang="en-US" sz="2400" dirty="0" err="1">
-                <a:latin typeface="Cabin"/>
-                <a:ea typeface="Cabin"/>
-                <a:cs typeface="Cabin"/>
-                <a:sym typeface="Cabin"/>
-              </a:rPr>
-              <a:t>программисты</a:t>
-            </a:r>
-            <a:r>
-              <a:rPr lang="en-US" sz="2400" dirty="0">
-                <a:latin typeface="Cabin"/>
-                <a:ea typeface="Cabin"/>
-                <a:cs typeface="Cabin"/>
-                <a:sym typeface="Cabin"/>
-              </a:rPr>
-              <a:t> </a:t>
-            </a:r>
-            <a:r>
-              <a:rPr lang="en-US" sz="2400" dirty="0" err="1">
-                <a:latin typeface="Cabin"/>
-                <a:ea typeface="Cabin"/>
-                <a:cs typeface="Cabin"/>
-                <a:sym typeface="Cabin"/>
-              </a:rPr>
-              <a:t>сами</a:t>
-            </a:r>
-            <a:r>
-              <a:rPr lang="en-US" sz="2400" dirty="0">
-                <a:latin typeface="Cabin"/>
-                <a:ea typeface="Cabin"/>
-                <a:cs typeface="Cabin"/>
-                <a:sym typeface="Cabin"/>
-              </a:rPr>
-              <a:t> </a:t>
-            </a:r>
-            <a:r>
-              <a:rPr lang="en-US" sz="2400" dirty="0" err="1">
-                <a:latin typeface="Cabin"/>
-                <a:ea typeface="Cabin"/>
-                <a:cs typeface="Cabin"/>
-                <a:sym typeface="Cabin"/>
-              </a:rPr>
-              <a:t>выбирают</a:t>
-            </a:r>
-            <a:r>
-              <a:rPr lang="en-US" sz="2400" dirty="0">
-                <a:latin typeface="Cabin"/>
-                <a:ea typeface="Cabin"/>
-                <a:cs typeface="Cabin"/>
-                <a:sym typeface="Cabin"/>
-              </a:rPr>
-              <a:t> </a:t>
-            </a:r>
-            <a:r>
-              <a:rPr lang="en-US" sz="2400" dirty="0" err="1">
-                <a:latin typeface="Cabin"/>
-                <a:ea typeface="Cabin"/>
-                <a:cs typeface="Cabin"/>
-                <a:sym typeface="Cabin"/>
-              </a:rPr>
-              <a:t>имена</a:t>
-            </a:r>
-            <a:r>
-              <a:rPr lang="en-US" sz="2400" dirty="0">
-                <a:latin typeface="Cabin"/>
-                <a:ea typeface="Cabin"/>
-                <a:cs typeface="Cabin"/>
-                <a:sym typeface="Cabin"/>
-              </a:rPr>
-              <a:t> </a:t>
-            </a:r>
-            <a:r>
-              <a:rPr lang="en-US" sz="2400" dirty="0" err="1">
-                <a:latin typeface="Cabin"/>
-                <a:ea typeface="Cabin"/>
-                <a:cs typeface="Cabin"/>
-                <a:sym typeface="Cabin"/>
-              </a:rPr>
-              <a:t>переменных</a:t>
-            </a:r>
-            <a:r>
-              <a:rPr lang="en-US" sz="2400" dirty="0">
-                <a:latin typeface="Cabin"/>
-                <a:ea typeface="Cabin"/>
-                <a:cs typeface="Cabin"/>
-                <a:sym typeface="Cabin"/>
-              </a:rPr>
-              <a:t>, </a:t>
-            </a:r>
-            <a:r>
-              <a:rPr lang="en-US" sz="2400" dirty="0" err="1">
-                <a:latin typeface="Cabin"/>
-                <a:ea typeface="Cabin"/>
-                <a:cs typeface="Cabin"/>
-                <a:sym typeface="Cabin"/>
-              </a:rPr>
-              <a:t>есть</a:t>
-            </a:r>
-            <a:r>
-              <a:rPr lang="en-US" sz="2400" dirty="0">
-                <a:latin typeface="Cabin"/>
-                <a:ea typeface="Cabin"/>
-                <a:cs typeface="Cabin"/>
-                <a:sym typeface="Cabin"/>
-              </a:rPr>
-              <a:t> </a:t>
-            </a:r>
-            <a:r>
-              <a:rPr lang="en-US" sz="2400" dirty="0" err="1">
-                <a:latin typeface="Cabin"/>
-                <a:ea typeface="Cabin"/>
-                <a:cs typeface="Cabin"/>
-                <a:sym typeface="Cabin"/>
-              </a:rPr>
-              <a:t>несколько</a:t>
-            </a:r>
-            <a:r>
-              <a:rPr lang="en-US" sz="2400" dirty="0">
-                <a:latin typeface="Cabin"/>
-                <a:ea typeface="Cabin"/>
-                <a:cs typeface="Cabin"/>
-                <a:sym typeface="Cabin"/>
-              </a:rPr>
-              <a:t> </a:t>
-            </a:r>
-            <a:r>
-              <a:rPr lang="en-US" sz="2400" dirty="0" err="1">
-                <a:latin typeface="Cabin"/>
-                <a:ea typeface="Cabin"/>
-                <a:cs typeface="Cabin"/>
-                <a:sym typeface="Cabin"/>
-              </a:rPr>
-              <a:t>общих</a:t>
-            </a:r>
-            <a:r>
-              <a:rPr lang="en-US" sz="2400" dirty="0">
-                <a:latin typeface="Cabin"/>
-                <a:ea typeface="Cabin"/>
-                <a:cs typeface="Cabin"/>
-                <a:sym typeface="Cabin"/>
-              </a:rPr>
-              <a:t> “</a:t>
-            </a:r>
-            <a:r>
-              <a:rPr lang="en-US" sz="2400" dirty="0" err="1">
-                <a:latin typeface="Cabin"/>
-                <a:ea typeface="Cabin"/>
-                <a:cs typeface="Cabin"/>
-                <a:sym typeface="Cabin"/>
-              </a:rPr>
-              <a:t>правил</a:t>
-            </a:r>
-            <a:r>
-              <a:rPr lang="en-US" sz="2400" dirty="0">
-                <a:latin typeface="Cabin"/>
-                <a:ea typeface="Cabin"/>
-                <a:cs typeface="Cabin"/>
-                <a:sym typeface="Cabin"/>
-              </a:rPr>
-              <a:t>” </a:t>
-            </a:r>
-            <a:r>
-              <a:rPr lang="en-US" sz="2400" dirty="0" err="1">
-                <a:latin typeface="Cabin"/>
-                <a:ea typeface="Cabin"/>
-                <a:cs typeface="Cabin"/>
-                <a:sym typeface="Cabin"/>
-              </a:rPr>
-              <a:t>их</a:t>
-            </a:r>
-            <a:r>
-              <a:rPr lang="en-US" sz="2400" dirty="0">
-                <a:latin typeface="Cabin"/>
-                <a:ea typeface="Cabin"/>
-                <a:cs typeface="Cabin"/>
-                <a:sym typeface="Cabin"/>
-              </a:rPr>
-              <a:t> </a:t>
-            </a:r>
-            <a:r>
-              <a:rPr lang="en-US" sz="2400" dirty="0" err="1">
-                <a:latin typeface="Cabin"/>
-                <a:ea typeface="Cabin"/>
-                <a:cs typeface="Cabin"/>
-                <a:sym typeface="Cabin"/>
-              </a:rPr>
-              <a:t>написания</a:t>
-            </a:r>
-            <a:endParaRPr lang="en-US" sz="2400" dirty="0">
-              <a:latin typeface="Cabin"/>
-              <a:ea typeface="Cabin"/>
-              <a:cs typeface="Cabin"/>
-              <a:sym typeface="Cabin"/>
-            </a:endParaRPr>
-          </a:p>
-          <a:p>
-            <a:pPr marL="621506" indent="-325112">
-              <a:spcBef>
-                <a:spcPts val="1294"/>
-              </a:spcBef>
-              <a:buClr>
-                <a:schemeClr val="lt1"/>
-              </a:buClr>
-              <a:buSzPct val="100000"/>
-              <a:buFont typeface="Cabin"/>
-              <a:buChar char="•"/>
-            </a:pPr>
-            <a:r>
-              <a:rPr lang="en-US" sz="2400" dirty="0" err="1">
-                <a:latin typeface="Cabin"/>
-                <a:ea typeface="Cabin"/>
-                <a:cs typeface="Cabin"/>
-                <a:sym typeface="Cabin"/>
-              </a:rPr>
-              <a:t>Мы</a:t>
-            </a:r>
-            <a:r>
-              <a:rPr lang="en-US" sz="2400" dirty="0">
-                <a:latin typeface="Cabin"/>
-                <a:ea typeface="Cabin"/>
-                <a:cs typeface="Cabin"/>
-                <a:sym typeface="Cabin"/>
-              </a:rPr>
-              <a:t> </a:t>
-            </a:r>
-            <a:r>
-              <a:rPr lang="en-US" sz="2400" dirty="0" err="1">
-                <a:latin typeface="Cabin"/>
-                <a:ea typeface="Cabin"/>
-                <a:cs typeface="Cabin"/>
-                <a:sym typeface="Cabin"/>
-              </a:rPr>
-              <a:t>даем</a:t>
-            </a:r>
-            <a:r>
-              <a:rPr lang="en-US" sz="2400" dirty="0">
-                <a:latin typeface="Cabin"/>
-                <a:ea typeface="Cabin"/>
-                <a:cs typeface="Cabin"/>
-                <a:sym typeface="Cabin"/>
-              </a:rPr>
-              <a:t> </a:t>
-            </a:r>
-            <a:r>
-              <a:rPr lang="en-US" sz="2400" dirty="0" err="1">
-                <a:latin typeface="Cabin"/>
-                <a:ea typeface="Cabin"/>
-                <a:cs typeface="Cabin"/>
-                <a:sym typeface="Cabin"/>
-              </a:rPr>
-              <a:t>переменным</a:t>
-            </a:r>
-            <a:r>
-              <a:rPr lang="en-US" sz="2400" dirty="0">
-                <a:latin typeface="Cabin"/>
-                <a:ea typeface="Cabin"/>
-                <a:cs typeface="Cabin"/>
-                <a:sym typeface="Cabin"/>
-              </a:rPr>
-              <a:t> </a:t>
-            </a:r>
-            <a:r>
-              <a:rPr lang="en-US" sz="2400" dirty="0" err="1">
-                <a:latin typeface="Cabin"/>
-                <a:ea typeface="Cabin"/>
-                <a:cs typeface="Cabin"/>
-                <a:sym typeface="Cabin"/>
-              </a:rPr>
-              <a:t>имена</a:t>
-            </a:r>
-            <a:r>
-              <a:rPr lang="en-US" sz="2400" dirty="0">
-                <a:latin typeface="Cabin"/>
-                <a:ea typeface="Cabin"/>
-                <a:cs typeface="Cabin"/>
-                <a:sym typeface="Cabin"/>
-              </a:rPr>
-              <a:t>, </a:t>
-            </a:r>
-            <a:r>
-              <a:rPr lang="en-US" sz="2400" dirty="0" err="1">
-                <a:latin typeface="Cabin"/>
-                <a:ea typeface="Cabin"/>
-                <a:cs typeface="Cabin"/>
-                <a:sym typeface="Cabin"/>
-              </a:rPr>
-              <a:t>помогающие</a:t>
-            </a:r>
-            <a:r>
-              <a:rPr lang="en-US" sz="2400" dirty="0">
-                <a:latin typeface="Cabin"/>
-                <a:ea typeface="Cabin"/>
-                <a:cs typeface="Cabin"/>
-                <a:sym typeface="Cabin"/>
-              </a:rPr>
-              <a:t> </a:t>
-            </a:r>
-            <a:r>
-              <a:rPr lang="en-US" sz="2400" dirty="0" err="1">
-                <a:latin typeface="Cabin"/>
-                <a:ea typeface="Cabin"/>
-                <a:cs typeface="Cabin"/>
-                <a:sym typeface="Cabin"/>
-              </a:rPr>
-              <a:t>помнить</a:t>
-            </a:r>
-            <a:r>
-              <a:rPr lang="en-US" sz="2400" dirty="0">
-                <a:latin typeface="Cabin"/>
-                <a:ea typeface="Cabin"/>
-                <a:cs typeface="Cabin"/>
-                <a:sym typeface="Cabin"/>
-              </a:rPr>
-              <a:t> </a:t>
-            </a:r>
-            <a:r>
-              <a:rPr lang="en-US" sz="2400" dirty="0" err="1">
-                <a:latin typeface="Cabin"/>
-                <a:ea typeface="Cabin"/>
-                <a:cs typeface="Cabin"/>
-                <a:sym typeface="Cabin"/>
-              </a:rPr>
-              <a:t>назначение</a:t>
-            </a:r>
-            <a:r>
-              <a:rPr lang="en-US" sz="2400" dirty="0">
-                <a:latin typeface="Cabin"/>
-                <a:ea typeface="Cabin"/>
-                <a:cs typeface="Cabin"/>
-                <a:sym typeface="Cabin"/>
-              </a:rPr>
-              <a:t> </a:t>
-            </a:r>
-            <a:r>
-              <a:rPr lang="en-US" sz="2400" dirty="0" err="1">
-                <a:latin typeface="Cabin"/>
-                <a:ea typeface="Cabin"/>
-                <a:cs typeface="Cabin"/>
-                <a:sym typeface="Cabin"/>
-              </a:rPr>
-              <a:t>данных</a:t>
-            </a:r>
-            <a:r>
-              <a:rPr lang="en-US" sz="2400" dirty="0">
-                <a:latin typeface="Cabin"/>
-                <a:ea typeface="Cabin"/>
-                <a:cs typeface="Cabin"/>
-                <a:sym typeface="Cabin"/>
-              </a:rPr>
-              <a:t>, </a:t>
-            </a:r>
-            <a:r>
-              <a:rPr lang="en-US" sz="2400" dirty="0" err="1">
-                <a:latin typeface="Cabin"/>
-                <a:ea typeface="Cabin"/>
-                <a:cs typeface="Cabin"/>
-                <a:sym typeface="Cabin"/>
-              </a:rPr>
-              <a:t>на</a:t>
-            </a:r>
-            <a:r>
-              <a:rPr lang="en-US" sz="2400" dirty="0">
-                <a:latin typeface="Cabin"/>
-                <a:ea typeface="Cabin"/>
-                <a:cs typeface="Cabin"/>
-                <a:sym typeface="Cabin"/>
-              </a:rPr>
-              <a:t> </a:t>
-            </a:r>
-            <a:r>
-              <a:rPr lang="en-US" sz="2400" dirty="0" err="1">
-                <a:latin typeface="Cabin"/>
-                <a:ea typeface="Cabin"/>
-                <a:cs typeface="Cabin"/>
-                <a:sym typeface="Cabin"/>
-              </a:rPr>
-              <a:t>которые</a:t>
-            </a:r>
-            <a:r>
-              <a:rPr lang="en-US" sz="2400" dirty="0">
-                <a:latin typeface="Cabin"/>
-                <a:ea typeface="Cabin"/>
-                <a:cs typeface="Cabin"/>
-                <a:sym typeface="Cabin"/>
-              </a:rPr>
-              <a:t> </a:t>
-            </a:r>
-            <a:r>
-              <a:rPr lang="en-US" sz="2400" dirty="0" err="1">
-                <a:latin typeface="Cabin"/>
-                <a:ea typeface="Cabin"/>
-                <a:cs typeface="Cabin"/>
-                <a:sym typeface="Cabin"/>
-              </a:rPr>
-              <a:t>они</a:t>
-            </a:r>
-            <a:r>
-              <a:rPr lang="en-US" sz="2400" dirty="0">
-                <a:latin typeface="Cabin"/>
-                <a:ea typeface="Cabin"/>
-                <a:cs typeface="Cabin"/>
-                <a:sym typeface="Cabin"/>
-              </a:rPr>
-              <a:t> </a:t>
-            </a:r>
-            <a:r>
-              <a:rPr lang="en-US" sz="2400" dirty="0" err="1">
-                <a:latin typeface="Cabin"/>
-                <a:ea typeface="Cabin"/>
-                <a:cs typeface="Cabin"/>
-                <a:sym typeface="Cabin"/>
-              </a:rPr>
-              <a:t>ссылаются</a:t>
-            </a:r>
-            <a:r>
-              <a:rPr lang="en-US" sz="2400" dirty="0">
-                <a:latin typeface="Cabin"/>
-                <a:ea typeface="Cabin"/>
-                <a:cs typeface="Cabin"/>
-                <a:sym typeface="Cabin"/>
-              </a:rPr>
-              <a:t> (“</a:t>
-            </a:r>
-            <a:r>
-              <a:rPr lang="en-US" sz="2400" dirty="0" err="1">
-                <a:latin typeface="Cabin"/>
-                <a:ea typeface="Cabin"/>
-                <a:cs typeface="Cabin"/>
-                <a:sym typeface="Cabin"/>
-              </a:rPr>
-              <a:t>символические</a:t>
-            </a:r>
-            <a:r>
-              <a:rPr lang="en-US" sz="2400" dirty="0">
-                <a:latin typeface="Cabin"/>
-                <a:ea typeface="Cabin"/>
-                <a:cs typeface="Cabin"/>
-                <a:sym typeface="Cabin"/>
-              </a:rPr>
-              <a:t> </a:t>
-            </a:r>
-            <a:r>
-              <a:rPr lang="en-US" sz="2400" dirty="0" err="1">
-                <a:latin typeface="Cabin"/>
-                <a:ea typeface="Cabin"/>
-                <a:cs typeface="Cabin"/>
-                <a:sym typeface="Cabin"/>
-              </a:rPr>
-              <a:t>имена</a:t>
-            </a:r>
-            <a:r>
-              <a:rPr lang="en-US" sz="2400" dirty="0">
-                <a:latin typeface="Cabin"/>
-                <a:ea typeface="Cabin"/>
-                <a:cs typeface="Cabin"/>
-                <a:sym typeface="Cabin"/>
-              </a:rPr>
-              <a:t>” - “</a:t>
-            </a:r>
-            <a:r>
-              <a:rPr lang="en-US" sz="2400" dirty="0" err="1">
-                <a:latin typeface="Cabin"/>
-                <a:ea typeface="Cabin"/>
-                <a:cs typeface="Cabin"/>
-                <a:sym typeface="Cabin"/>
-              </a:rPr>
-              <a:t>памятка</a:t>
-            </a:r>
-            <a:r>
-              <a:rPr lang="en-US" sz="2400" dirty="0">
-                <a:latin typeface="Cabin"/>
-                <a:ea typeface="Cabin"/>
-                <a:cs typeface="Cabin"/>
-                <a:sym typeface="Cabin"/>
-              </a:rPr>
-              <a:t>”)</a:t>
-            </a:r>
-          </a:p>
-          <a:p>
-            <a:pPr marL="621506" indent="-325112">
-              <a:spcBef>
-                <a:spcPts val="1294"/>
-              </a:spcBef>
-              <a:buClr>
-                <a:schemeClr val="lt1"/>
-              </a:buClr>
-              <a:buSzPct val="100000"/>
-              <a:buFont typeface="Cabin"/>
-              <a:buChar char="•"/>
-            </a:pPr>
-            <a:r>
-              <a:rPr lang="en-US" sz="2400" dirty="0" err="1">
-                <a:latin typeface="Cabin"/>
-                <a:ea typeface="Cabin"/>
-                <a:cs typeface="Cabin"/>
-                <a:sym typeface="Cabin"/>
-              </a:rPr>
-              <a:t>Переменные</a:t>
-            </a:r>
-            <a:r>
-              <a:rPr lang="en-US" sz="2400" dirty="0">
-                <a:latin typeface="Cabin"/>
-                <a:ea typeface="Cabin"/>
-                <a:cs typeface="Cabin"/>
-                <a:sym typeface="Cabin"/>
-              </a:rPr>
-              <a:t> с </a:t>
-            </a:r>
-            <a:r>
-              <a:rPr lang="en-US" sz="2400" dirty="0" err="1">
-                <a:latin typeface="Cabin"/>
-                <a:ea typeface="Cabin"/>
-                <a:cs typeface="Cabin"/>
-                <a:sym typeface="Cabin"/>
-              </a:rPr>
-              <a:t>хорошим</a:t>
-            </a:r>
-            <a:r>
-              <a:rPr lang="en-US" sz="2400" dirty="0">
-                <a:latin typeface="Cabin"/>
-                <a:ea typeface="Cabin"/>
-                <a:cs typeface="Cabin"/>
-                <a:sym typeface="Cabin"/>
-              </a:rPr>
-              <a:t> </a:t>
-            </a:r>
-            <a:r>
-              <a:rPr lang="en-US" sz="2400" dirty="0" err="1">
-                <a:latin typeface="Cabin"/>
-                <a:ea typeface="Cabin"/>
-                <a:cs typeface="Cabin"/>
-                <a:sym typeface="Cabin"/>
-              </a:rPr>
-              <a:t>именем</a:t>
-            </a:r>
-            <a:r>
-              <a:rPr lang="en-US" sz="2400" dirty="0">
-                <a:latin typeface="Cabin"/>
-                <a:ea typeface="Cabin"/>
-                <a:cs typeface="Cabin"/>
-                <a:sym typeface="Cabin"/>
-              </a:rPr>
-              <a:t> </a:t>
-            </a:r>
-            <a:r>
-              <a:rPr lang="en-US" sz="2400" dirty="0" err="1">
-                <a:latin typeface="Cabin"/>
-                <a:ea typeface="Cabin"/>
-                <a:cs typeface="Cabin"/>
-                <a:sym typeface="Cabin"/>
-              </a:rPr>
-              <a:t>могут</a:t>
-            </a:r>
-            <a:r>
-              <a:rPr lang="en-US" sz="2400" dirty="0">
-                <a:latin typeface="Cabin"/>
-                <a:ea typeface="Cabin"/>
-                <a:cs typeface="Cabin"/>
-                <a:sym typeface="Cabin"/>
-              </a:rPr>
-              <a:t> </a:t>
-            </a:r>
-            <a:r>
-              <a:rPr lang="en-US" sz="2400" dirty="0" err="1">
-                <a:latin typeface="Cabin"/>
-                <a:ea typeface="Cabin"/>
-                <a:cs typeface="Cabin"/>
-                <a:sym typeface="Cabin"/>
-              </a:rPr>
-              <a:t>смутить</a:t>
-            </a:r>
-            <a:r>
-              <a:rPr lang="en-US" sz="2400" dirty="0">
-                <a:latin typeface="Cabin"/>
-                <a:ea typeface="Cabin"/>
-                <a:cs typeface="Cabin"/>
-                <a:sym typeface="Cabin"/>
-              </a:rPr>
-              <a:t> </a:t>
-            </a:r>
-            <a:r>
-              <a:rPr lang="en-US" sz="2400" dirty="0" err="1">
-                <a:latin typeface="Cabin"/>
-                <a:ea typeface="Cabin"/>
-                <a:cs typeface="Cabin"/>
-                <a:sym typeface="Cabin"/>
-              </a:rPr>
-              <a:t>новичков</a:t>
-            </a:r>
-            <a:r>
-              <a:rPr lang="en-US" sz="2400" dirty="0">
-                <a:latin typeface="Cabin"/>
-                <a:ea typeface="Cabin"/>
-                <a:cs typeface="Cabin"/>
-                <a:sym typeface="Cabin"/>
-              </a:rPr>
-              <a:t>, </a:t>
-            </a:r>
-            <a:r>
-              <a:rPr lang="en-US" sz="2400" dirty="0" err="1">
-                <a:latin typeface="Cabin"/>
-                <a:ea typeface="Cabin"/>
-                <a:cs typeface="Cabin"/>
-                <a:sym typeface="Cabin"/>
-              </a:rPr>
-              <a:t>потому</a:t>
-            </a:r>
-            <a:r>
-              <a:rPr lang="en-US" sz="2400" dirty="0">
-                <a:latin typeface="Cabin"/>
-                <a:ea typeface="Cabin"/>
-                <a:cs typeface="Cabin"/>
-                <a:sym typeface="Cabin"/>
-              </a:rPr>
-              <a:t> </a:t>
-            </a:r>
-            <a:r>
-              <a:rPr lang="en-US" sz="2400" dirty="0" err="1">
-                <a:latin typeface="Cabin"/>
-                <a:ea typeface="Cabin"/>
-                <a:cs typeface="Cabin"/>
-                <a:sym typeface="Cabin"/>
-              </a:rPr>
-              <a:t>что</a:t>
-            </a:r>
-            <a:r>
-              <a:rPr lang="en-US" sz="2400" dirty="0">
-                <a:latin typeface="Cabin"/>
-                <a:ea typeface="Cabin"/>
-                <a:cs typeface="Cabin"/>
-                <a:sym typeface="Cabin"/>
-              </a:rPr>
-              <a:t> </a:t>
-            </a:r>
-            <a:r>
-              <a:rPr lang="en-US" sz="2400" dirty="0" err="1">
-                <a:latin typeface="Cabin"/>
-                <a:ea typeface="Cabin"/>
-                <a:cs typeface="Cabin"/>
-                <a:sym typeface="Cabin"/>
-              </a:rPr>
-              <a:t>могут</a:t>
-            </a:r>
-            <a:r>
-              <a:rPr lang="en-US" sz="2400" dirty="0">
-                <a:latin typeface="Cabin"/>
-                <a:ea typeface="Cabin"/>
-                <a:cs typeface="Cabin"/>
-                <a:sym typeface="Cabin"/>
-              </a:rPr>
-              <a:t> </a:t>
-            </a:r>
-            <a:r>
-              <a:rPr lang="en-US" sz="2400" dirty="0" err="1">
-                <a:latin typeface="Cabin"/>
-                <a:ea typeface="Cabin"/>
-                <a:cs typeface="Cabin"/>
-                <a:sym typeface="Cabin"/>
-              </a:rPr>
-              <a:t>напоминать</a:t>
-            </a:r>
-            <a:r>
-              <a:rPr lang="en-US" sz="2400" dirty="0">
-                <a:latin typeface="Cabin"/>
-                <a:ea typeface="Cabin"/>
-                <a:cs typeface="Cabin"/>
-                <a:sym typeface="Cabin"/>
-              </a:rPr>
-              <a:t> </a:t>
-            </a:r>
-            <a:r>
-              <a:rPr lang="en-US" sz="2400" dirty="0" err="1">
-                <a:latin typeface="Cabin"/>
-                <a:ea typeface="Cabin"/>
-                <a:cs typeface="Cabin"/>
-                <a:sym typeface="Cabin"/>
-              </a:rPr>
-              <a:t>зарезервированные</a:t>
-            </a:r>
-            <a:r>
-              <a:rPr lang="en-US" sz="2400" dirty="0">
-                <a:latin typeface="Cabin"/>
-                <a:ea typeface="Cabin"/>
-                <a:cs typeface="Cabin"/>
-                <a:sym typeface="Cabin"/>
-              </a:rPr>
-              <a:t> </a:t>
-            </a:r>
-            <a:r>
-              <a:rPr lang="en-US" sz="2400" dirty="0" err="1">
-                <a:latin typeface="Cabin"/>
-                <a:ea typeface="Cabin"/>
-                <a:cs typeface="Cabin"/>
-                <a:sym typeface="Cabin"/>
-              </a:rPr>
-              <a:t>слова</a:t>
-            </a:r>
-            <a:endParaRPr lang="en-US" sz="2400" dirty="0">
-              <a:latin typeface="Cabin"/>
-              <a:ea typeface="Cabin"/>
-              <a:cs typeface="Cabin"/>
-              <a:sym typeface="Cabin"/>
-            </a:endParaRPr>
-          </a:p>
-        </p:txBody>
-      </p:sp>
-      <p:sp>
-        <p:nvSpPr>
-          <p:cNvPr id="508" name="Shape 508"/>
-          <p:cNvSpPr txBox="1"/>
-          <p:nvPr/>
-        </p:nvSpPr>
-        <p:spPr>
-          <a:xfrm>
-            <a:off x="735733" y="5877272"/>
-            <a:ext cx="7704855" cy="371419"/>
-          </a:xfrm>
-          <a:prstGeom prst="rect">
-            <a:avLst/>
-          </a:prstGeom>
-          <a:noFill/>
-          <a:ln>
-            <a:noFill/>
-          </a:ln>
-        </p:spPr>
-        <p:txBody>
-          <a:bodyPr lIns="0" tIns="0" rIns="0" bIns="0" anchor="ctr" anchorCtr="0">
-            <a:noAutofit/>
-          </a:bodyPr>
-          <a:lstStyle/>
-          <a:p>
-            <a:pPr algn="ctr">
-              <a:buClr>
-                <a:srgbClr val="FFFF00"/>
-              </a:buClr>
-              <a:buSzPct val="25000"/>
-            </a:pPr>
-            <a:r>
-              <a:rPr lang="en-US" sz="2138" dirty="0">
-                <a:latin typeface="Cabin"/>
-                <a:ea typeface="Cabin"/>
-                <a:cs typeface="Cabin"/>
-                <a:sym typeface="Cabin"/>
-                <a:hlinkClick r:id="rId3"/>
-              </a:rPr>
-              <a:t>https://</a:t>
-            </a:r>
-            <a:r>
-              <a:rPr lang="en-US" sz="2138" dirty="0" smtClean="0">
-                <a:latin typeface="Cabin"/>
-                <a:ea typeface="Cabin"/>
-                <a:cs typeface="Cabin"/>
-                <a:sym typeface="Cabin"/>
-                <a:hlinkClick r:id="rId3"/>
-              </a:rPr>
-              <a:t>ru.wikipedia.org/wiki</a:t>
-            </a:r>
-            <a:r>
-              <a:rPr lang="ru-RU" sz="2138" dirty="0" smtClean="0">
-                <a:latin typeface="Cabin"/>
-                <a:ea typeface="Cabin"/>
-                <a:cs typeface="Cabin"/>
-                <a:sym typeface="Cabin"/>
-                <a:hlinkClick r:id="rId3"/>
-              </a:rPr>
-              <a:t>/Мнемоника</a:t>
-            </a:r>
-            <a:r>
-              <a:rPr lang="ru-RU" sz="2138" dirty="0" smtClean="0">
-                <a:latin typeface="Cabin"/>
-                <a:ea typeface="Cabin"/>
-                <a:cs typeface="Cabin"/>
-                <a:sym typeface="Cabin"/>
-              </a:rPr>
-              <a:t> </a:t>
-            </a:r>
-            <a:endParaRPr lang="en-US" sz="2138" dirty="0">
-              <a:latin typeface="Cabin"/>
-              <a:ea typeface="Cabin"/>
-              <a:cs typeface="Cabin"/>
-              <a:sym typeface="Cabin"/>
-            </a:endParaRPr>
+            <a:pPr algn="ctr"/>
+            <a:r>
+              <a:rPr lang="en-US" sz="2025">
+                <a:solidFill>
+                  <a:srgbClr val="00FF00"/>
+                </a:solidFill>
+              </a:rPr>
+              <a:t>Благодарность / Содействие</a:t>
+            </a:r>
           </a:p>
         </p:txBody>
       </p:sp>
     </p:spTree>
     <p:extLst>
       <p:ext uri="{BB962C8B-B14F-4D97-AF65-F5344CB8AC3E}">
-        <p14:creationId xmlns:p14="http://schemas.microsoft.com/office/powerpoint/2010/main" val="3133505312"/>
-      </p:ext>
-    </p:extLst>
-  </p:cSld>
-  <p:clrMapOvr>
-    <a:masterClrMapping/>
-  </p:clrMapOvr>
-</p:sld>
-</file>
-
-<file path=ppt/slides/slide33.xml><?xml version="1.0" encoding="utf-8"?>
-<p:sld xmlns:a="http://schemas.openxmlformats.org/drawingml/2006/main" xmlns:r="http://schemas.openxmlformats.org/officeDocument/2006/relationships" xmlns:p="http://schemas.openxmlformats.org/presentationml/2006/main">
-  <p:cSld>
-    <p:spTree>
-      <p:nvGrpSpPr>
-        <p:cNvPr id="1" name="Shape 512"/>
-        <p:cNvGrpSpPr/>
-        <p:nvPr/>
-      </p:nvGrpSpPr>
-      <p:grpSpPr>
-        <a:xfrm>
-          <a:off x="0" y="0"/>
-          <a:ext cx="0" cy="0"/>
-          <a:chOff x="0" y="0"/>
-          <a:chExt cx="0" cy="0"/>
-        </a:xfrm>
-      </p:grpSpPr>
-      <p:sp>
-        <p:nvSpPr>
-          <p:cNvPr id="513" name="Shape 513"/>
-          <p:cNvSpPr txBox="1"/>
-          <p:nvPr/>
-        </p:nvSpPr>
-        <p:spPr>
-          <a:xfrm>
-            <a:off x="679541" y="1800225"/>
-            <a:ext cx="4692093" cy="1314394"/>
-          </a:xfrm>
-          <a:prstGeom prst="rect">
-            <a:avLst/>
-          </a:prstGeom>
-          <a:noFill/>
-          <a:ln>
-            <a:noFill/>
-          </a:ln>
-        </p:spPr>
-        <p:txBody>
-          <a:bodyPr lIns="0" tIns="0" rIns="0" bIns="0" anchor="ctr" anchorCtr="0">
-            <a:noAutofit/>
-          </a:bodyPr>
-          <a:lstStyle/>
-          <a:p>
-            <a:pPr>
-              <a:buClr>
-                <a:srgbClr val="FFFF00"/>
-              </a:buClr>
-              <a:buSzPct val="25000"/>
-            </a:pPr>
-            <a:r>
-              <a:rPr lang="en-US" sz="1688" dirty="0">
-                <a:latin typeface="Courier New"/>
-                <a:ea typeface="Courier New"/>
-                <a:cs typeface="Courier New"/>
-                <a:sym typeface="Courier New"/>
-              </a:rPr>
-              <a:t>x1q3z9ocd = 35.0 </a:t>
-            </a:r>
-          </a:p>
-          <a:p>
-            <a:pPr>
-              <a:buClr>
-                <a:srgbClr val="FFFF00"/>
-              </a:buClr>
-              <a:buSzPct val="25000"/>
-            </a:pPr>
-            <a:r>
-              <a:rPr lang="en-US" sz="1688" dirty="0">
-                <a:latin typeface="Courier New"/>
-                <a:ea typeface="Courier New"/>
-                <a:cs typeface="Courier New"/>
-                <a:sym typeface="Courier New"/>
-              </a:rPr>
-              <a:t>x1q3z9afd = 12.50</a:t>
-            </a:r>
-          </a:p>
-          <a:p>
-            <a:pPr>
-              <a:buClr>
-                <a:srgbClr val="FFFF00"/>
-              </a:buClr>
-              <a:buSzPct val="25000"/>
-            </a:pPr>
-            <a:r>
-              <a:rPr lang="en-US" sz="1688" dirty="0">
-                <a:latin typeface="Courier New"/>
-                <a:ea typeface="Courier New"/>
-                <a:cs typeface="Courier New"/>
-                <a:sym typeface="Courier New"/>
-              </a:rPr>
-              <a:t>x1q3p9afd = x1q3z9ocd * x1q3z9afd</a:t>
-            </a:r>
-          </a:p>
-          <a:p>
-            <a:pPr>
-              <a:buClr>
-                <a:srgbClr val="FFFF00"/>
-              </a:buClr>
-              <a:buSzPct val="25000"/>
-            </a:pPr>
-            <a:r>
-              <a:rPr lang="en-US" sz="1688" dirty="0">
-                <a:latin typeface="Courier New"/>
-                <a:ea typeface="Courier New"/>
-                <a:cs typeface="Courier New"/>
-                <a:sym typeface="Courier New"/>
-              </a:rPr>
-              <a:t>print </a:t>
-            </a:r>
-            <a:r>
-              <a:rPr lang="ru-RU" sz="1688" dirty="0" smtClean="0">
-                <a:latin typeface="Courier New"/>
-                <a:ea typeface="Courier New"/>
-                <a:cs typeface="Courier New"/>
-                <a:sym typeface="Courier New"/>
-              </a:rPr>
-              <a:t>(</a:t>
-            </a:r>
-            <a:r>
-              <a:rPr lang="en-US" sz="1688" dirty="0" smtClean="0">
-                <a:latin typeface="Courier New"/>
-                <a:ea typeface="Courier New"/>
-                <a:cs typeface="Courier New"/>
-                <a:sym typeface="Courier New"/>
-              </a:rPr>
-              <a:t>x1q3p9afd</a:t>
-            </a:r>
-            <a:r>
-              <a:rPr lang="ru-RU" sz="1688" dirty="0" smtClean="0">
-                <a:latin typeface="Courier New"/>
-                <a:ea typeface="Courier New"/>
-                <a:cs typeface="Courier New"/>
-                <a:sym typeface="Courier New"/>
-              </a:rPr>
-              <a:t>)</a:t>
-            </a:r>
-            <a:endParaRPr lang="en-US" sz="1688" dirty="0">
-              <a:latin typeface="Courier New"/>
-              <a:ea typeface="Courier New"/>
-              <a:cs typeface="Courier New"/>
-              <a:sym typeface="Courier New"/>
-            </a:endParaRPr>
-          </a:p>
-        </p:txBody>
-      </p:sp>
-      <p:sp>
-        <p:nvSpPr>
-          <p:cNvPr id="514" name="Shape 514"/>
-          <p:cNvSpPr txBox="1"/>
-          <p:nvPr/>
-        </p:nvSpPr>
-        <p:spPr>
-          <a:xfrm>
-            <a:off x="4499992" y="4264819"/>
-            <a:ext cx="2929837" cy="1314394"/>
-          </a:xfrm>
-          <a:prstGeom prst="rect">
-            <a:avLst/>
-          </a:prstGeom>
-          <a:noFill/>
-          <a:ln>
-            <a:noFill/>
-          </a:ln>
-        </p:spPr>
-        <p:txBody>
-          <a:bodyPr lIns="0" tIns="0" rIns="0" bIns="0" anchor="ctr" anchorCtr="0">
-            <a:noAutofit/>
-          </a:bodyPr>
-          <a:lstStyle/>
-          <a:p>
-            <a:pPr>
-              <a:buClr>
-                <a:srgbClr val="00FF00"/>
-              </a:buClr>
-              <a:buSzPct val="25000"/>
-            </a:pPr>
-            <a:r>
-              <a:rPr lang="en-US" sz="1688" dirty="0">
-                <a:solidFill>
-                  <a:srgbClr val="00FF00"/>
-                </a:solidFill>
-                <a:latin typeface="Courier New"/>
-                <a:ea typeface="Courier New"/>
-                <a:cs typeface="Courier New"/>
-                <a:sym typeface="Courier New"/>
-              </a:rPr>
-              <a:t>hours = 35.0 </a:t>
-            </a:r>
-          </a:p>
-          <a:p>
-            <a:pPr>
-              <a:buClr>
-                <a:srgbClr val="00FF00"/>
-              </a:buClr>
-              <a:buSzPct val="25000"/>
-            </a:pPr>
-            <a:r>
-              <a:rPr lang="en-US" sz="1688" dirty="0">
-                <a:solidFill>
-                  <a:srgbClr val="00FF00"/>
-                </a:solidFill>
-                <a:latin typeface="Courier New"/>
-                <a:ea typeface="Courier New"/>
-                <a:cs typeface="Courier New"/>
-                <a:sym typeface="Courier New"/>
-              </a:rPr>
-              <a:t>rate = 12.50 </a:t>
-            </a:r>
-          </a:p>
-          <a:p>
-            <a:pPr>
-              <a:buClr>
-                <a:srgbClr val="00FF00"/>
-              </a:buClr>
-              <a:buSzPct val="25000"/>
-            </a:pPr>
-            <a:r>
-              <a:rPr lang="en-US" sz="1688" dirty="0">
-                <a:solidFill>
-                  <a:srgbClr val="00FF00"/>
-                </a:solidFill>
-                <a:latin typeface="Courier New"/>
-                <a:ea typeface="Courier New"/>
-                <a:cs typeface="Courier New"/>
-                <a:sym typeface="Courier New"/>
-              </a:rPr>
-              <a:t>pay = hours * rate </a:t>
-            </a:r>
-          </a:p>
-          <a:p>
-            <a:pPr>
-              <a:buClr>
-                <a:srgbClr val="00FF00"/>
-              </a:buClr>
-              <a:buSzPct val="25000"/>
-            </a:pPr>
-            <a:r>
-              <a:rPr lang="en-US" sz="1688" dirty="0">
-                <a:solidFill>
-                  <a:srgbClr val="00FF00"/>
-                </a:solidFill>
-                <a:latin typeface="Courier New"/>
-                <a:ea typeface="Courier New"/>
-                <a:cs typeface="Courier New"/>
-                <a:sym typeface="Courier New"/>
-              </a:rPr>
-              <a:t>print pay</a:t>
-            </a:r>
-          </a:p>
-        </p:txBody>
-      </p:sp>
-      <p:sp>
-        <p:nvSpPr>
-          <p:cNvPr id="515" name="Shape 515"/>
-          <p:cNvSpPr txBox="1"/>
-          <p:nvPr/>
-        </p:nvSpPr>
-        <p:spPr>
-          <a:xfrm>
-            <a:off x="6486525" y="1800225"/>
-            <a:ext cx="1186755" cy="1314450"/>
-          </a:xfrm>
-          <a:prstGeom prst="rect">
-            <a:avLst/>
-          </a:prstGeom>
-          <a:noFill/>
-          <a:ln>
-            <a:noFill/>
-          </a:ln>
-        </p:spPr>
-        <p:txBody>
-          <a:bodyPr lIns="0" tIns="0" rIns="0" bIns="0" anchor="ctr" anchorCtr="0">
-            <a:noAutofit/>
-          </a:bodyPr>
-          <a:lstStyle/>
-          <a:p>
-            <a:pPr>
-              <a:buClr>
-                <a:srgbClr val="FF00FF"/>
-              </a:buClr>
-              <a:buSzPct val="25000"/>
-            </a:pPr>
-            <a:r>
-              <a:rPr lang="en-US" sz="1688" dirty="0">
-                <a:solidFill>
-                  <a:srgbClr val="FF00FF"/>
-                </a:solidFill>
-                <a:latin typeface="Courier New"/>
-                <a:ea typeface="Courier New"/>
-                <a:cs typeface="Courier New"/>
-                <a:sym typeface="Courier New"/>
-              </a:rPr>
-              <a:t>a = 35.0 </a:t>
-            </a:r>
-          </a:p>
-          <a:p>
-            <a:pPr>
-              <a:buClr>
-                <a:srgbClr val="FF00FF"/>
-              </a:buClr>
-              <a:buSzPct val="25000"/>
-            </a:pPr>
-            <a:r>
-              <a:rPr lang="en-US" sz="1688" dirty="0">
-                <a:solidFill>
-                  <a:srgbClr val="FF00FF"/>
-                </a:solidFill>
-                <a:latin typeface="Courier New"/>
-                <a:ea typeface="Courier New"/>
-                <a:cs typeface="Courier New"/>
-                <a:sym typeface="Courier New"/>
-              </a:rPr>
-              <a:t>b = 12.50 </a:t>
-            </a:r>
-          </a:p>
-          <a:p>
-            <a:pPr>
-              <a:buClr>
-                <a:srgbClr val="FF00FF"/>
-              </a:buClr>
-              <a:buSzPct val="25000"/>
-            </a:pPr>
-            <a:r>
-              <a:rPr lang="en-US" sz="1688" dirty="0">
-                <a:solidFill>
-                  <a:srgbClr val="FF00FF"/>
-                </a:solidFill>
-                <a:latin typeface="Courier New"/>
-                <a:ea typeface="Courier New"/>
-                <a:cs typeface="Courier New"/>
-                <a:sym typeface="Courier New"/>
-              </a:rPr>
-              <a:t>c = a * b </a:t>
-            </a:r>
-          </a:p>
-          <a:p>
-            <a:pPr>
-              <a:buClr>
-                <a:srgbClr val="FF00FF"/>
-              </a:buClr>
-              <a:buSzPct val="25000"/>
-            </a:pPr>
-            <a:r>
-              <a:rPr lang="en-US" sz="1688" dirty="0">
-                <a:solidFill>
-                  <a:srgbClr val="FF00FF"/>
-                </a:solidFill>
-                <a:latin typeface="Courier New"/>
-                <a:ea typeface="Courier New"/>
-                <a:cs typeface="Courier New"/>
-                <a:sym typeface="Courier New"/>
-              </a:rPr>
-              <a:t>print </a:t>
-            </a:r>
-            <a:r>
-              <a:rPr lang="ru-RU" sz="1688" dirty="0" smtClean="0">
-                <a:solidFill>
-                  <a:srgbClr val="FF00FF"/>
-                </a:solidFill>
-                <a:latin typeface="Courier New"/>
-                <a:ea typeface="Courier New"/>
-                <a:cs typeface="Courier New"/>
-                <a:sym typeface="Courier New"/>
-              </a:rPr>
-              <a:t>(</a:t>
-            </a:r>
-            <a:r>
-              <a:rPr lang="en-US" sz="1688" dirty="0" smtClean="0">
-                <a:solidFill>
-                  <a:srgbClr val="FF00FF"/>
-                </a:solidFill>
-                <a:latin typeface="Courier New"/>
-                <a:ea typeface="Courier New"/>
-                <a:cs typeface="Courier New"/>
-                <a:sym typeface="Courier New"/>
-              </a:rPr>
-              <a:t>c</a:t>
-            </a:r>
-            <a:endParaRPr lang="en-US" sz="1688" dirty="0">
-              <a:solidFill>
-                <a:srgbClr val="FF00FF"/>
-              </a:solidFill>
-              <a:latin typeface="Courier New"/>
-              <a:ea typeface="Courier New"/>
-              <a:cs typeface="Courier New"/>
-              <a:sym typeface="Courier New"/>
-            </a:endParaRPr>
-          </a:p>
-        </p:txBody>
-      </p:sp>
-      <p:sp>
-        <p:nvSpPr>
-          <p:cNvPr id="516" name="Shape 516"/>
-          <p:cNvSpPr txBox="1"/>
-          <p:nvPr/>
-        </p:nvSpPr>
-        <p:spPr>
-          <a:xfrm>
-            <a:off x="864394" y="4264819"/>
-            <a:ext cx="2915518" cy="685799"/>
-          </a:xfrm>
-          <a:prstGeom prst="rect">
-            <a:avLst/>
-          </a:prstGeom>
-          <a:noFill/>
-          <a:ln>
-            <a:noFill/>
-          </a:ln>
-        </p:spPr>
-        <p:txBody>
-          <a:bodyPr lIns="0" tIns="0" rIns="0" bIns="0" anchor="ctr" anchorCtr="0">
-            <a:noAutofit/>
-          </a:bodyPr>
-          <a:lstStyle/>
-          <a:p>
-            <a:pPr algn="ctr">
-              <a:buClr>
-                <a:schemeClr val="lt1"/>
-              </a:buClr>
-              <a:buSzPct val="25000"/>
-            </a:pPr>
-            <a:r>
-              <a:rPr lang="en-US" sz="2138" dirty="0" err="1">
-                <a:latin typeface="Cabin"/>
-                <a:ea typeface="Cabin"/>
-                <a:cs typeface="Cabin"/>
-                <a:sym typeface="Cabin"/>
-              </a:rPr>
-              <a:t>Что</a:t>
-            </a:r>
-            <a:r>
-              <a:rPr lang="en-US" sz="2138" dirty="0">
-                <a:latin typeface="Cabin"/>
-                <a:ea typeface="Cabin"/>
-                <a:cs typeface="Cabin"/>
-                <a:sym typeface="Cabin"/>
-              </a:rPr>
-              <a:t> </a:t>
-            </a:r>
-            <a:r>
-              <a:rPr lang="en-US" sz="2138" dirty="0" err="1">
-                <a:latin typeface="Cabin"/>
-                <a:ea typeface="Cabin"/>
-                <a:cs typeface="Cabin"/>
-                <a:sym typeface="Cabin"/>
-              </a:rPr>
-              <a:t>делает</a:t>
-            </a:r>
-            <a:r>
-              <a:rPr lang="en-US" sz="2138" dirty="0">
-                <a:latin typeface="Cabin"/>
-                <a:ea typeface="Cabin"/>
-                <a:cs typeface="Cabin"/>
-                <a:sym typeface="Cabin"/>
-              </a:rPr>
-              <a:t> </a:t>
-            </a:r>
-            <a:r>
-              <a:rPr lang="en-US" sz="2138" dirty="0" err="1">
-                <a:latin typeface="Cabin"/>
-                <a:ea typeface="Cabin"/>
-                <a:cs typeface="Cabin"/>
-                <a:sym typeface="Cabin"/>
-              </a:rPr>
-              <a:t>этот</a:t>
-            </a:r>
-            <a:r>
-              <a:rPr lang="en-US" sz="2138" dirty="0">
-                <a:latin typeface="Cabin"/>
-                <a:ea typeface="Cabin"/>
-                <a:cs typeface="Cabin"/>
-                <a:sym typeface="Cabin"/>
-              </a:rPr>
-              <a:t> </a:t>
-            </a:r>
-            <a:r>
-              <a:rPr lang="en-US" sz="2138" dirty="0" err="1">
-                <a:latin typeface="Cabin"/>
-                <a:ea typeface="Cabin"/>
-                <a:cs typeface="Cabin"/>
-                <a:sym typeface="Cabin"/>
-              </a:rPr>
-              <a:t>код</a:t>
-            </a:r>
-            <a:r>
-              <a:rPr lang="en-US" sz="2138" dirty="0">
-                <a:latin typeface="Cabin"/>
-                <a:ea typeface="Cabin"/>
-                <a:cs typeface="Cabin"/>
-                <a:sym typeface="Cabin"/>
-              </a:rPr>
-              <a:t>?</a:t>
-            </a:r>
-          </a:p>
-        </p:txBody>
-      </p:sp>
-    </p:spTree>
-    <p:extLst>
-      <p:ext uri="{BB962C8B-B14F-4D97-AF65-F5344CB8AC3E}">
-        <p14:creationId xmlns:p14="http://schemas.microsoft.com/office/powerpoint/2010/main" val="2769065759"/>
-      </p:ext>
-    </p:extLst>
-  </p:cSld>
-  <p:clrMapOvr>
-    <a:masterClrMapping/>
-  </p:clrMapOvr>
-</p:sld>
-</file>
-
-<file path=ppt/slides/slide34.xml><?xml version="1.0" encoding="utf-8"?>
-<p:sld xmlns:a="http://schemas.openxmlformats.org/drawingml/2006/main" xmlns:r="http://schemas.openxmlformats.org/officeDocument/2006/relationships" xmlns:p="http://schemas.openxmlformats.org/presentationml/2006/main">
-  <p:cSld>
-    <p:spTree>
-      <p:nvGrpSpPr>
-        <p:cNvPr id="1" name="Shape 520"/>
-        <p:cNvGrpSpPr/>
-        <p:nvPr/>
-      </p:nvGrpSpPr>
-      <p:grpSpPr>
-        <a:xfrm>
-          <a:off x="0" y="0"/>
-          <a:ext cx="0" cy="0"/>
-          <a:chOff x="0" y="0"/>
-          <a:chExt cx="0" cy="0"/>
-        </a:xfrm>
-      </p:grpSpPr>
-      <p:sp>
-        <p:nvSpPr>
-          <p:cNvPr id="521" name="Shape 521"/>
-          <p:cNvSpPr txBox="1"/>
-          <p:nvPr/>
-        </p:nvSpPr>
-        <p:spPr>
-          <a:xfrm>
-            <a:off x="421482" y="1050131"/>
-            <a:ext cx="1979437" cy="371419"/>
-          </a:xfrm>
-          <a:prstGeom prst="rect">
-            <a:avLst/>
-          </a:prstGeom>
-          <a:noFill/>
-          <a:ln>
-            <a:noFill/>
-          </a:ln>
-        </p:spPr>
-        <p:txBody>
-          <a:bodyPr lIns="0" tIns="0" rIns="0" bIns="0" anchor="ctr" anchorCtr="0">
-            <a:noAutofit/>
-          </a:bodyPr>
-          <a:lstStyle/>
-          <a:p>
-            <a:pPr algn="ctr">
-              <a:buClr>
-                <a:srgbClr val="00FF00"/>
-              </a:buClr>
-              <a:buSzPct val="25000"/>
-            </a:pPr>
-            <a:r>
-              <a:rPr lang="en-US" sz="2138" dirty="0" err="1">
-                <a:latin typeface="Cabin"/>
-                <a:ea typeface="Cabin"/>
-                <a:cs typeface="Cabin"/>
-                <a:sym typeface="Cabin"/>
-              </a:rPr>
-              <a:t>Упражнение</a:t>
-            </a:r>
-            <a:endParaRPr lang="en-US" sz="2138" dirty="0">
-              <a:latin typeface="Cabin"/>
-              <a:ea typeface="Cabin"/>
-              <a:cs typeface="Cabin"/>
-              <a:sym typeface="Cabin"/>
-            </a:endParaRPr>
-          </a:p>
-        </p:txBody>
-      </p:sp>
-      <p:sp>
-        <p:nvSpPr>
-          <p:cNvPr id="522" name="Shape 522"/>
-          <p:cNvSpPr txBox="1"/>
-          <p:nvPr/>
-        </p:nvSpPr>
-        <p:spPr>
-          <a:xfrm>
-            <a:off x="1043609" y="2214562"/>
-            <a:ext cx="7200800" cy="3158653"/>
-          </a:xfrm>
-          <a:prstGeom prst="rect">
-            <a:avLst/>
-          </a:prstGeom>
-          <a:noFill/>
-          <a:ln>
-            <a:noFill/>
-          </a:ln>
-        </p:spPr>
-        <p:txBody>
-          <a:bodyPr lIns="0" tIns="0" rIns="0" bIns="0" anchor="ctr" anchorCtr="0">
-            <a:noAutofit/>
-          </a:bodyPr>
-          <a:lstStyle/>
-          <a:p>
-            <a:pPr marL="257175">
-              <a:buClr>
-                <a:schemeClr val="lt1"/>
-              </a:buClr>
-              <a:buSzPct val="25000"/>
-            </a:pPr>
-            <a:r>
-              <a:rPr lang="en-US" sz="2400" dirty="0" err="1">
-                <a:latin typeface="Cabin"/>
-                <a:ea typeface="Cabin"/>
-                <a:cs typeface="Cabin"/>
-                <a:sym typeface="Cabin"/>
-              </a:rPr>
-              <a:t>Напишите</a:t>
-            </a:r>
-            <a:r>
-              <a:rPr lang="en-US" sz="2400" dirty="0">
-                <a:latin typeface="Cabin"/>
-                <a:ea typeface="Cabin"/>
-                <a:cs typeface="Cabin"/>
-                <a:sym typeface="Cabin"/>
-              </a:rPr>
-              <a:t> </a:t>
-            </a:r>
-            <a:r>
-              <a:rPr lang="en-US" sz="2400" dirty="0" err="1">
-                <a:latin typeface="Cabin"/>
-                <a:ea typeface="Cabin"/>
-                <a:cs typeface="Cabin"/>
-                <a:sym typeface="Cabin"/>
-              </a:rPr>
-              <a:t>программу</a:t>
-            </a:r>
-            <a:r>
-              <a:rPr lang="en-US" sz="2400" dirty="0">
-                <a:latin typeface="Cabin"/>
-                <a:ea typeface="Cabin"/>
-                <a:cs typeface="Cabin"/>
-                <a:sym typeface="Cabin"/>
-              </a:rPr>
-              <a:t>, </a:t>
-            </a:r>
-            <a:r>
-              <a:rPr lang="en-US" sz="2400" dirty="0" err="1">
-                <a:latin typeface="Cabin"/>
-                <a:ea typeface="Cabin"/>
-                <a:cs typeface="Cabin"/>
-                <a:sym typeface="Cabin"/>
-              </a:rPr>
-              <a:t>которая</a:t>
-            </a:r>
-            <a:r>
-              <a:rPr lang="en-US" sz="2400" dirty="0">
-                <a:latin typeface="Cabin"/>
-                <a:ea typeface="Cabin"/>
-                <a:cs typeface="Cabin"/>
-                <a:sym typeface="Cabin"/>
-              </a:rPr>
-              <a:t> </a:t>
-            </a:r>
-            <a:r>
-              <a:rPr lang="en-US" sz="2400" dirty="0" err="1">
-                <a:latin typeface="Cabin"/>
-                <a:ea typeface="Cabin"/>
-                <a:cs typeface="Cabin"/>
-                <a:sym typeface="Cabin"/>
-              </a:rPr>
-              <a:t>предлагает</a:t>
-            </a:r>
-            <a:r>
-              <a:rPr lang="en-US" sz="2400" dirty="0">
-                <a:latin typeface="Cabin"/>
-                <a:ea typeface="Cabin"/>
-                <a:cs typeface="Cabin"/>
-                <a:sym typeface="Cabin"/>
-              </a:rPr>
-              <a:t> </a:t>
-            </a:r>
-            <a:r>
-              <a:rPr lang="en-US" sz="2400" dirty="0" err="1">
-                <a:latin typeface="Cabin"/>
-                <a:ea typeface="Cabin"/>
-                <a:cs typeface="Cabin"/>
-                <a:sym typeface="Cabin"/>
-              </a:rPr>
-              <a:t>пользователю</a:t>
-            </a:r>
-            <a:r>
-              <a:rPr lang="en-US" sz="2400" dirty="0">
-                <a:latin typeface="Cabin"/>
-                <a:ea typeface="Cabin"/>
-                <a:cs typeface="Cabin"/>
-                <a:sym typeface="Cabin"/>
-              </a:rPr>
-              <a:t> </a:t>
-            </a:r>
-            <a:r>
-              <a:rPr lang="en-US" sz="2400" dirty="0" err="1">
-                <a:latin typeface="Cabin"/>
-                <a:ea typeface="Cabin"/>
-                <a:cs typeface="Cabin"/>
-                <a:sym typeface="Cabin"/>
-              </a:rPr>
-              <a:t>ввести</a:t>
-            </a:r>
-            <a:r>
-              <a:rPr lang="en-US" sz="2400" dirty="0">
-                <a:latin typeface="Cabin"/>
-                <a:ea typeface="Cabin"/>
-                <a:cs typeface="Cabin"/>
-                <a:sym typeface="Cabin"/>
-              </a:rPr>
-              <a:t> </a:t>
-            </a:r>
-            <a:r>
-              <a:rPr lang="en-US" sz="2400" dirty="0" err="1">
-                <a:latin typeface="Cabin"/>
-                <a:ea typeface="Cabin"/>
-                <a:cs typeface="Cabin"/>
-                <a:sym typeface="Cabin"/>
-              </a:rPr>
-              <a:t>отработанные</a:t>
-            </a:r>
-            <a:r>
-              <a:rPr lang="en-US" sz="2400" dirty="0">
-                <a:latin typeface="Cabin"/>
-                <a:ea typeface="Cabin"/>
-                <a:cs typeface="Cabin"/>
-                <a:sym typeface="Cabin"/>
-              </a:rPr>
-              <a:t> </a:t>
-            </a:r>
-            <a:r>
-              <a:rPr lang="en-US" sz="2400" dirty="0" err="1">
-                <a:latin typeface="Cabin"/>
-                <a:ea typeface="Cabin"/>
-                <a:cs typeface="Cabin"/>
-                <a:sym typeface="Cabin"/>
-              </a:rPr>
-              <a:t>часы</a:t>
-            </a:r>
-            <a:r>
-              <a:rPr lang="en-US" sz="2400" dirty="0">
-                <a:latin typeface="Cabin"/>
-                <a:ea typeface="Cabin"/>
-                <a:cs typeface="Cabin"/>
-                <a:sym typeface="Cabin"/>
-              </a:rPr>
-              <a:t> и </a:t>
-            </a:r>
-            <a:r>
-              <a:rPr lang="en-US" sz="2400" dirty="0" err="1">
-                <a:latin typeface="Cabin"/>
-                <a:ea typeface="Cabin"/>
-                <a:cs typeface="Cabin"/>
-                <a:sym typeface="Cabin"/>
-              </a:rPr>
-              <a:t>ставку</a:t>
-            </a:r>
-            <a:r>
-              <a:rPr lang="en-US" sz="2400" dirty="0">
-                <a:latin typeface="Cabin"/>
-                <a:ea typeface="Cabin"/>
-                <a:cs typeface="Cabin"/>
-                <a:sym typeface="Cabin"/>
-              </a:rPr>
-              <a:t> </a:t>
-            </a:r>
-            <a:r>
-              <a:rPr lang="en-US" sz="2400" dirty="0" err="1">
-                <a:latin typeface="Cabin"/>
-                <a:ea typeface="Cabin"/>
-                <a:cs typeface="Cabin"/>
-                <a:sym typeface="Cabin"/>
-              </a:rPr>
-              <a:t>заработной</a:t>
-            </a:r>
-            <a:r>
-              <a:rPr lang="en-US" sz="2400" dirty="0">
-                <a:latin typeface="Cabin"/>
-                <a:ea typeface="Cabin"/>
-                <a:cs typeface="Cabin"/>
-                <a:sym typeface="Cabin"/>
-              </a:rPr>
-              <a:t> </a:t>
-            </a:r>
-            <a:r>
-              <a:rPr lang="en-US" sz="2400" dirty="0" err="1">
-                <a:latin typeface="Cabin"/>
-                <a:ea typeface="Cabin"/>
-                <a:cs typeface="Cabin"/>
-                <a:sym typeface="Cabin"/>
-              </a:rPr>
-              <a:t>платы</a:t>
-            </a:r>
-            <a:r>
-              <a:rPr lang="en-US" sz="2400" dirty="0">
-                <a:latin typeface="Cabin"/>
-                <a:ea typeface="Cabin"/>
-                <a:cs typeface="Cabin"/>
-                <a:sym typeface="Cabin"/>
-              </a:rPr>
-              <a:t> </a:t>
-            </a:r>
-            <a:r>
-              <a:rPr lang="en-US" sz="2400" dirty="0" err="1">
-                <a:latin typeface="Cabin"/>
-                <a:ea typeface="Cabin"/>
-                <a:cs typeface="Cabin"/>
-                <a:sym typeface="Cabin"/>
-              </a:rPr>
-              <a:t>для</a:t>
-            </a:r>
-            <a:r>
-              <a:rPr lang="en-US" sz="2400" dirty="0">
-                <a:latin typeface="Cabin"/>
-                <a:ea typeface="Cabin"/>
-                <a:cs typeface="Cabin"/>
-                <a:sym typeface="Cabin"/>
-              </a:rPr>
-              <a:t> </a:t>
-            </a:r>
-            <a:r>
-              <a:rPr lang="en-US" sz="2400" dirty="0" err="1">
-                <a:latin typeface="Cabin"/>
-                <a:ea typeface="Cabin"/>
-                <a:cs typeface="Cabin"/>
-                <a:sym typeface="Cabin"/>
-              </a:rPr>
-              <a:t>расчета</a:t>
-            </a:r>
-            <a:r>
-              <a:rPr lang="en-US" sz="2400" dirty="0">
-                <a:latin typeface="Cabin"/>
-                <a:ea typeface="Cabin"/>
-                <a:cs typeface="Cabin"/>
-                <a:sym typeface="Cabin"/>
-              </a:rPr>
-              <a:t> </a:t>
-            </a:r>
-            <a:r>
-              <a:rPr lang="en-US" sz="2400" dirty="0" err="1">
-                <a:latin typeface="Cabin"/>
-                <a:ea typeface="Cabin"/>
-                <a:cs typeface="Cabin"/>
-                <a:sym typeface="Cabin"/>
-              </a:rPr>
-              <a:t>суммы</a:t>
-            </a:r>
-            <a:r>
-              <a:rPr lang="en-US" sz="2400" dirty="0">
-                <a:latin typeface="Cabin"/>
-                <a:ea typeface="Cabin"/>
-                <a:cs typeface="Cabin"/>
-                <a:sym typeface="Cabin"/>
-              </a:rPr>
-              <a:t> </a:t>
-            </a:r>
-            <a:r>
-              <a:rPr lang="en-US" sz="2400" dirty="0" err="1">
-                <a:latin typeface="Cabin"/>
-                <a:ea typeface="Cabin"/>
-                <a:cs typeface="Cabin"/>
-                <a:sym typeface="Cabin"/>
-              </a:rPr>
-              <a:t>заработной</a:t>
-            </a:r>
-            <a:r>
-              <a:rPr lang="en-US" sz="2400" dirty="0">
-                <a:latin typeface="Cabin"/>
-                <a:ea typeface="Cabin"/>
-                <a:cs typeface="Cabin"/>
-                <a:sym typeface="Cabin"/>
-              </a:rPr>
-              <a:t> </a:t>
-            </a:r>
-            <a:r>
-              <a:rPr lang="en-US" sz="2400" dirty="0" err="1">
-                <a:latin typeface="Cabin"/>
-                <a:ea typeface="Cabin"/>
-                <a:cs typeface="Cabin"/>
-                <a:sym typeface="Cabin"/>
-              </a:rPr>
-              <a:t>платы</a:t>
-            </a:r>
-            <a:r>
-              <a:rPr lang="en-US" sz="2400" dirty="0">
-                <a:latin typeface="Cabin"/>
-                <a:ea typeface="Cabin"/>
-                <a:cs typeface="Cabin"/>
-                <a:sym typeface="Cabin"/>
-              </a:rPr>
-              <a:t>.</a:t>
-            </a:r>
-            <a:r>
-              <a:rPr lang="en-US" sz="2138" dirty="0">
-                <a:latin typeface="Cabin"/>
-                <a:ea typeface="Cabin"/>
-                <a:cs typeface="Cabin"/>
-                <a:sym typeface="Cabin"/>
-              </a:rPr>
-              <a:t/>
-            </a:r>
-            <a:br>
-              <a:rPr lang="en-US" sz="2138" dirty="0">
-                <a:latin typeface="Cabin"/>
-                <a:ea typeface="Cabin"/>
-                <a:cs typeface="Cabin"/>
-                <a:sym typeface="Cabin"/>
-              </a:rPr>
-            </a:br>
-            <a:endParaRPr lang="en-US" sz="2138" dirty="0">
-              <a:latin typeface="Cabin"/>
-              <a:ea typeface="Cabin"/>
-              <a:cs typeface="Cabin"/>
-              <a:sym typeface="Cabin"/>
-            </a:endParaRPr>
-          </a:p>
-          <a:p>
-            <a:pPr marL="257175">
-              <a:buClr>
-                <a:schemeClr val="lt1"/>
-              </a:buClr>
-              <a:buSzPct val="25000"/>
-            </a:pPr>
-            <a:r>
-              <a:rPr lang="en-US" sz="1913" dirty="0" err="1">
-                <a:latin typeface="Cabin"/>
-                <a:ea typeface="Cabin"/>
-                <a:cs typeface="Cabin"/>
-                <a:sym typeface="Cabin"/>
-              </a:rPr>
-              <a:t>Введите</a:t>
-            </a:r>
-            <a:r>
-              <a:rPr lang="en-US" sz="1913" dirty="0">
-                <a:latin typeface="Cabin"/>
-                <a:ea typeface="Cabin"/>
-                <a:cs typeface="Cabin"/>
-                <a:sym typeface="Cabin"/>
-              </a:rPr>
-              <a:t> </a:t>
-            </a:r>
-            <a:r>
-              <a:rPr lang="en-US" sz="1913" dirty="0" err="1">
-                <a:latin typeface="Cabin"/>
-                <a:ea typeface="Cabin"/>
-                <a:cs typeface="Cabin"/>
-                <a:sym typeface="Cabin"/>
-              </a:rPr>
-              <a:t>часы</a:t>
-            </a:r>
-            <a:r>
-              <a:rPr lang="en-US" sz="1913" dirty="0">
-                <a:latin typeface="Cabin"/>
-                <a:ea typeface="Cabin"/>
-                <a:cs typeface="Cabin"/>
-                <a:sym typeface="Cabin"/>
-              </a:rPr>
-              <a:t>: 35 </a:t>
-            </a:r>
-          </a:p>
-          <a:p>
-            <a:pPr marL="257175">
-              <a:buClr>
-                <a:schemeClr val="lt1"/>
-              </a:buClr>
-              <a:buSzPct val="25000"/>
-            </a:pPr>
-            <a:r>
-              <a:rPr lang="en-US" sz="1913" dirty="0" err="1">
-                <a:latin typeface="Cabin"/>
-                <a:ea typeface="Cabin"/>
-                <a:cs typeface="Cabin"/>
-                <a:sym typeface="Cabin"/>
-              </a:rPr>
-              <a:t>Введите</a:t>
-            </a:r>
-            <a:r>
-              <a:rPr lang="en-US" sz="1913" dirty="0">
-                <a:latin typeface="Cabin"/>
-                <a:ea typeface="Cabin"/>
-                <a:cs typeface="Cabin"/>
-                <a:sym typeface="Cabin"/>
-              </a:rPr>
-              <a:t> </a:t>
-            </a:r>
-            <a:r>
-              <a:rPr lang="en-US" sz="1913" dirty="0" err="1">
-                <a:latin typeface="Cabin"/>
-                <a:ea typeface="Cabin"/>
-                <a:cs typeface="Cabin"/>
-                <a:sym typeface="Cabin"/>
-              </a:rPr>
-              <a:t>ставку</a:t>
-            </a:r>
-            <a:r>
-              <a:rPr lang="en-US" sz="1913" dirty="0">
-                <a:latin typeface="Cabin"/>
-                <a:ea typeface="Cabin"/>
-                <a:cs typeface="Cabin"/>
-                <a:sym typeface="Cabin"/>
-              </a:rPr>
-              <a:t>: 2.75 </a:t>
-            </a:r>
-          </a:p>
-          <a:p>
-            <a:pPr marL="257175">
-              <a:buClr>
-                <a:schemeClr val="lt1"/>
-              </a:buClr>
-              <a:buSzPct val="25000"/>
-            </a:pPr>
-            <a:r>
-              <a:rPr lang="en-US" sz="1913" dirty="0" err="1">
-                <a:latin typeface="Cabin"/>
-                <a:ea typeface="Cabin"/>
-                <a:cs typeface="Cabin"/>
-                <a:sym typeface="Cabin"/>
-              </a:rPr>
-              <a:t>Заработная</a:t>
-            </a:r>
-            <a:r>
-              <a:rPr lang="en-US" sz="1913" dirty="0">
-                <a:latin typeface="Cabin"/>
-                <a:ea typeface="Cabin"/>
-                <a:cs typeface="Cabin"/>
-                <a:sym typeface="Cabin"/>
-              </a:rPr>
-              <a:t> </a:t>
-            </a:r>
-            <a:r>
-              <a:rPr lang="en-US" sz="1913" dirty="0" err="1">
-                <a:latin typeface="Cabin"/>
-                <a:ea typeface="Cabin"/>
-                <a:cs typeface="Cabin"/>
-                <a:sym typeface="Cabin"/>
-              </a:rPr>
-              <a:t>плата</a:t>
-            </a:r>
-            <a:r>
-              <a:rPr lang="en-US" sz="1913" dirty="0">
-                <a:latin typeface="Cabin"/>
-                <a:ea typeface="Cabin"/>
-                <a:cs typeface="Cabin"/>
-                <a:sym typeface="Cabin"/>
-              </a:rPr>
-              <a:t>: 96.25</a:t>
-            </a:r>
-          </a:p>
-        </p:txBody>
-      </p:sp>
-    </p:spTree>
-    <p:extLst>
-      <p:ext uri="{BB962C8B-B14F-4D97-AF65-F5344CB8AC3E}">
-        <p14:creationId xmlns:p14="http://schemas.microsoft.com/office/powerpoint/2010/main" val="2414721185"/>
+        <p14:creationId xmlns:p14="http://schemas.microsoft.com/office/powerpoint/2010/main" val="3325906979"/>
       </p:ext>
     </p:extLst>
   </p:cSld>
@@ -28851,7 +26519,7 @@
   <a:extraClrSchemeLst/>
   <a:extLst>
     <a:ext uri="{05A4C25C-085E-4340-85A3-A5531E510DB2}">
-      <thm15:themeFamily xmlns:thm15="http://schemas.microsoft.com/office/thememl/2012/main" xmlns="" name="Office Theme" id="{62F939B6-93AF-4DB8-9C6B-D6C7DFDC589F}" vid="{4A3C46E8-61CC-4603-A589-7422A47A8E4A}"/>
+      <thm15:themeFamily xmlns:thm15="http://schemas.microsoft.com/office/thememl/2012/main" name="Office Theme" id="{62F939B6-93AF-4DB8-9C6B-D6C7DFDC589F}" vid="{4A3C46E8-61CC-4603-A589-7422A47A8E4A}"/>
     </a:ext>
   </a:extLst>
 </a:theme>
